--- a/Document Files/Marketing PPT.pptx
+++ b/Document Files/Marketing PPT.pptx
@@ -6,20 +6,24 @@
   </p:sldMasterIdLst>
   <p:sldIdLst>
     <p:sldId id="258" r:id="rId2"/>
-    <p:sldId id="261" r:id="rId3"/>
-    <p:sldId id="257" r:id="rId4"/>
-    <p:sldId id="259" r:id="rId5"/>
-    <p:sldId id="260" r:id="rId6"/>
-    <p:sldId id="262" r:id="rId7"/>
-    <p:sldId id="263" r:id="rId8"/>
-    <p:sldId id="264" r:id="rId9"/>
-    <p:sldId id="265" r:id="rId10"/>
-    <p:sldId id="266" r:id="rId11"/>
-    <p:sldId id="267" r:id="rId12"/>
-    <p:sldId id="269" r:id="rId13"/>
-    <p:sldId id="271" r:id="rId14"/>
-    <p:sldId id="272" r:id="rId15"/>
-    <p:sldId id="270" r:id="rId16"/>
+    <p:sldId id="276" r:id="rId3"/>
+    <p:sldId id="261" r:id="rId4"/>
+    <p:sldId id="257" r:id="rId5"/>
+    <p:sldId id="259" r:id="rId6"/>
+    <p:sldId id="260" r:id="rId7"/>
+    <p:sldId id="273" r:id="rId8"/>
+    <p:sldId id="274" r:id="rId9"/>
+    <p:sldId id="275" r:id="rId10"/>
+    <p:sldId id="262" r:id="rId11"/>
+    <p:sldId id="263" r:id="rId12"/>
+    <p:sldId id="264" r:id="rId13"/>
+    <p:sldId id="265" r:id="rId14"/>
+    <p:sldId id="266" r:id="rId15"/>
+    <p:sldId id="267" r:id="rId16"/>
+    <p:sldId id="269" r:id="rId17"/>
+    <p:sldId id="271" r:id="rId18"/>
+    <p:sldId id="272" r:id="rId19"/>
+    <p:sldId id="270" r:id="rId20"/>
   </p:sldIdLst>
   <p:sldSz cx="12192000" cy="6858000"/>
   <p:notesSz cx="6858000" cy="9144000"/>
@@ -1897,7 +1901,7 @@
             </a:lnSpc>
           </a:pPr>
           <a:r>
-            <a:rPr lang="en-US"/>
+            <a:rPr lang="en-US" dirty="0"/>
             <a:t>AnimalTrack Team</a:t>
           </a:r>
         </a:p>
@@ -2375,51 +2379,7 @@
 <dgm:dataModel xmlns:dgm="http://schemas.openxmlformats.org/drawingml/2006/diagram" xmlns:a="http://schemas.openxmlformats.org/drawingml/2006/main">
   <dgm:ptLst>
     <dgm:pt modelId="{F9F35A83-27DB-4C22-8695-97774B18292C}" type="doc">
-      <dgm:prSet loTypeId="urn:microsoft.com/office/officeart/2005/8/layout/default" loCatId="list" qsTypeId="urn:microsoft.com/office/officeart/2005/8/quickstyle/simple1" qsCatId="simple" csTypeId="urn:microsoft.com/office/officeart/2005/8/colors/colorful2" csCatId="colorful"/>
-      <dgm:spPr/>
-      <dgm:t>
-        <a:bodyPr/>
-        <a:lstStyle/>
-        <a:p>
-          <a:endParaRPr lang="en-US"/>
-        </a:p>
-      </dgm:t>
-    </dgm:pt>
-    <dgm:pt modelId="{624CFB1F-F983-4472-AF5D-A07C99D83EDC}">
-      <dgm:prSet/>
-      <dgm:spPr/>
-      <dgm:t>
-        <a:bodyPr/>
-        <a:lstStyle/>
-        <a:p>
-          <a:r>
-            <a:rPr lang="en-US" dirty="0"/>
-            <a:t>Factors that affect someone’s contribution scores </a:t>
-          </a:r>
-          <a:r>
-            <a:rPr lang="en-US" i="1" dirty="0"/>
-            <a:t>(Not including spam)</a:t>
-          </a:r>
-          <a:r>
-            <a:rPr lang="en-US" dirty="0"/>
-            <a:t>:</a:t>
-          </a:r>
-        </a:p>
-      </dgm:t>
-    </dgm:pt>
-    <dgm:pt modelId="{62463339-CF75-40A8-9B77-581DDD91EE88}" type="parTrans" cxnId="{374DD4E0-FCE8-43A3-BB67-DCE056C9EE38}">
-      <dgm:prSet/>
-      <dgm:spPr/>
-      <dgm:t>
-        <a:bodyPr/>
-        <a:lstStyle/>
-        <a:p>
-          <a:endParaRPr lang="en-US"/>
-        </a:p>
-      </dgm:t>
-    </dgm:pt>
-    <dgm:pt modelId="{03BA10D9-1285-46F5-B09F-A6E12DFD5B02}" type="sibTrans" cxnId="{374DD4E0-FCE8-43A3-BB67-DCE056C9EE38}">
-      <dgm:prSet/>
+      <dgm:prSet loTypeId="urn:microsoft.com/office/officeart/2005/8/layout/default" loCatId="list" qsTypeId="urn:microsoft.com/office/officeart/2005/8/quickstyle/simple1" qsCatId="simple" csTypeId="urn:microsoft.com/office/officeart/2005/8/colors/colorful2" csCatId="colorful" phldr="1"/>
       <dgm:spPr/>
       <dgm:t>
         <a:bodyPr/>
@@ -2790,20 +2750,8 @@
       </dgm:prSet>
       <dgm:spPr/>
     </dgm:pt>
-    <dgm:pt modelId="{BC9D264C-A4A0-46D0-82E5-302F48840784}" type="pres">
-      <dgm:prSet presAssocID="{624CFB1F-F983-4472-AF5D-A07C99D83EDC}" presName="node" presStyleLbl="node1" presStyleIdx="0" presStyleCnt="9">
-        <dgm:presLayoutVars>
-          <dgm:bulletEnabled val="1"/>
-        </dgm:presLayoutVars>
-      </dgm:prSet>
-      <dgm:spPr/>
-    </dgm:pt>
-    <dgm:pt modelId="{5A327F57-9CE2-4866-B526-07D3C951FBF5}" type="pres">
-      <dgm:prSet presAssocID="{03BA10D9-1285-46F5-B09F-A6E12DFD5B02}" presName="sibTrans" presStyleCnt="0"/>
-      <dgm:spPr/>
-    </dgm:pt>
     <dgm:pt modelId="{DBB5859A-D2D5-4A63-BE6B-034B8FFC760B}" type="pres">
-      <dgm:prSet presAssocID="{8FFBA57E-1372-4C0B-A2DF-AE2AC5E98C1C}" presName="node" presStyleLbl="node1" presStyleIdx="1" presStyleCnt="9">
+      <dgm:prSet presAssocID="{8FFBA57E-1372-4C0B-A2DF-AE2AC5E98C1C}" presName="node" presStyleLbl="node1" presStyleIdx="0" presStyleCnt="8">
         <dgm:presLayoutVars>
           <dgm:bulletEnabled val="1"/>
         </dgm:presLayoutVars>
@@ -2815,7 +2763,7 @@
       <dgm:spPr/>
     </dgm:pt>
     <dgm:pt modelId="{2E3451AE-E0D0-433F-AD49-E5A0A833307A}" type="pres">
-      <dgm:prSet presAssocID="{55A76DE5-5E9A-4989-8B30-BC28EB985E67}" presName="node" presStyleLbl="node1" presStyleIdx="2" presStyleCnt="9">
+      <dgm:prSet presAssocID="{55A76DE5-5E9A-4989-8B30-BC28EB985E67}" presName="node" presStyleLbl="node1" presStyleIdx="1" presStyleCnt="8">
         <dgm:presLayoutVars>
           <dgm:bulletEnabled val="1"/>
         </dgm:presLayoutVars>
@@ -2827,7 +2775,7 @@
       <dgm:spPr/>
     </dgm:pt>
     <dgm:pt modelId="{853A30FF-FF9C-4424-8470-9B8575560805}" type="pres">
-      <dgm:prSet presAssocID="{49BDCECA-7D0A-4A4E-87BF-2B51BB6C76B0}" presName="node" presStyleLbl="node1" presStyleIdx="3" presStyleCnt="9">
+      <dgm:prSet presAssocID="{49BDCECA-7D0A-4A4E-87BF-2B51BB6C76B0}" presName="node" presStyleLbl="node1" presStyleIdx="2" presStyleCnt="8">
         <dgm:presLayoutVars>
           <dgm:bulletEnabled val="1"/>
         </dgm:presLayoutVars>
@@ -2839,7 +2787,7 @@
       <dgm:spPr/>
     </dgm:pt>
     <dgm:pt modelId="{B86F516B-16FC-4A60-A616-971ED973DB89}" type="pres">
-      <dgm:prSet presAssocID="{E2B727BE-B44C-47EC-8460-998A0C43763D}" presName="node" presStyleLbl="node1" presStyleIdx="4" presStyleCnt="9">
+      <dgm:prSet presAssocID="{E2B727BE-B44C-47EC-8460-998A0C43763D}" presName="node" presStyleLbl="node1" presStyleIdx="3" presStyleCnt="8">
         <dgm:presLayoutVars>
           <dgm:bulletEnabled val="1"/>
         </dgm:presLayoutVars>
@@ -2851,7 +2799,7 @@
       <dgm:spPr/>
     </dgm:pt>
     <dgm:pt modelId="{4707340B-729F-4E6E-92E6-625BA0B42CCA}" type="pres">
-      <dgm:prSet presAssocID="{F6104E2F-145D-4BD0-882B-6F71CF5969F4}" presName="node" presStyleLbl="node1" presStyleIdx="5" presStyleCnt="9">
+      <dgm:prSet presAssocID="{F6104E2F-145D-4BD0-882B-6F71CF5969F4}" presName="node" presStyleLbl="node1" presStyleIdx="4" presStyleCnt="8">
         <dgm:presLayoutVars>
           <dgm:bulletEnabled val="1"/>
         </dgm:presLayoutVars>
@@ -2863,7 +2811,7 @@
       <dgm:spPr/>
     </dgm:pt>
     <dgm:pt modelId="{9F1C491F-CB80-42DF-AD60-23C6487CADA6}" type="pres">
-      <dgm:prSet presAssocID="{085FE99C-AC01-480E-8904-04F21F995BA3}" presName="node" presStyleLbl="node1" presStyleIdx="6" presStyleCnt="9">
+      <dgm:prSet presAssocID="{085FE99C-AC01-480E-8904-04F21F995BA3}" presName="node" presStyleLbl="node1" presStyleIdx="5" presStyleCnt="8">
         <dgm:presLayoutVars>
           <dgm:bulletEnabled val="1"/>
         </dgm:presLayoutVars>
@@ -2875,7 +2823,7 @@
       <dgm:spPr/>
     </dgm:pt>
     <dgm:pt modelId="{D5FBA259-7642-4D34-8C16-E1F7D49C4FF6}" type="pres">
-      <dgm:prSet presAssocID="{2D7BD233-A180-4A5E-A590-54C0D1CF1D59}" presName="node" presStyleLbl="node1" presStyleIdx="7" presStyleCnt="9">
+      <dgm:prSet presAssocID="{2D7BD233-A180-4A5E-A590-54C0D1CF1D59}" presName="node" presStyleLbl="node1" presStyleIdx="6" presStyleCnt="8">
         <dgm:presLayoutVars>
           <dgm:bulletEnabled val="1"/>
         </dgm:presLayoutVars>
@@ -2887,7 +2835,7 @@
       <dgm:spPr/>
     </dgm:pt>
     <dgm:pt modelId="{998CF881-D2F3-455B-A260-CF26FC44608C}" type="pres">
-      <dgm:prSet presAssocID="{62D84F4D-81FA-45C5-AE69-F18E2BC1CAFD}" presName="node" presStyleLbl="node1" presStyleIdx="8" presStyleCnt="9">
+      <dgm:prSet presAssocID="{62D84F4D-81FA-45C5-AE69-F18E2BC1CAFD}" presName="node" presStyleLbl="node1" presStyleIdx="7" presStyleCnt="8">
         <dgm:presLayoutVars>
           <dgm:bulletEnabled val="1"/>
         </dgm:presLayoutVars>
@@ -2897,41 +2845,37 @@
   </dgm:ptLst>
   <dgm:cxnLst>
     <dgm:cxn modelId="{B2A42001-6FCB-4D60-8BD5-239A49149E06}" type="presOf" srcId="{8FFBA57E-1372-4C0B-A2DF-AE2AC5E98C1C}" destId="{DBB5859A-D2D5-4A63-BE6B-034B8FFC760B}" srcOrd="0" destOrd="0" presId="urn:microsoft.com/office/officeart/2005/8/layout/default"/>
-    <dgm:cxn modelId="{5C55BA24-68F3-4274-B4A3-C7A1A87A7288}" srcId="{F9F35A83-27DB-4C22-8695-97774B18292C}" destId="{F6104E2F-145D-4BD0-882B-6F71CF5969F4}" srcOrd="5" destOrd="0" parTransId="{52640BB3-C539-484A-9A4F-94DF6FEAE280}" sibTransId="{21E786AA-DA00-42C9-B4A5-FBD66B4DA907}"/>
+    <dgm:cxn modelId="{5C55BA24-68F3-4274-B4A3-C7A1A87A7288}" srcId="{F9F35A83-27DB-4C22-8695-97774B18292C}" destId="{F6104E2F-145D-4BD0-882B-6F71CF5969F4}" srcOrd="4" destOrd="0" parTransId="{52640BB3-C539-484A-9A4F-94DF6FEAE280}" sibTransId="{21E786AA-DA00-42C9-B4A5-FBD66B4DA907}"/>
     <dgm:cxn modelId="{1C17902D-9113-4426-993A-9B741C1B1BFE}" type="presOf" srcId="{085FE99C-AC01-480E-8904-04F21F995BA3}" destId="{9F1C491F-CB80-42DF-AD60-23C6487CADA6}" srcOrd="0" destOrd="0" presId="urn:microsoft.com/office/officeart/2005/8/layout/default"/>
     <dgm:cxn modelId="{B57CDE36-B2B1-475E-891C-12927A76A7CA}" type="presOf" srcId="{E2B727BE-B44C-47EC-8460-998A0C43763D}" destId="{B86F516B-16FC-4A60-A616-971ED973DB89}" srcOrd="0" destOrd="0" presId="urn:microsoft.com/office/officeart/2005/8/layout/default"/>
     <dgm:cxn modelId="{881ED25E-B085-4FC7-B1A4-54010A32BDE5}" type="presOf" srcId="{49BDCECA-7D0A-4A4E-87BF-2B51BB6C76B0}" destId="{853A30FF-FF9C-4424-8470-9B8575560805}" srcOrd="0" destOrd="0" presId="urn:microsoft.com/office/officeart/2005/8/layout/default"/>
-    <dgm:cxn modelId="{9E791B67-0826-42D5-8A55-CADBEA15910F}" srcId="{F9F35A83-27DB-4C22-8695-97774B18292C}" destId="{2D7BD233-A180-4A5E-A590-54C0D1CF1D59}" srcOrd="7" destOrd="0" parTransId="{F586D1A0-5AC9-4FEF-AC4A-5173B4663A67}" sibTransId="{EBED2DFE-1E75-46A1-88A1-F320E23AD759}"/>
+    <dgm:cxn modelId="{9E791B67-0826-42D5-8A55-CADBEA15910F}" srcId="{F9F35A83-27DB-4C22-8695-97774B18292C}" destId="{2D7BD233-A180-4A5E-A590-54C0D1CF1D59}" srcOrd="6" destOrd="0" parTransId="{F586D1A0-5AC9-4FEF-AC4A-5173B4663A67}" sibTransId="{EBED2DFE-1E75-46A1-88A1-F320E23AD759}"/>
     <dgm:cxn modelId="{EE22936E-84C7-4354-AABD-A5F9FB8621BE}" type="presOf" srcId="{2D7BD233-A180-4A5E-A590-54C0D1CF1D59}" destId="{D5FBA259-7642-4D34-8C16-E1F7D49C4FF6}" srcOrd="0" destOrd="0" presId="urn:microsoft.com/office/officeart/2005/8/layout/default"/>
     <dgm:cxn modelId="{A39E6971-A7C0-47BD-9AE4-C1A4D2AD881E}" type="presOf" srcId="{62D84F4D-81FA-45C5-AE69-F18E2BC1CAFD}" destId="{998CF881-D2F3-455B-A260-CF26FC44608C}" srcOrd="0" destOrd="0" presId="urn:microsoft.com/office/officeart/2005/8/layout/default"/>
-    <dgm:cxn modelId="{2FE04D55-B8B1-46A0-BB71-337FEF9BAF4A}" srcId="{F9F35A83-27DB-4C22-8695-97774B18292C}" destId="{62D84F4D-81FA-45C5-AE69-F18E2BC1CAFD}" srcOrd="8" destOrd="0" parTransId="{38D0D49C-613A-4A54-A8C9-E276C9764AF1}" sibTransId="{E1A54F30-523E-4905-8FDD-DE8AAEC853BA}"/>
+    <dgm:cxn modelId="{2FE04D55-B8B1-46A0-BB71-337FEF9BAF4A}" srcId="{F9F35A83-27DB-4C22-8695-97774B18292C}" destId="{62D84F4D-81FA-45C5-AE69-F18E2BC1CAFD}" srcOrd="7" destOrd="0" parTransId="{38D0D49C-613A-4A54-A8C9-E276C9764AF1}" sibTransId="{E1A54F30-523E-4905-8FDD-DE8AAEC853BA}"/>
     <dgm:cxn modelId="{92C33E78-CB6F-4AB7-91BA-5FEDC597A323}" type="presOf" srcId="{F6104E2F-145D-4BD0-882B-6F71CF5969F4}" destId="{4707340B-729F-4E6E-92E6-625BA0B42CCA}" srcOrd="0" destOrd="0" presId="urn:microsoft.com/office/officeart/2005/8/layout/default"/>
-    <dgm:cxn modelId="{666C3F5A-9778-4C93-98C8-279C3DC2B230}" srcId="{F9F35A83-27DB-4C22-8695-97774B18292C}" destId="{8FFBA57E-1372-4C0B-A2DF-AE2AC5E98C1C}" srcOrd="1" destOrd="0" parTransId="{7C7B58A7-A8AB-4947-AF1A-B8DFE2B02946}" sibTransId="{E2BAD928-346A-49D8-BEED-2874A8E3822A}"/>
+    <dgm:cxn modelId="{666C3F5A-9778-4C93-98C8-279C3DC2B230}" srcId="{F9F35A83-27DB-4C22-8695-97774B18292C}" destId="{8FFBA57E-1372-4C0B-A2DF-AE2AC5E98C1C}" srcOrd="0" destOrd="0" parTransId="{7C7B58A7-A8AB-4947-AF1A-B8DFE2B02946}" sibTransId="{E2BAD928-346A-49D8-BEED-2874A8E3822A}"/>
     <dgm:cxn modelId="{55EEBD8E-B698-4B95-8A65-CA610380B473}" type="presOf" srcId="{F9F35A83-27DB-4C22-8695-97774B18292C}" destId="{317BEE49-E0E8-40A7-8E8A-1745785671D4}" srcOrd="0" destOrd="0" presId="urn:microsoft.com/office/officeart/2005/8/layout/default"/>
     <dgm:cxn modelId="{EFBB1B9A-008C-40C2-B5FF-D2DBA2E169F7}" type="presOf" srcId="{55A76DE5-5E9A-4989-8B30-BC28EB985E67}" destId="{2E3451AE-E0D0-433F-AD49-E5A0A833307A}" srcOrd="0" destOrd="0" presId="urn:microsoft.com/office/officeart/2005/8/layout/default"/>
-    <dgm:cxn modelId="{F69D039B-9846-4DD9-9C45-45420B1AF308}" type="presOf" srcId="{624CFB1F-F983-4472-AF5D-A07C99D83EDC}" destId="{BC9D264C-A4A0-46D0-82E5-302F48840784}" srcOrd="0" destOrd="0" presId="urn:microsoft.com/office/officeart/2005/8/layout/default"/>
-    <dgm:cxn modelId="{6715A4BB-D4C9-4A47-8A9C-996DADDBE78B}" srcId="{F9F35A83-27DB-4C22-8695-97774B18292C}" destId="{085FE99C-AC01-480E-8904-04F21F995BA3}" srcOrd="6" destOrd="0" parTransId="{9D3BAC8F-A8BB-4EB2-8650-6EB2E2C2255C}" sibTransId="{B859E698-11C7-4655-939A-3EADB3B98F85}"/>
-    <dgm:cxn modelId="{32E760E0-9E49-4431-A41A-6A3A73EC6934}" srcId="{F9F35A83-27DB-4C22-8695-97774B18292C}" destId="{55A76DE5-5E9A-4989-8B30-BC28EB985E67}" srcOrd="2" destOrd="0" parTransId="{ED09CCE0-3B14-4C08-932D-A9D5A91E9D0E}" sibTransId="{12239709-324A-4B16-B47E-BA058BA7229D}"/>
-    <dgm:cxn modelId="{374DD4E0-FCE8-43A3-BB67-DCE056C9EE38}" srcId="{F9F35A83-27DB-4C22-8695-97774B18292C}" destId="{624CFB1F-F983-4472-AF5D-A07C99D83EDC}" srcOrd="0" destOrd="0" parTransId="{62463339-CF75-40A8-9B77-581DDD91EE88}" sibTransId="{03BA10D9-1285-46F5-B09F-A6E12DFD5B02}"/>
-    <dgm:cxn modelId="{51892CE1-06F0-4F2E-A859-3B323C1A4B56}" srcId="{F9F35A83-27DB-4C22-8695-97774B18292C}" destId="{49BDCECA-7D0A-4A4E-87BF-2B51BB6C76B0}" srcOrd="3" destOrd="0" parTransId="{A77E8552-9367-40F3-AFB7-7771E26FF59A}" sibTransId="{BDD3C1F1-22BF-4D87-8C92-E5BC88CADFDE}"/>
-    <dgm:cxn modelId="{A8C4E3E5-4C06-48A4-B243-ECBC1D429248}" srcId="{F9F35A83-27DB-4C22-8695-97774B18292C}" destId="{E2B727BE-B44C-47EC-8460-998A0C43763D}" srcOrd="4" destOrd="0" parTransId="{1488EE11-A429-45BA-82BB-65EA28A5C8BC}" sibTransId="{5618E496-B802-4664-B101-58CFB99BC039}"/>
-    <dgm:cxn modelId="{D1266D8C-2811-4607-9074-D4B331AB0DC8}" type="presParOf" srcId="{317BEE49-E0E8-40A7-8E8A-1745785671D4}" destId="{BC9D264C-A4A0-46D0-82E5-302F48840784}" srcOrd="0" destOrd="0" presId="urn:microsoft.com/office/officeart/2005/8/layout/default"/>
-    <dgm:cxn modelId="{740AB2D9-C07C-4B68-810E-0D36BA86DAEB}" type="presParOf" srcId="{317BEE49-E0E8-40A7-8E8A-1745785671D4}" destId="{5A327F57-9CE2-4866-B526-07D3C951FBF5}" srcOrd="1" destOrd="0" presId="urn:microsoft.com/office/officeart/2005/8/layout/default"/>
-    <dgm:cxn modelId="{C27A903F-DF2A-42B5-B727-6234DB2B68CE}" type="presParOf" srcId="{317BEE49-E0E8-40A7-8E8A-1745785671D4}" destId="{DBB5859A-D2D5-4A63-BE6B-034B8FFC760B}" srcOrd="2" destOrd="0" presId="urn:microsoft.com/office/officeart/2005/8/layout/default"/>
-    <dgm:cxn modelId="{E8BF15D0-BC80-49D7-BB76-CF4BFD845E34}" type="presParOf" srcId="{317BEE49-E0E8-40A7-8E8A-1745785671D4}" destId="{E0299686-B13E-4785-B44B-4999FABEA386}" srcOrd="3" destOrd="0" presId="urn:microsoft.com/office/officeart/2005/8/layout/default"/>
-    <dgm:cxn modelId="{39BBE373-7E1D-4BDB-98EE-A41A6AB37336}" type="presParOf" srcId="{317BEE49-E0E8-40A7-8E8A-1745785671D4}" destId="{2E3451AE-E0D0-433F-AD49-E5A0A833307A}" srcOrd="4" destOrd="0" presId="urn:microsoft.com/office/officeart/2005/8/layout/default"/>
-    <dgm:cxn modelId="{62E3A3CA-77BA-43BD-BC68-8C7D540F5F23}" type="presParOf" srcId="{317BEE49-E0E8-40A7-8E8A-1745785671D4}" destId="{DC4CEBFC-A764-4EF0-863D-68F5AF0A7F70}" srcOrd="5" destOrd="0" presId="urn:microsoft.com/office/officeart/2005/8/layout/default"/>
-    <dgm:cxn modelId="{CE46138B-C20D-4B86-973F-FC7265F71777}" type="presParOf" srcId="{317BEE49-E0E8-40A7-8E8A-1745785671D4}" destId="{853A30FF-FF9C-4424-8470-9B8575560805}" srcOrd="6" destOrd="0" presId="urn:microsoft.com/office/officeart/2005/8/layout/default"/>
-    <dgm:cxn modelId="{EFBDA81F-FE72-474E-A9CE-EE1C91CD28E9}" type="presParOf" srcId="{317BEE49-E0E8-40A7-8E8A-1745785671D4}" destId="{D20D130E-0E36-435B-A3E2-6545493A786C}" srcOrd="7" destOrd="0" presId="urn:microsoft.com/office/officeart/2005/8/layout/default"/>
-    <dgm:cxn modelId="{990941E2-71A5-44AD-B411-540D06EA1B99}" type="presParOf" srcId="{317BEE49-E0E8-40A7-8E8A-1745785671D4}" destId="{B86F516B-16FC-4A60-A616-971ED973DB89}" srcOrd="8" destOrd="0" presId="urn:microsoft.com/office/officeart/2005/8/layout/default"/>
-    <dgm:cxn modelId="{FF5D98D3-8D96-42D1-AB8E-77CF4D586D81}" type="presParOf" srcId="{317BEE49-E0E8-40A7-8E8A-1745785671D4}" destId="{EBB2F764-2A44-437A-BA14-B2FF9CDEA545}" srcOrd="9" destOrd="0" presId="urn:microsoft.com/office/officeart/2005/8/layout/default"/>
-    <dgm:cxn modelId="{4BC6BA9C-F7BF-4643-85C8-5F165A205320}" type="presParOf" srcId="{317BEE49-E0E8-40A7-8E8A-1745785671D4}" destId="{4707340B-729F-4E6E-92E6-625BA0B42CCA}" srcOrd="10" destOrd="0" presId="urn:microsoft.com/office/officeart/2005/8/layout/default"/>
-    <dgm:cxn modelId="{029F53C4-519B-444C-B335-878E1D2CCC15}" type="presParOf" srcId="{317BEE49-E0E8-40A7-8E8A-1745785671D4}" destId="{E55A705D-5668-4A3E-B801-1B66BBEE5027}" srcOrd="11" destOrd="0" presId="urn:microsoft.com/office/officeart/2005/8/layout/default"/>
-    <dgm:cxn modelId="{6A8F42DC-BA8F-4279-ACE4-E30C9343CCFC}" type="presParOf" srcId="{317BEE49-E0E8-40A7-8E8A-1745785671D4}" destId="{9F1C491F-CB80-42DF-AD60-23C6487CADA6}" srcOrd="12" destOrd="0" presId="urn:microsoft.com/office/officeart/2005/8/layout/default"/>
-    <dgm:cxn modelId="{7BC4E49D-716D-4285-93DD-DAE3EE3868C8}" type="presParOf" srcId="{317BEE49-E0E8-40A7-8E8A-1745785671D4}" destId="{9944B109-EC6B-496E-BD9A-AAB4B90EBECC}" srcOrd="13" destOrd="0" presId="urn:microsoft.com/office/officeart/2005/8/layout/default"/>
-    <dgm:cxn modelId="{CCF697D6-69A8-4FB1-A901-DB0FE4642238}" type="presParOf" srcId="{317BEE49-E0E8-40A7-8E8A-1745785671D4}" destId="{D5FBA259-7642-4D34-8C16-E1F7D49C4FF6}" srcOrd="14" destOrd="0" presId="urn:microsoft.com/office/officeart/2005/8/layout/default"/>
-    <dgm:cxn modelId="{934BC146-D508-4E91-ABD9-D597E24DF398}" type="presParOf" srcId="{317BEE49-E0E8-40A7-8E8A-1745785671D4}" destId="{DB1D5CF1-7907-4DB8-B20E-35504B3249D6}" srcOrd="15" destOrd="0" presId="urn:microsoft.com/office/officeart/2005/8/layout/default"/>
-    <dgm:cxn modelId="{B098DF6B-D15B-4E9C-86A9-FEDFBC7250DA}" type="presParOf" srcId="{317BEE49-E0E8-40A7-8E8A-1745785671D4}" destId="{998CF881-D2F3-455B-A260-CF26FC44608C}" srcOrd="16" destOrd="0" presId="urn:microsoft.com/office/officeart/2005/8/layout/default"/>
+    <dgm:cxn modelId="{6715A4BB-D4C9-4A47-8A9C-996DADDBE78B}" srcId="{F9F35A83-27DB-4C22-8695-97774B18292C}" destId="{085FE99C-AC01-480E-8904-04F21F995BA3}" srcOrd="5" destOrd="0" parTransId="{9D3BAC8F-A8BB-4EB2-8650-6EB2E2C2255C}" sibTransId="{B859E698-11C7-4655-939A-3EADB3B98F85}"/>
+    <dgm:cxn modelId="{32E760E0-9E49-4431-A41A-6A3A73EC6934}" srcId="{F9F35A83-27DB-4C22-8695-97774B18292C}" destId="{55A76DE5-5E9A-4989-8B30-BC28EB985E67}" srcOrd="1" destOrd="0" parTransId="{ED09CCE0-3B14-4C08-932D-A9D5A91E9D0E}" sibTransId="{12239709-324A-4B16-B47E-BA058BA7229D}"/>
+    <dgm:cxn modelId="{51892CE1-06F0-4F2E-A859-3B323C1A4B56}" srcId="{F9F35A83-27DB-4C22-8695-97774B18292C}" destId="{49BDCECA-7D0A-4A4E-87BF-2B51BB6C76B0}" srcOrd="2" destOrd="0" parTransId="{A77E8552-9367-40F3-AFB7-7771E26FF59A}" sibTransId="{BDD3C1F1-22BF-4D87-8C92-E5BC88CADFDE}"/>
+    <dgm:cxn modelId="{A8C4E3E5-4C06-48A4-B243-ECBC1D429248}" srcId="{F9F35A83-27DB-4C22-8695-97774B18292C}" destId="{E2B727BE-B44C-47EC-8460-998A0C43763D}" srcOrd="3" destOrd="0" parTransId="{1488EE11-A429-45BA-82BB-65EA28A5C8BC}" sibTransId="{5618E496-B802-4664-B101-58CFB99BC039}"/>
+    <dgm:cxn modelId="{C27A903F-DF2A-42B5-B727-6234DB2B68CE}" type="presParOf" srcId="{317BEE49-E0E8-40A7-8E8A-1745785671D4}" destId="{DBB5859A-D2D5-4A63-BE6B-034B8FFC760B}" srcOrd="0" destOrd="0" presId="urn:microsoft.com/office/officeart/2005/8/layout/default"/>
+    <dgm:cxn modelId="{E8BF15D0-BC80-49D7-BB76-CF4BFD845E34}" type="presParOf" srcId="{317BEE49-E0E8-40A7-8E8A-1745785671D4}" destId="{E0299686-B13E-4785-B44B-4999FABEA386}" srcOrd="1" destOrd="0" presId="urn:microsoft.com/office/officeart/2005/8/layout/default"/>
+    <dgm:cxn modelId="{39BBE373-7E1D-4BDB-98EE-A41A6AB37336}" type="presParOf" srcId="{317BEE49-E0E8-40A7-8E8A-1745785671D4}" destId="{2E3451AE-E0D0-433F-AD49-E5A0A833307A}" srcOrd="2" destOrd="0" presId="urn:microsoft.com/office/officeart/2005/8/layout/default"/>
+    <dgm:cxn modelId="{62E3A3CA-77BA-43BD-BC68-8C7D540F5F23}" type="presParOf" srcId="{317BEE49-E0E8-40A7-8E8A-1745785671D4}" destId="{DC4CEBFC-A764-4EF0-863D-68F5AF0A7F70}" srcOrd="3" destOrd="0" presId="urn:microsoft.com/office/officeart/2005/8/layout/default"/>
+    <dgm:cxn modelId="{CE46138B-C20D-4B86-973F-FC7265F71777}" type="presParOf" srcId="{317BEE49-E0E8-40A7-8E8A-1745785671D4}" destId="{853A30FF-FF9C-4424-8470-9B8575560805}" srcOrd="4" destOrd="0" presId="urn:microsoft.com/office/officeart/2005/8/layout/default"/>
+    <dgm:cxn modelId="{EFBDA81F-FE72-474E-A9CE-EE1C91CD28E9}" type="presParOf" srcId="{317BEE49-E0E8-40A7-8E8A-1745785671D4}" destId="{D20D130E-0E36-435B-A3E2-6545493A786C}" srcOrd="5" destOrd="0" presId="urn:microsoft.com/office/officeart/2005/8/layout/default"/>
+    <dgm:cxn modelId="{990941E2-71A5-44AD-B411-540D06EA1B99}" type="presParOf" srcId="{317BEE49-E0E8-40A7-8E8A-1745785671D4}" destId="{B86F516B-16FC-4A60-A616-971ED973DB89}" srcOrd="6" destOrd="0" presId="urn:microsoft.com/office/officeart/2005/8/layout/default"/>
+    <dgm:cxn modelId="{FF5D98D3-8D96-42D1-AB8E-77CF4D586D81}" type="presParOf" srcId="{317BEE49-E0E8-40A7-8E8A-1745785671D4}" destId="{EBB2F764-2A44-437A-BA14-B2FF9CDEA545}" srcOrd="7" destOrd="0" presId="urn:microsoft.com/office/officeart/2005/8/layout/default"/>
+    <dgm:cxn modelId="{4BC6BA9C-F7BF-4643-85C8-5F165A205320}" type="presParOf" srcId="{317BEE49-E0E8-40A7-8E8A-1745785671D4}" destId="{4707340B-729F-4E6E-92E6-625BA0B42CCA}" srcOrd="8" destOrd="0" presId="urn:microsoft.com/office/officeart/2005/8/layout/default"/>
+    <dgm:cxn modelId="{029F53C4-519B-444C-B335-878E1D2CCC15}" type="presParOf" srcId="{317BEE49-E0E8-40A7-8E8A-1745785671D4}" destId="{E55A705D-5668-4A3E-B801-1B66BBEE5027}" srcOrd="9" destOrd="0" presId="urn:microsoft.com/office/officeart/2005/8/layout/default"/>
+    <dgm:cxn modelId="{6A8F42DC-BA8F-4279-ACE4-E30C9343CCFC}" type="presParOf" srcId="{317BEE49-E0E8-40A7-8E8A-1745785671D4}" destId="{9F1C491F-CB80-42DF-AD60-23C6487CADA6}" srcOrd="10" destOrd="0" presId="urn:microsoft.com/office/officeart/2005/8/layout/default"/>
+    <dgm:cxn modelId="{7BC4E49D-716D-4285-93DD-DAE3EE3868C8}" type="presParOf" srcId="{317BEE49-E0E8-40A7-8E8A-1745785671D4}" destId="{9944B109-EC6B-496E-BD9A-AAB4B90EBECC}" srcOrd="11" destOrd="0" presId="urn:microsoft.com/office/officeart/2005/8/layout/default"/>
+    <dgm:cxn modelId="{CCF697D6-69A8-4FB1-A901-DB0FE4642238}" type="presParOf" srcId="{317BEE49-E0E8-40A7-8E8A-1745785671D4}" destId="{D5FBA259-7642-4D34-8C16-E1F7D49C4FF6}" srcOrd="12" destOrd="0" presId="urn:microsoft.com/office/officeart/2005/8/layout/default"/>
+    <dgm:cxn modelId="{934BC146-D508-4E91-ABD9-D597E24DF398}" type="presParOf" srcId="{317BEE49-E0E8-40A7-8E8A-1745785671D4}" destId="{DB1D5CF1-7907-4DB8-B20E-35504B3249D6}" srcOrd="13" destOrd="0" presId="urn:microsoft.com/office/officeart/2005/8/layout/default"/>
+    <dgm:cxn modelId="{B098DF6B-D15B-4E9C-86A9-FEDFBC7250DA}" type="presParOf" srcId="{317BEE49-E0E8-40A7-8E8A-1745785671D4}" destId="{998CF881-D2F3-455B-A260-CF26FC44608C}" srcOrd="14" destOrd="0" presId="urn:microsoft.com/office/officeart/2005/8/layout/default"/>
   </dgm:cxnLst>
   <dgm:bg/>
   <dgm:whole/>
@@ -3245,7 +3189,7 @@
             <a:buNone/>
           </a:pPr>
           <a:r>
-            <a:rPr lang="en-US" sz="1900" kern="1200"/>
+            <a:rPr lang="en-US" sz="1900" kern="1200" dirty="0"/>
             <a:t>AnimalTrack Team</a:t>
           </a:r>
         </a:p>
@@ -3723,7 +3667,7 @@
       <dsp:cNvGrpSpPr/>
     </dsp:nvGrpSpPr>
     <dsp:grpSpPr/>
-    <dsp:sp modelId="{BC9D264C-A4A0-46D0-82E5-302F48840784}">
+    <dsp:sp modelId="{DBB5859A-D2D5-4A63-BE6B-034B8FFC760B}">
       <dsp:nvSpPr>
         <dsp:cNvPr id="0" name=""/>
         <dsp:cNvSpPr/>
@@ -3792,15 +3736,15 @@
           </a:pPr>
           <a:r>
             <a:rPr lang="en-US" sz="1300" kern="1200" dirty="0"/>
-            <a:t>Factors that affect someone’s contribution scores </a:t>
+            <a:t># of observations: </a:t>
           </a:r>
           <a:r>
-            <a:rPr lang="en-US" sz="1300" i="1" kern="1200" dirty="0"/>
-            <a:t>(Not including spam)</a:t>
+            <a:rPr lang="en-US" sz="1300" b="1" kern="1200" dirty="0"/>
+            <a:t>2 points</a:t>
           </a:r>
           <a:r>
             <a:rPr lang="en-US" sz="1300" kern="1200" dirty="0"/>
-            <a:t>:</a:t>
+            <a:t> per photo</a:t>
           </a:r>
         </a:p>
       </dsp:txBody>
@@ -3809,7 +3753,7 @@
         <a:ext cx="1683594" cy="1010156"/>
       </dsp:txXfrm>
     </dsp:sp>
-    <dsp:sp modelId="{DBB5859A-D2D5-4A63-BE6B-034B8FFC760B}">
+    <dsp:sp modelId="{2E3451AE-E0D0-433F-AD49-E5A0A833307A}">
       <dsp:nvSpPr>
         <dsp:cNvPr id="0" name=""/>
         <dsp:cNvSpPr/>
@@ -3824,95 +3768,9 @@
         </a:prstGeom>
         <a:solidFill>
           <a:schemeClr val="accent2">
-            <a:hueOff val="-181920"/>
-            <a:satOff val="-10491"/>
-            <a:lumOff val="1078"/>
-            <a:alphaOff val="0"/>
-          </a:schemeClr>
-        </a:solidFill>
-        <a:ln w="12700" cap="flat" cmpd="sng" algn="ctr">
-          <a:solidFill>
-            <a:schemeClr val="lt1">
-              <a:hueOff val="0"/>
-              <a:satOff val="0"/>
-              <a:lumOff val="0"/>
-              <a:alphaOff val="0"/>
-            </a:schemeClr>
-          </a:solidFill>
-          <a:prstDash val="solid"/>
-          <a:miter lim="800000"/>
-        </a:ln>
-        <a:effectLst/>
-      </dsp:spPr>
-      <dsp:style>
-        <a:lnRef idx="2">
-          <a:scrgbClr r="0" g="0" b="0"/>
-        </a:lnRef>
-        <a:fillRef idx="1">
-          <a:scrgbClr r="0" g="0" b="0"/>
-        </a:fillRef>
-        <a:effectRef idx="0">
-          <a:scrgbClr r="0" g="0" b="0"/>
-        </a:effectRef>
-        <a:fontRef idx="minor">
-          <a:schemeClr val="lt1"/>
-        </a:fontRef>
-      </dsp:style>
-      <dsp:txBody>
-        <a:bodyPr spcFirstLastPara="0" vert="horz" wrap="square" lIns="49530" tIns="49530" rIns="49530" bIns="49530" numCol="1" spcCol="1270" anchor="ctr" anchorCtr="0">
-          <a:noAutofit/>
-        </a:bodyPr>
-        <a:lstStyle/>
-        <a:p>
-          <a:pPr marL="0" lvl="0" indent="0" algn="ctr" defTabSz="577850">
-            <a:lnSpc>
-              <a:spcPct val="90000"/>
-            </a:lnSpc>
-            <a:spcBef>
-              <a:spcPct val="0"/>
-            </a:spcBef>
-            <a:spcAft>
-              <a:spcPct val="35000"/>
-            </a:spcAft>
-            <a:buNone/>
-          </a:pPr>
-          <a:r>
-            <a:rPr lang="en-US" sz="1300" kern="1200" dirty="0"/>
-            <a:t># of observations: </a:t>
-          </a:r>
-          <a:r>
-            <a:rPr lang="en-US" sz="1300" b="1" kern="1200" dirty="0"/>
-            <a:t>2 points</a:t>
-          </a:r>
-          <a:r>
-            <a:rPr lang="en-US" sz="1300" kern="1200" dirty="0"/>
-            <a:t> per photo</a:t>
-          </a:r>
-        </a:p>
-      </dsp:txBody>
-      <dsp:txXfrm>
-        <a:off x="1851953" y="492074"/>
-        <a:ext cx="1683594" cy="1010156"/>
-      </dsp:txXfrm>
-    </dsp:sp>
-    <dsp:sp modelId="{2E3451AE-E0D0-433F-AD49-E5A0A833307A}">
-      <dsp:nvSpPr>
-        <dsp:cNvPr id="0" name=""/>
-        <dsp:cNvSpPr/>
-      </dsp:nvSpPr>
-      <dsp:spPr>
-        <a:xfrm>
-          <a:off x="3703907" y="492074"/>
-          <a:ext cx="1683594" cy="1010156"/>
-        </a:xfrm>
-        <a:prstGeom prst="rect">
-          <a:avLst/>
-        </a:prstGeom>
-        <a:solidFill>
-          <a:schemeClr val="accent2">
-            <a:hueOff val="-363841"/>
-            <a:satOff val="-20982"/>
-            <a:lumOff val="2157"/>
+            <a:hueOff val="-207909"/>
+            <a:satOff val="-11990"/>
+            <a:lumOff val="1233"/>
             <a:alphaOff val="0"/>
           </a:schemeClr>
         </a:solidFill>
@@ -3977,7 +3835,7 @@
         </a:p>
       </dsp:txBody>
       <dsp:txXfrm>
-        <a:off x="3703907" y="492074"/>
+        <a:off x="1851953" y="492074"/>
         <a:ext cx="1683594" cy="1010156"/>
       </dsp:txXfrm>
     </dsp:sp>
@@ -3988,7 +3846,7 @@
       </dsp:nvSpPr>
       <dsp:spPr>
         <a:xfrm>
-          <a:off x="0" y="1670590"/>
+          <a:off x="3703907" y="492074"/>
           <a:ext cx="1683594" cy="1010156"/>
         </a:xfrm>
         <a:prstGeom prst="rect">
@@ -3996,9 +3854,9 @@
         </a:prstGeom>
         <a:solidFill>
           <a:schemeClr val="accent2">
-            <a:hueOff val="-545761"/>
-            <a:satOff val="-31473"/>
-            <a:lumOff val="3235"/>
+            <a:hueOff val="-415818"/>
+            <a:satOff val="-23979"/>
+            <a:lumOff val="2465"/>
             <a:alphaOff val="0"/>
           </a:schemeClr>
         </a:solidFill>
@@ -4063,7 +3921,7 @@
         </a:p>
       </dsp:txBody>
       <dsp:txXfrm>
-        <a:off x="0" y="1670590"/>
+        <a:off x="3703907" y="492074"/>
         <a:ext cx="1683594" cy="1010156"/>
       </dsp:txXfrm>
     </dsp:sp>
@@ -4074,7 +3932,7 @@
       </dsp:nvSpPr>
       <dsp:spPr>
         <a:xfrm>
-          <a:off x="1851953" y="1670590"/>
+          <a:off x="0" y="1670590"/>
           <a:ext cx="1683594" cy="1010156"/>
         </a:xfrm>
         <a:prstGeom prst="rect">
@@ -4082,9 +3940,9 @@
         </a:prstGeom>
         <a:solidFill>
           <a:schemeClr val="accent2">
-            <a:hueOff val="-727682"/>
-            <a:satOff val="-41964"/>
-            <a:lumOff val="4314"/>
+            <a:hueOff val="-623727"/>
+            <a:satOff val="-35969"/>
+            <a:lumOff val="3698"/>
             <a:alphaOff val="0"/>
           </a:schemeClr>
         </a:solidFill>
@@ -4149,7 +4007,7 @@
         </a:p>
       </dsp:txBody>
       <dsp:txXfrm>
-        <a:off x="1851953" y="1670590"/>
+        <a:off x="0" y="1670590"/>
         <a:ext cx="1683594" cy="1010156"/>
       </dsp:txXfrm>
     </dsp:sp>
@@ -4160,7 +4018,7 @@
       </dsp:nvSpPr>
       <dsp:spPr>
         <a:xfrm>
-          <a:off x="3703907" y="1670590"/>
+          <a:off x="1851953" y="1670590"/>
           <a:ext cx="1683594" cy="1010156"/>
         </a:xfrm>
         <a:prstGeom prst="rect">
@@ -4168,9 +4026,9 @@
         </a:prstGeom>
         <a:solidFill>
           <a:schemeClr val="accent2">
-            <a:hueOff val="-909602"/>
-            <a:satOff val="-52455"/>
-            <a:lumOff val="5392"/>
+            <a:hueOff val="-831636"/>
+            <a:satOff val="-47959"/>
+            <a:lumOff val="4930"/>
             <a:alphaOff val="0"/>
           </a:schemeClr>
         </a:solidFill>
@@ -4235,7 +4093,7 @@
         </a:p>
       </dsp:txBody>
       <dsp:txXfrm>
-        <a:off x="3703907" y="1670590"/>
+        <a:off x="1851953" y="1670590"/>
         <a:ext cx="1683594" cy="1010156"/>
       </dsp:txXfrm>
     </dsp:sp>
@@ -4246,7 +4104,7 @@
       </dsp:nvSpPr>
       <dsp:spPr>
         <a:xfrm>
-          <a:off x="0" y="2849106"/>
+          <a:off x="3703907" y="1670590"/>
           <a:ext cx="1683594" cy="1010156"/>
         </a:xfrm>
         <a:prstGeom prst="rect">
@@ -4254,9 +4112,9 @@
         </a:prstGeom>
         <a:solidFill>
           <a:schemeClr val="accent2">
-            <a:hueOff val="-1091522"/>
-            <a:satOff val="-62946"/>
-            <a:lumOff val="6471"/>
+            <a:hueOff val="-1039545"/>
+            <a:satOff val="-59949"/>
+            <a:lumOff val="6163"/>
             <a:alphaOff val="0"/>
           </a:schemeClr>
         </a:solidFill>
@@ -4321,7 +4179,7 @@
         </a:p>
       </dsp:txBody>
       <dsp:txXfrm>
-        <a:off x="0" y="2849106"/>
+        <a:off x="3703907" y="1670590"/>
         <a:ext cx="1683594" cy="1010156"/>
       </dsp:txXfrm>
     </dsp:sp>
@@ -4332,7 +4190,7 @@
       </dsp:nvSpPr>
       <dsp:spPr>
         <a:xfrm>
-          <a:off x="1851953" y="2849106"/>
+          <a:off x="925976" y="2849106"/>
           <a:ext cx="1683594" cy="1010156"/>
         </a:xfrm>
         <a:prstGeom prst="rect">
@@ -4340,9 +4198,9 @@
         </a:prstGeom>
         <a:solidFill>
           <a:schemeClr val="accent2">
-            <a:hueOff val="-1273443"/>
-            <a:satOff val="-73437"/>
-            <a:lumOff val="7549"/>
+            <a:hueOff val="-1247454"/>
+            <a:satOff val="-71938"/>
+            <a:lumOff val="7395"/>
             <a:alphaOff val="0"/>
           </a:schemeClr>
         </a:solidFill>
@@ -4407,7 +4265,7 @@
         </a:p>
       </dsp:txBody>
       <dsp:txXfrm>
-        <a:off x="1851953" y="2849106"/>
+        <a:off x="925976" y="2849106"/>
         <a:ext cx="1683594" cy="1010156"/>
       </dsp:txXfrm>
     </dsp:sp>
@@ -4418,7 +4276,7 @@
       </dsp:nvSpPr>
       <dsp:spPr>
         <a:xfrm>
-          <a:off x="3703907" y="2849106"/>
+          <a:off x="2777930" y="2849106"/>
           <a:ext cx="1683594" cy="1010156"/>
         </a:xfrm>
         <a:prstGeom prst="rect">
@@ -4493,7 +4351,7 @@
         </a:p>
       </dsp:txBody>
       <dsp:txXfrm>
-        <a:off x="3703907" y="2849106"/>
+        <a:off x="2777930" y="2849106"/>
         <a:ext cx="1683594" cy="1010156"/>
       </dsp:txXfrm>
     </dsp:sp>
@@ -7157,7 +7015,7 @@
           <a:p>
             <a:fld id="{95850D67-3E14-492B-BF01-DE5DB377F20E}" type="datetimeFigureOut">
               <a:rPr lang="en-US" smtClean="0"/>
-              <a:t>5/27/2021</a:t>
+              <a:t>6/10/2021</a:t>
             </a:fld>
             <a:endParaRPr lang="en-US"/>
           </a:p>
@@ -7355,7 +7213,7 @@
           <a:p>
             <a:fld id="{95850D67-3E14-492B-BF01-DE5DB377F20E}" type="datetimeFigureOut">
               <a:rPr lang="en-US" smtClean="0"/>
-              <a:t>5/27/2021</a:t>
+              <a:t>6/10/2021</a:t>
             </a:fld>
             <a:endParaRPr lang="en-US"/>
           </a:p>
@@ -7563,7 +7421,7 @@
           <a:p>
             <a:fld id="{95850D67-3E14-492B-BF01-DE5DB377F20E}" type="datetimeFigureOut">
               <a:rPr lang="en-US" smtClean="0"/>
-              <a:t>5/27/2021</a:t>
+              <a:t>6/10/2021</a:t>
             </a:fld>
             <a:endParaRPr lang="en-US"/>
           </a:p>
@@ -7761,7 +7619,7 @@
           <a:p>
             <a:fld id="{95850D67-3E14-492B-BF01-DE5DB377F20E}" type="datetimeFigureOut">
               <a:rPr lang="en-US" smtClean="0"/>
-              <a:t>5/27/2021</a:t>
+              <a:t>6/10/2021</a:t>
             </a:fld>
             <a:endParaRPr lang="en-US"/>
           </a:p>
@@ -8036,7 +7894,7 @@
           <a:p>
             <a:fld id="{95850D67-3E14-492B-BF01-DE5DB377F20E}" type="datetimeFigureOut">
               <a:rPr lang="en-US" smtClean="0"/>
-              <a:t>5/27/2021</a:t>
+              <a:t>6/10/2021</a:t>
             </a:fld>
             <a:endParaRPr lang="en-US"/>
           </a:p>
@@ -8301,7 +8159,7 @@
           <a:p>
             <a:fld id="{95850D67-3E14-492B-BF01-DE5DB377F20E}" type="datetimeFigureOut">
               <a:rPr lang="en-US" smtClean="0"/>
-              <a:t>5/27/2021</a:t>
+              <a:t>6/10/2021</a:t>
             </a:fld>
             <a:endParaRPr lang="en-US"/>
           </a:p>
@@ -8713,7 +8571,7 @@
           <a:p>
             <a:fld id="{95850D67-3E14-492B-BF01-DE5DB377F20E}" type="datetimeFigureOut">
               <a:rPr lang="en-US" smtClean="0"/>
-              <a:t>5/27/2021</a:t>
+              <a:t>6/10/2021</a:t>
             </a:fld>
             <a:endParaRPr lang="en-US"/>
           </a:p>
@@ -8854,7 +8712,7 @@
           <a:p>
             <a:fld id="{95850D67-3E14-492B-BF01-DE5DB377F20E}" type="datetimeFigureOut">
               <a:rPr lang="en-US" smtClean="0"/>
-              <a:t>5/27/2021</a:t>
+              <a:t>6/10/2021</a:t>
             </a:fld>
             <a:endParaRPr lang="en-US"/>
           </a:p>
@@ -8967,7 +8825,7 @@
           <a:p>
             <a:fld id="{95850D67-3E14-492B-BF01-DE5DB377F20E}" type="datetimeFigureOut">
               <a:rPr lang="en-US" smtClean="0"/>
-              <a:t>5/27/2021</a:t>
+              <a:t>6/10/2021</a:t>
             </a:fld>
             <a:endParaRPr lang="en-US"/>
           </a:p>
@@ -9278,7 +9136,7 @@
           <a:p>
             <a:fld id="{95850D67-3E14-492B-BF01-DE5DB377F20E}" type="datetimeFigureOut">
               <a:rPr lang="en-US" smtClean="0"/>
-              <a:t>5/27/2021</a:t>
+              <a:t>6/10/2021</a:t>
             </a:fld>
             <a:endParaRPr lang="en-US"/>
           </a:p>
@@ -9566,7 +9424,7 @@
           <a:p>
             <a:fld id="{95850D67-3E14-492B-BF01-DE5DB377F20E}" type="datetimeFigureOut">
               <a:rPr lang="en-US" smtClean="0"/>
-              <a:t>5/27/2021</a:t>
+              <a:t>6/10/2021</a:t>
             </a:fld>
             <a:endParaRPr lang="en-US"/>
           </a:p>
@@ -9807,7 +9665,7 @@
           <a:p>
             <a:fld id="{95850D67-3E14-492B-BF01-DE5DB377F20E}" type="datetimeFigureOut">
               <a:rPr lang="en-US" smtClean="0"/>
-              <a:t>5/27/2021</a:t>
+              <a:t>6/10/2021</a:t>
             </a:fld>
             <a:endParaRPr lang="en-US"/>
           </a:p>
@@ -10714,7 +10572,7 @@
         </p:nvSpPr>
         <p:spPr>
           <a:xfrm>
-            <a:off x="4747044" y="2743679"/>
+            <a:off x="4762964" y="2394253"/>
             <a:ext cx="2700944" cy="659993"/>
           </a:xfrm>
           <a:prstGeom prst="rect">
@@ -10904,8 +10762,8 @@
         </p:nvSpPr>
         <p:spPr>
           <a:xfrm>
-            <a:off x="4617821" y="3302711"/>
-            <a:ext cx="2956351" cy="247086"/>
+            <a:off x="4617821" y="3662295"/>
+            <a:ext cx="2956351" cy="671274"/>
           </a:xfrm>
           <a:noFill/>
         </p:spPr>
@@ -10917,7 +10775,7 @@
           <a:p>
             <a:pPr algn="ctr"/>
             <a:r>
-              <a:rPr lang="en-US" kern="1200" dirty="0">
+              <a:rPr lang="en-US" sz="1400" kern="1200" dirty="0">
                 <a:solidFill>
                   <a:srgbClr val="080808"/>
                 </a:solidFill>
@@ -10925,8 +10783,16 @@
                 <a:ea typeface="+mj-ea"/>
                 <a:cs typeface="+mj-cs"/>
               </a:rPr>
-              <a:t>AnimalTrack</a:t>
+              <a:t>IOS &amp; Android app</a:t>
             </a:r>
+            <a:endParaRPr lang="en-US" kern="1200" dirty="0">
+              <a:solidFill>
+                <a:srgbClr val="080808"/>
+              </a:solidFill>
+              <a:latin typeface="+mj-lt"/>
+              <a:ea typeface="+mj-ea"/>
+              <a:cs typeface="+mj-cs"/>
+            </a:endParaRPr>
           </a:p>
         </p:txBody>
       </p:sp>
@@ -10995,57 +10861,42 @@
           </a:p>
         </p:txBody>
       </p:sp>
-      <p:sp>
-        <p:nvSpPr>
-          <p:cNvPr id="33" name="TextBox 32">
+      <p:pic>
+        <p:nvPicPr>
+          <p:cNvPr id="4" name="Picture 3" descr="A picture containing logo&#10;&#10;Description automatically generated">
             <a:extLst>
               <a:ext uri="{FF2B5EF4-FFF2-40B4-BE49-F238E27FC236}">
-                <a16:creationId xmlns:a16="http://schemas.microsoft.com/office/drawing/2014/main" id="{ED5B208F-1FF0-4F98-8425-1745806A5EDF}"/>
+                <a16:creationId xmlns:a16="http://schemas.microsoft.com/office/drawing/2014/main" id="{7DF67099-A81A-4DE3-8D3A-4E43ACF036AA}"/>
               </a:ext>
             </a:extLst>
           </p:cNvPr>
-          <p:cNvSpPr txBox="1"/>
+          <p:cNvPicPr>
+            <a:picLocks noChangeAspect="1"/>
+          </p:cNvPicPr>
           <p:nvPr/>
-        </p:nvSpPr>
+        </p:nvPicPr>
+        <p:blipFill>
+          <a:blip r:embed="rId2">
+            <a:extLst>
+              <a:ext uri="{28A0092B-C50C-407E-A947-70E740481C1C}">
+                <a14:useLocalDpi xmlns:a14="http://schemas.microsoft.com/office/drawing/2010/main" val="0"/>
+              </a:ext>
+            </a:extLst>
+          </a:blip>
+          <a:stretch>
+            <a:fillRect/>
+          </a:stretch>
+        </p:blipFill>
         <p:spPr>
           <a:xfrm>
-            <a:off x="5714025" y="3878983"/>
-            <a:ext cx="763944" cy="369332"/>
+            <a:off x="4573016" y="2842086"/>
+            <a:ext cx="3045959" cy="744365"/>
           </a:xfrm>
           <a:prstGeom prst="rect">
             <a:avLst/>
           </a:prstGeom>
-          <a:noFill/>
         </p:spPr>
-        <p:txBody>
-          <a:bodyPr wrap="square" rtlCol="0">
-            <a:spAutoFit/>
-          </a:bodyPr>
-          <a:lstStyle/>
-          <a:p>
-            <a:pPr>
-              <a:spcAft>
-                <a:spcPts val="600"/>
-              </a:spcAft>
-            </a:pPr>
-            <a:r>
-              <a:rPr lang="en-US" dirty="0">
-                <a:solidFill>
-                  <a:schemeClr val="bg2">
-                    <a:lumMod val="50000"/>
-                  </a:schemeClr>
-                </a:solidFill>
-              </a:rPr>
-              <a:t>James</a:t>
-            </a:r>
-            <a:endParaRPr lang="en-US" dirty="0">
-              <a:solidFill>
-                <a:schemeClr val="bg1"/>
-              </a:solidFill>
-            </a:endParaRPr>
-          </a:p>
-        </p:txBody>
-      </p:sp>
+      </p:pic>
     </p:spTree>
     <p:extLst>
       <p:ext uri="{BB962C8B-B14F-4D97-AF65-F5344CB8AC3E}">
@@ -11060,6 +10911,2493 @@
 </file>
 
 <file path=ppt/slides/slide10.xml><?xml version="1.0" encoding="utf-8"?>
+<p:sld xmlns:a="http://schemas.openxmlformats.org/drawingml/2006/main" xmlns:r="http://schemas.openxmlformats.org/officeDocument/2006/relationships" xmlns:p="http://schemas.openxmlformats.org/presentationml/2006/main">
+  <p:cSld>
+    <p:bg>
+      <p:bgPr>
+        <a:solidFill>
+          <a:schemeClr val="bg1"/>
+        </a:solidFill>
+        <a:effectLst/>
+      </p:bgPr>
+    </p:bg>
+    <p:spTree>
+      <p:nvGrpSpPr>
+        <p:cNvPr id="1" name=""/>
+        <p:cNvGrpSpPr/>
+        <p:nvPr/>
+      </p:nvGrpSpPr>
+      <p:grpSpPr>
+        <a:xfrm>
+          <a:off x="0" y="0"/>
+          <a:ext cx="0" cy="0"/>
+          <a:chOff x="0" y="0"/>
+          <a:chExt cx="0" cy="0"/>
+        </a:xfrm>
+      </p:grpSpPr>
+      <p:sp useBgFill="1">
+        <p:nvSpPr>
+          <p:cNvPr id="21" name="Rectangle 20">
+            <a:extLst>
+              <a:ext uri="{FF2B5EF4-FFF2-40B4-BE49-F238E27FC236}">
+                <a16:creationId xmlns:a16="http://schemas.microsoft.com/office/drawing/2014/main" id="{907EF6B7-1338-4443-8C46-6A318D952DFD}"/>
+              </a:ext>
+              <a:ext uri="{C183D7F6-B498-43B3-948B-1728B52AA6E4}">
+                <adec:decorative xmlns:adec="http://schemas.microsoft.com/office/drawing/2017/decorative" val="1"/>
+              </a:ext>
+            </a:extLst>
+          </p:cNvPr>
+          <p:cNvSpPr>
+            <a:spLocks noGrp="1" noRot="1" noChangeAspect="1" noMove="1" noResize="1" noEditPoints="1" noAdjustHandles="1" noChangeArrowheads="1" noChangeShapeType="1" noTextEdit="1"/>
+          </p:cNvSpPr>
+          <p:nvPr>
+            <p:extLst>
+              <p:ext uri="{386F3935-93C4-4BCD-93E2-E3B085C9AB24}">
+                <p16:designElem xmlns:p16="http://schemas.microsoft.com/office/powerpoint/2015/main" val="1"/>
+              </p:ext>
+            </p:extLst>
+          </p:nvPr>
+        </p:nvSpPr>
+        <p:spPr>
+          <a:xfrm>
+            <a:off x="3048" y="0"/>
+            <a:ext cx="12188952" cy="6858000"/>
+          </a:xfrm>
+          <a:prstGeom prst="rect">
+            <a:avLst/>
+          </a:prstGeom>
+          <a:ln>
+            <a:noFill/>
+          </a:ln>
+        </p:spPr>
+        <p:style>
+          <a:lnRef idx="2">
+            <a:schemeClr val="accent1">
+              <a:shade val="50000"/>
+            </a:schemeClr>
+          </a:lnRef>
+          <a:fillRef idx="1">
+            <a:schemeClr val="accent1"/>
+          </a:fillRef>
+          <a:effectRef idx="0">
+            <a:schemeClr val="accent1"/>
+          </a:effectRef>
+          <a:fontRef idx="minor">
+            <a:schemeClr val="lt1"/>
+          </a:fontRef>
+        </p:style>
+        <p:txBody>
+          <a:bodyPr rtlCol="0" anchor="ctr"/>
+          <a:lstStyle/>
+          <a:p>
+            <a:pPr algn="ctr"/>
+            <a:endParaRPr lang="en-US"/>
+          </a:p>
+        </p:txBody>
+      </p:sp>
+      <p:sp>
+        <p:nvSpPr>
+          <p:cNvPr id="23" name="Freeform: Shape 22">
+            <a:extLst>
+              <a:ext uri="{FF2B5EF4-FFF2-40B4-BE49-F238E27FC236}">
+                <a16:creationId xmlns:a16="http://schemas.microsoft.com/office/drawing/2014/main" id="{DAAE4CDD-124C-4DCF-9584-B6033B545DD5}"/>
+              </a:ext>
+              <a:ext uri="{C183D7F6-B498-43B3-948B-1728B52AA6E4}">
+                <adec:decorative xmlns:adec="http://schemas.microsoft.com/office/drawing/2017/decorative" val="1"/>
+              </a:ext>
+            </a:extLst>
+          </p:cNvPr>
+          <p:cNvSpPr>
+            <a:spLocks noGrp="1" noRot="1" noChangeAspect="1" noMove="1" noResize="1" noEditPoints="1" noAdjustHandles="1" noChangeArrowheads="1" noChangeShapeType="1" noTextEdit="1"/>
+          </p:cNvSpPr>
+          <p:nvPr>
+            <p:extLst>
+              <p:ext uri="{386F3935-93C4-4BCD-93E2-E3B085C9AB24}">
+                <p16:designElem xmlns:p16="http://schemas.microsoft.com/office/powerpoint/2015/main" val="1"/>
+              </p:ext>
+            </p:extLst>
+          </p:nvPr>
+        </p:nvSpPr>
+        <p:spPr>
+          <a:xfrm>
+            <a:off x="1" y="0"/>
+            <a:ext cx="4167271" cy="6858000"/>
+          </a:xfrm>
+          <a:custGeom>
+            <a:avLst/>
+            <a:gdLst>
+              <a:gd name="connsiteX0" fmla="*/ 0 w 4167271"/>
+              <a:gd name="connsiteY0" fmla="*/ 0 h 6858000"/>
+              <a:gd name="connsiteX1" fmla="*/ 2259550 w 4167271"/>
+              <a:gd name="connsiteY1" fmla="*/ 0 h 6858000"/>
+              <a:gd name="connsiteX2" fmla="*/ 2387803 w 4167271"/>
+              <a:gd name="connsiteY2" fmla="*/ 82222 h 6858000"/>
+              <a:gd name="connsiteX3" fmla="*/ 4167271 w 4167271"/>
+              <a:gd name="connsiteY3" fmla="*/ 3429000 h 6858000"/>
+              <a:gd name="connsiteX4" fmla="*/ 2387803 w 4167271"/>
+              <a:gd name="connsiteY4" fmla="*/ 6775779 h 6858000"/>
+              <a:gd name="connsiteX5" fmla="*/ 2259550 w 4167271"/>
+              <a:gd name="connsiteY5" fmla="*/ 6858000 h 6858000"/>
+              <a:gd name="connsiteX6" fmla="*/ 0 w 4167271"/>
+              <a:gd name="connsiteY6" fmla="*/ 6858000 h 6858000"/>
+            </a:gdLst>
+            <a:ahLst/>
+            <a:cxnLst>
+              <a:cxn ang="0">
+                <a:pos x="connsiteX0" y="connsiteY0"/>
+              </a:cxn>
+              <a:cxn ang="0">
+                <a:pos x="connsiteX1" y="connsiteY1"/>
+              </a:cxn>
+              <a:cxn ang="0">
+                <a:pos x="connsiteX2" y="connsiteY2"/>
+              </a:cxn>
+              <a:cxn ang="0">
+                <a:pos x="connsiteX3" y="connsiteY3"/>
+              </a:cxn>
+              <a:cxn ang="0">
+                <a:pos x="connsiteX4" y="connsiteY4"/>
+              </a:cxn>
+              <a:cxn ang="0">
+                <a:pos x="connsiteX5" y="connsiteY5"/>
+              </a:cxn>
+              <a:cxn ang="0">
+                <a:pos x="connsiteX6" y="connsiteY6"/>
+              </a:cxn>
+            </a:cxnLst>
+            <a:rect l="l" t="t" r="r" b="b"/>
+            <a:pathLst>
+              <a:path w="4167271" h="6858000">
+                <a:moveTo>
+                  <a:pt x="0" y="0"/>
+                </a:moveTo>
+                <a:lnTo>
+                  <a:pt x="2259550" y="0"/>
+                </a:lnTo>
+                <a:lnTo>
+                  <a:pt x="2387803" y="82222"/>
+                </a:lnTo>
+                <a:cubicBezTo>
+                  <a:pt x="3461407" y="807534"/>
+                  <a:pt x="4167271" y="2035835"/>
+                  <a:pt x="4167271" y="3429000"/>
+                </a:cubicBezTo>
+                <a:cubicBezTo>
+                  <a:pt x="4167271" y="4822165"/>
+                  <a:pt x="3461407" y="6050467"/>
+                  <a:pt x="2387803" y="6775779"/>
+                </a:cubicBezTo>
+                <a:lnTo>
+                  <a:pt x="2259550" y="6858000"/>
+                </a:lnTo>
+                <a:lnTo>
+                  <a:pt x="0" y="6858000"/>
+                </a:lnTo>
+                <a:close/>
+              </a:path>
+            </a:pathLst>
+          </a:custGeom>
+          <a:solidFill>
+            <a:schemeClr val="accent2"/>
+          </a:solidFill>
+          <a:ln>
+            <a:noFill/>
+          </a:ln>
+        </p:spPr>
+        <p:style>
+          <a:lnRef idx="2">
+            <a:schemeClr val="accent1">
+              <a:shade val="50000"/>
+            </a:schemeClr>
+          </a:lnRef>
+          <a:fillRef idx="1">
+            <a:schemeClr val="accent1"/>
+          </a:fillRef>
+          <a:effectRef idx="0">
+            <a:schemeClr val="accent1"/>
+          </a:effectRef>
+          <a:fontRef idx="minor">
+            <a:schemeClr val="lt1"/>
+          </a:fontRef>
+        </p:style>
+        <p:txBody>
+          <a:bodyPr rtlCol="0" anchor="ctr"/>
+          <a:lstStyle/>
+          <a:p>
+            <a:pPr algn="ctr"/>
+            <a:endParaRPr lang="en-US"/>
+          </a:p>
+        </p:txBody>
+      </p:sp>
+      <p:sp>
+        <p:nvSpPr>
+          <p:cNvPr id="2" name="Title 1">
+            <a:extLst>
+              <a:ext uri="{FF2B5EF4-FFF2-40B4-BE49-F238E27FC236}">
+                <a16:creationId xmlns:a16="http://schemas.microsoft.com/office/drawing/2014/main" id="{58F9C5AF-0416-4A44-A5AB-51CCC47E944E}"/>
+              </a:ext>
+            </a:extLst>
+          </p:cNvPr>
+          <p:cNvSpPr>
+            <a:spLocks noGrp="1"/>
+          </p:cNvSpPr>
+          <p:nvPr>
+            <p:ph type="title"/>
+          </p:nvPr>
+        </p:nvSpPr>
+        <p:spPr>
+          <a:xfrm>
+            <a:off x="686834" y="1153572"/>
+            <a:ext cx="3200400" cy="4461163"/>
+          </a:xfrm>
+        </p:spPr>
+        <p:txBody>
+          <a:bodyPr>
+            <a:normAutofit/>
+          </a:bodyPr>
+          <a:lstStyle/>
+          <a:p>
+            <a:r>
+              <a:rPr lang="en-US">
+                <a:solidFill>
+                  <a:srgbClr val="FFFFFF"/>
+                </a:solidFill>
+              </a:rPr>
+              <a:t>Community Leader System</a:t>
+            </a:r>
+          </a:p>
+        </p:txBody>
+      </p:sp>
+      <p:sp>
+        <p:nvSpPr>
+          <p:cNvPr id="25" name="Arc 24">
+            <a:extLst>
+              <a:ext uri="{FF2B5EF4-FFF2-40B4-BE49-F238E27FC236}">
+                <a16:creationId xmlns:a16="http://schemas.microsoft.com/office/drawing/2014/main" id="{081E4A58-353D-44AE-B2FC-2A74E2E400F7}"/>
+              </a:ext>
+              <a:ext uri="{C183D7F6-B498-43B3-948B-1728B52AA6E4}">
+                <adec:decorative xmlns:adec="http://schemas.microsoft.com/office/drawing/2017/decorative" val="1"/>
+              </a:ext>
+            </a:extLst>
+          </p:cNvPr>
+          <p:cNvSpPr>
+            <a:spLocks noGrp="1" noRot="1" noChangeAspect="1" noMove="1" noResize="1" noEditPoints="1" noAdjustHandles="1" noChangeArrowheads="1" noChangeShapeType="1" noTextEdit="1"/>
+          </p:cNvSpPr>
+          <p:nvPr>
+            <p:extLst>
+              <p:ext uri="{386F3935-93C4-4BCD-93E2-E3B085C9AB24}">
+                <p16:designElem xmlns:p16="http://schemas.microsoft.com/office/powerpoint/2015/main" val="1"/>
+              </p:ext>
+            </p:extLst>
+          </p:nvPr>
+        </p:nvSpPr>
+        <p:spPr>
+          <a:xfrm flipV="1">
+            <a:off x="7550402" y="2455479"/>
+            <a:ext cx="4083433" cy="4083433"/>
+          </a:xfrm>
+          <a:prstGeom prst="arc">
+            <a:avLst/>
+          </a:prstGeom>
+          <a:ln w="127000" cap="rnd">
+            <a:solidFill>
+              <a:schemeClr val="accent4"/>
+            </a:solidFill>
+            <a:prstDash val="dash"/>
+          </a:ln>
+        </p:spPr>
+        <p:style>
+          <a:lnRef idx="1">
+            <a:schemeClr val="accent1"/>
+          </a:lnRef>
+          <a:fillRef idx="0">
+            <a:schemeClr val="accent1"/>
+          </a:fillRef>
+          <a:effectRef idx="0">
+            <a:schemeClr val="accent1"/>
+          </a:effectRef>
+          <a:fontRef idx="minor">
+            <a:schemeClr val="tx1"/>
+          </a:fontRef>
+        </p:style>
+        <p:txBody>
+          <a:bodyPr rtlCol="0" anchor="ctr"/>
+          <a:lstStyle/>
+          <a:p>
+            <a:pPr algn="ctr"/>
+            <a:endParaRPr lang="en-US" dirty="0"/>
+          </a:p>
+        </p:txBody>
+      </p:sp>
+      <p:sp>
+        <p:nvSpPr>
+          <p:cNvPr id="3" name="Content Placeholder 2">
+            <a:extLst>
+              <a:ext uri="{FF2B5EF4-FFF2-40B4-BE49-F238E27FC236}">
+                <a16:creationId xmlns:a16="http://schemas.microsoft.com/office/drawing/2014/main" id="{F51BAD8B-B5A4-45EC-8D70-503D57925D4D}"/>
+              </a:ext>
+            </a:extLst>
+          </p:cNvPr>
+          <p:cNvSpPr>
+            <a:spLocks noGrp="1"/>
+          </p:cNvSpPr>
+          <p:nvPr>
+            <p:ph idx="1"/>
+          </p:nvPr>
+        </p:nvSpPr>
+        <p:spPr>
+          <a:xfrm>
+            <a:off x="4447308" y="591344"/>
+            <a:ext cx="6906491" cy="5585619"/>
+          </a:xfrm>
+        </p:spPr>
+        <p:txBody>
+          <a:bodyPr anchor="ctr">
+            <a:normAutofit/>
+          </a:bodyPr>
+          <a:lstStyle/>
+          <a:p>
+            <a:r>
+              <a:rPr lang="en-US" sz="2000" dirty="0"/>
+              <a:t>This system will allow users to create forums and hide other’s posts.</a:t>
+            </a:r>
+          </a:p>
+          <a:p>
+            <a:pPr marL="0" indent="0">
+              <a:buNone/>
+            </a:pPr>
+            <a:endParaRPr lang="en-US" sz="2000" dirty="0"/>
+          </a:p>
+          <a:p>
+            <a:r>
+              <a:rPr lang="en-US" sz="2000" dirty="0"/>
+              <a:t>To become a community leader, you must do the following:</a:t>
+            </a:r>
+          </a:p>
+          <a:p>
+            <a:endParaRPr lang="en-US" sz="2000" dirty="0"/>
+          </a:p>
+          <a:p>
+            <a:pPr lvl="1">
+              <a:buFontTx/>
+              <a:buChar char="-"/>
+            </a:pPr>
+            <a:r>
+              <a:rPr lang="en-US" sz="2000" dirty="0"/>
+              <a:t>Users must be a member in that community;</a:t>
+            </a:r>
+          </a:p>
+          <a:p>
+            <a:pPr marL="457200" lvl="1" indent="0">
+              <a:buNone/>
+            </a:pPr>
+            <a:endParaRPr lang="en-US" sz="2000" dirty="0"/>
+          </a:p>
+          <a:p>
+            <a:pPr lvl="1">
+              <a:buFontTx/>
+              <a:buChar char="-"/>
+            </a:pPr>
+            <a:r>
+              <a:rPr lang="en-US" sz="2000" dirty="0"/>
+              <a:t>Users must have more than 500 contribution points;</a:t>
+            </a:r>
+          </a:p>
+          <a:p>
+            <a:pPr marL="457200" lvl="1" indent="0">
+              <a:buNone/>
+            </a:pPr>
+            <a:endParaRPr lang="en-US" sz="2000" dirty="0"/>
+          </a:p>
+          <a:p>
+            <a:pPr lvl="1">
+              <a:buFontTx/>
+              <a:buChar char="-"/>
+            </a:pPr>
+            <a:r>
+              <a:rPr lang="en-US" sz="2000" dirty="0"/>
+              <a:t>They must be in the top 10% in their community;</a:t>
+            </a:r>
+          </a:p>
+          <a:p>
+            <a:pPr marL="457200" lvl="1" indent="0">
+              <a:buNone/>
+            </a:pPr>
+            <a:endParaRPr lang="en-US" sz="2000" dirty="0"/>
+          </a:p>
+          <a:p>
+            <a:pPr lvl="1">
+              <a:buFontTx/>
+              <a:buChar char="-"/>
+            </a:pPr>
+            <a:r>
+              <a:rPr lang="en-US" sz="2000" dirty="0"/>
+              <a:t>Users must upload more than 3 photos per week to maintain their role as a community leader;</a:t>
+            </a:r>
+          </a:p>
+        </p:txBody>
+      </p:sp>
+    </p:spTree>
+    <p:extLst>
+      <p:ext uri="{BB962C8B-B14F-4D97-AF65-F5344CB8AC3E}">
+        <p14:creationId xmlns:p14="http://schemas.microsoft.com/office/powerpoint/2010/main" val="2641874379"/>
+      </p:ext>
+    </p:extLst>
+  </p:cSld>
+  <p:clrMapOvr>
+    <a:masterClrMapping/>
+  </p:clrMapOvr>
+</p:sld>
+</file>
+
+<file path=ppt/slides/slide11.xml><?xml version="1.0" encoding="utf-8"?>
+<p:sld xmlns:a="http://schemas.openxmlformats.org/drawingml/2006/main" xmlns:r="http://schemas.openxmlformats.org/officeDocument/2006/relationships" xmlns:p="http://schemas.openxmlformats.org/presentationml/2006/main">
+  <p:cSld>
+    <p:bg>
+      <p:bgPr>
+        <a:solidFill>
+          <a:schemeClr val="bg1"/>
+        </a:solidFill>
+        <a:effectLst/>
+      </p:bgPr>
+    </p:bg>
+    <p:spTree>
+      <p:nvGrpSpPr>
+        <p:cNvPr id="1" name=""/>
+        <p:cNvGrpSpPr/>
+        <p:nvPr/>
+      </p:nvGrpSpPr>
+      <p:grpSpPr>
+        <a:xfrm>
+          <a:off x="0" y="0"/>
+          <a:ext cx="0" cy="0"/>
+          <a:chOff x="0" y="0"/>
+          <a:chExt cx="0" cy="0"/>
+        </a:xfrm>
+      </p:grpSpPr>
+      <p:sp useBgFill="1">
+        <p:nvSpPr>
+          <p:cNvPr id="27" name="Rectangle 26">
+            <a:extLst>
+              <a:ext uri="{FF2B5EF4-FFF2-40B4-BE49-F238E27FC236}">
+                <a16:creationId xmlns:a16="http://schemas.microsoft.com/office/drawing/2014/main" id="{DB304A14-32D0-4873-B914-423ED7B8DAFD}"/>
+              </a:ext>
+              <a:ext uri="{C183D7F6-B498-43B3-948B-1728B52AA6E4}">
+                <adec:decorative xmlns:adec="http://schemas.microsoft.com/office/drawing/2017/decorative" val="1"/>
+              </a:ext>
+            </a:extLst>
+          </p:cNvPr>
+          <p:cNvSpPr>
+            <a:spLocks noGrp="1" noRot="1" noChangeAspect="1" noMove="1" noResize="1" noEditPoints="1" noAdjustHandles="1" noChangeArrowheads="1" noChangeShapeType="1" noTextEdit="1"/>
+          </p:cNvSpPr>
+          <p:nvPr>
+            <p:extLst>
+              <p:ext uri="{386F3935-93C4-4BCD-93E2-E3B085C9AB24}">
+                <p16:designElem xmlns:p16="http://schemas.microsoft.com/office/powerpoint/2015/main" val="1"/>
+              </p:ext>
+            </p:extLst>
+          </p:nvPr>
+        </p:nvSpPr>
+        <p:spPr bwMode="white">
+          <a:xfrm>
+            <a:off x="0" y="0"/>
+            <a:ext cx="12192000" cy="6858000"/>
+          </a:xfrm>
+          <a:prstGeom prst="rect">
+            <a:avLst/>
+          </a:prstGeom>
+          <a:ln>
+            <a:noFill/>
+          </a:ln>
+        </p:spPr>
+        <p:style>
+          <a:lnRef idx="2">
+            <a:schemeClr val="accent1">
+              <a:shade val="50000"/>
+            </a:schemeClr>
+          </a:lnRef>
+          <a:fillRef idx="1">
+            <a:schemeClr val="accent1"/>
+          </a:fillRef>
+          <a:effectRef idx="0">
+            <a:schemeClr val="accent1"/>
+          </a:effectRef>
+          <a:fontRef idx="minor">
+            <a:schemeClr val="lt1"/>
+          </a:fontRef>
+        </p:style>
+        <p:txBody>
+          <a:bodyPr rtlCol="0" anchor="ctr"/>
+          <a:lstStyle>
+            <a:defPPr>
+              <a:defRPr lang="en-US"/>
+            </a:defPPr>
+            <a:lvl1pPr marL="0" algn="l" defTabSz="914400" rtl="0" eaLnBrk="1" latinLnBrk="0" hangingPunct="1">
+              <a:defRPr sz="1800" kern="1200">
+                <a:solidFill>
+                  <a:schemeClr val="lt1"/>
+                </a:solidFill>
+                <a:latin typeface="+mn-lt"/>
+                <a:ea typeface="+mn-ea"/>
+                <a:cs typeface="+mn-cs"/>
+              </a:defRPr>
+            </a:lvl1pPr>
+            <a:lvl2pPr marL="457200" algn="l" defTabSz="914400" rtl="0" eaLnBrk="1" latinLnBrk="0" hangingPunct="1">
+              <a:defRPr sz="1800" kern="1200">
+                <a:solidFill>
+                  <a:schemeClr val="lt1"/>
+                </a:solidFill>
+                <a:latin typeface="+mn-lt"/>
+                <a:ea typeface="+mn-ea"/>
+                <a:cs typeface="+mn-cs"/>
+              </a:defRPr>
+            </a:lvl2pPr>
+            <a:lvl3pPr marL="914400" algn="l" defTabSz="914400" rtl="0" eaLnBrk="1" latinLnBrk="0" hangingPunct="1">
+              <a:defRPr sz="1800" kern="1200">
+                <a:solidFill>
+                  <a:schemeClr val="lt1"/>
+                </a:solidFill>
+                <a:latin typeface="+mn-lt"/>
+                <a:ea typeface="+mn-ea"/>
+                <a:cs typeface="+mn-cs"/>
+              </a:defRPr>
+            </a:lvl3pPr>
+            <a:lvl4pPr marL="1371600" algn="l" defTabSz="914400" rtl="0" eaLnBrk="1" latinLnBrk="0" hangingPunct="1">
+              <a:defRPr sz="1800" kern="1200">
+                <a:solidFill>
+                  <a:schemeClr val="lt1"/>
+                </a:solidFill>
+                <a:latin typeface="+mn-lt"/>
+                <a:ea typeface="+mn-ea"/>
+                <a:cs typeface="+mn-cs"/>
+              </a:defRPr>
+            </a:lvl4pPr>
+            <a:lvl5pPr marL="1828800" algn="l" defTabSz="914400" rtl="0" eaLnBrk="1" latinLnBrk="0" hangingPunct="1">
+              <a:defRPr sz="1800" kern="1200">
+                <a:solidFill>
+                  <a:schemeClr val="lt1"/>
+                </a:solidFill>
+                <a:latin typeface="+mn-lt"/>
+                <a:ea typeface="+mn-ea"/>
+                <a:cs typeface="+mn-cs"/>
+              </a:defRPr>
+            </a:lvl5pPr>
+            <a:lvl6pPr marL="2286000" algn="l" defTabSz="914400" rtl="0" eaLnBrk="1" latinLnBrk="0" hangingPunct="1">
+              <a:defRPr sz="1800" kern="1200">
+                <a:solidFill>
+                  <a:schemeClr val="lt1"/>
+                </a:solidFill>
+                <a:latin typeface="+mn-lt"/>
+                <a:ea typeface="+mn-ea"/>
+                <a:cs typeface="+mn-cs"/>
+              </a:defRPr>
+            </a:lvl6pPr>
+            <a:lvl7pPr marL="2743200" algn="l" defTabSz="914400" rtl="0" eaLnBrk="1" latinLnBrk="0" hangingPunct="1">
+              <a:defRPr sz="1800" kern="1200">
+                <a:solidFill>
+                  <a:schemeClr val="lt1"/>
+                </a:solidFill>
+                <a:latin typeface="+mn-lt"/>
+                <a:ea typeface="+mn-ea"/>
+                <a:cs typeface="+mn-cs"/>
+              </a:defRPr>
+            </a:lvl7pPr>
+            <a:lvl8pPr marL="3200400" algn="l" defTabSz="914400" rtl="0" eaLnBrk="1" latinLnBrk="0" hangingPunct="1">
+              <a:defRPr sz="1800" kern="1200">
+                <a:solidFill>
+                  <a:schemeClr val="lt1"/>
+                </a:solidFill>
+                <a:latin typeface="+mn-lt"/>
+                <a:ea typeface="+mn-ea"/>
+                <a:cs typeface="+mn-cs"/>
+              </a:defRPr>
+            </a:lvl8pPr>
+            <a:lvl9pPr marL="3657600" algn="l" defTabSz="914400" rtl="0" eaLnBrk="1" latinLnBrk="0" hangingPunct="1">
+              <a:defRPr sz="1800" kern="1200">
+                <a:solidFill>
+                  <a:schemeClr val="lt1"/>
+                </a:solidFill>
+                <a:latin typeface="+mn-lt"/>
+                <a:ea typeface="+mn-ea"/>
+                <a:cs typeface="+mn-cs"/>
+              </a:defRPr>
+            </a:lvl9pPr>
+          </a:lstStyle>
+          <a:p>
+            <a:pPr algn="ctr"/>
+            <a:endParaRPr lang="en-US"/>
+          </a:p>
+        </p:txBody>
+      </p:sp>
+      <p:sp>
+        <p:nvSpPr>
+          <p:cNvPr id="2" name="Title 1">
+            <a:extLst>
+              <a:ext uri="{FF2B5EF4-FFF2-40B4-BE49-F238E27FC236}">
+                <a16:creationId xmlns:a16="http://schemas.microsoft.com/office/drawing/2014/main" id="{FF1A8AEF-5425-4178-B713-F1287B82FB11}"/>
+              </a:ext>
+            </a:extLst>
+          </p:cNvPr>
+          <p:cNvSpPr>
+            <a:spLocks noGrp="1"/>
+          </p:cNvSpPr>
+          <p:nvPr>
+            <p:ph type="title"/>
+          </p:nvPr>
+        </p:nvSpPr>
+        <p:spPr>
+          <a:xfrm>
+            <a:off x="742400" y="496049"/>
+            <a:ext cx="5387502" cy="1325563"/>
+          </a:xfrm>
+        </p:spPr>
+        <p:txBody>
+          <a:bodyPr>
+            <a:normAutofit/>
+          </a:bodyPr>
+          <a:lstStyle/>
+          <a:p>
+            <a:r>
+              <a:rPr lang="en-US" sz="4000" dirty="0"/>
+              <a:t>Contribution System</a:t>
+            </a:r>
+            <a:endParaRPr lang="en-US" sz="1600" dirty="0"/>
+          </a:p>
+        </p:txBody>
+      </p:sp>
+      <p:pic>
+        <p:nvPicPr>
+          <p:cNvPr id="23" name="Picture 22">
+            <a:extLst>
+              <a:ext uri="{FF2B5EF4-FFF2-40B4-BE49-F238E27FC236}">
+                <a16:creationId xmlns:a16="http://schemas.microsoft.com/office/drawing/2014/main" id="{8150ED81-2237-4F2A-BFAB-46462E48E73D}"/>
+              </a:ext>
+            </a:extLst>
+          </p:cNvPr>
+          <p:cNvPicPr>
+            <a:picLocks noChangeAspect="1"/>
+          </p:cNvPicPr>
+          <p:nvPr/>
+        </p:nvPicPr>
+        <p:blipFill rotWithShape="1">
+          <a:blip r:embed="rId2"/>
+          <a:srcRect l="31942" r="1212" b="2"/>
+          <a:stretch/>
+        </p:blipFill>
+        <p:spPr>
+          <a:xfrm>
+            <a:off x="6621294" y="1295416"/>
+            <a:ext cx="5570706" cy="5562584"/>
+          </a:xfrm>
+          <a:custGeom>
+            <a:avLst/>
+            <a:gdLst/>
+            <a:ahLst/>
+            <a:cxnLst/>
+            <a:rect l="l" t="t" r="r" b="b"/>
+            <a:pathLst>
+              <a:path w="5570706" h="5562584">
+                <a:moveTo>
+                  <a:pt x="3374687" y="0"/>
+                </a:moveTo>
+                <a:cubicBezTo>
+                  <a:pt x="4190094" y="0"/>
+                  <a:pt x="4937956" y="289196"/>
+                  <a:pt x="5521301" y="770615"/>
+                </a:cubicBezTo>
+                <a:lnTo>
+                  <a:pt x="5570706" y="815517"/>
+                </a:lnTo>
+                <a:lnTo>
+                  <a:pt x="5570706" y="5562584"/>
+                </a:lnTo>
+                <a:lnTo>
+                  <a:pt x="808135" y="5562584"/>
+                </a:lnTo>
+                <a:lnTo>
+                  <a:pt x="770615" y="5521302"/>
+                </a:lnTo>
+                <a:cubicBezTo>
+                  <a:pt x="289196" y="4937957"/>
+                  <a:pt x="0" y="4190095"/>
+                  <a:pt x="0" y="3374687"/>
+                </a:cubicBezTo>
+                <a:cubicBezTo>
+                  <a:pt x="0" y="1510899"/>
+                  <a:pt x="1510899" y="0"/>
+                  <a:pt x="3374687" y="0"/>
+                </a:cubicBezTo>
+                <a:close/>
+              </a:path>
+            </a:pathLst>
+          </a:custGeom>
+        </p:spPr>
+      </p:pic>
+      <p:sp>
+        <p:nvSpPr>
+          <p:cNvPr id="29" name="!!Oval">
+            <a:extLst>
+              <a:ext uri="{FF2B5EF4-FFF2-40B4-BE49-F238E27FC236}">
+                <a16:creationId xmlns:a16="http://schemas.microsoft.com/office/drawing/2014/main" id="{1D460C86-854F-4FB3-ABC2-E823D8FEB9DB}"/>
+              </a:ext>
+              <a:ext uri="{C183D7F6-B498-43B3-948B-1728B52AA6E4}">
+                <adec:decorative xmlns:adec="http://schemas.microsoft.com/office/drawing/2017/decorative" val="1"/>
+              </a:ext>
+            </a:extLst>
+          </p:cNvPr>
+          <p:cNvSpPr>
+            <a:spLocks noGrp="1" noRot="1" noChangeAspect="1" noMove="1" noResize="1" noEditPoints="1" noAdjustHandles="1" noChangeArrowheads="1" noChangeShapeType="1" noTextEdit="1"/>
+          </p:cNvSpPr>
+          <p:nvPr>
+            <p:extLst>
+              <p:ext uri="{386F3935-93C4-4BCD-93E2-E3B085C9AB24}">
+                <p16:designElem xmlns:p16="http://schemas.microsoft.com/office/powerpoint/2015/main" val="1"/>
+              </p:ext>
+            </p:extLst>
+          </p:nvPr>
+        </p:nvSpPr>
+        <p:spPr>
+          <a:xfrm>
+            <a:off x="6643451" y="1656147"/>
+            <a:ext cx="546100" cy="546100"/>
+          </a:xfrm>
+          <a:prstGeom prst="ellipse">
+            <a:avLst/>
+          </a:prstGeom>
+          <a:solidFill>
+            <a:schemeClr val="accent1"/>
+          </a:solidFill>
+          <a:ln>
+            <a:noFill/>
+          </a:ln>
+        </p:spPr>
+        <p:style>
+          <a:lnRef idx="2">
+            <a:schemeClr val="accent1">
+              <a:shade val="50000"/>
+            </a:schemeClr>
+          </a:lnRef>
+          <a:fillRef idx="1">
+            <a:schemeClr val="accent1"/>
+          </a:fillRef>
+          <a:effectRef idx="0">
+            <a:schemeClr val="accent1"/>
+          </a:effectRef>
+          <a:fontRef idx="minor">
+            <a:schemeClr val="lt1"/>
+          </a:fontRef>
+        </p:style>
+        <p:txBody>
+          <a:bodyPr rtlCol="0" anchor="ctr"/>
+          <a:lstStyle/>
+          <a:p>
+            <a:pPr marL="0" marR="0" lvl="0" indent="0" algn="ctr" defTabSz="914400" rtl="0" eaLnBrk="1" fontAlgn="auto" latinLnBrk="0" hangingPunct="1">
+              <a:lnSpc>
+                <a:spcPct val="100000"/>
+              </a:lnSpc>
+              <a:spcBef>
+                <a:spcPts val="0"/>
+              </a:spcBef>
+              <a:spcAft>
+                <a:spcPts val="0"/>
+              </a:spcAft>
+              <a:buClrTx/>
+              <a:buSzTx/>
+              <a:buFontTx/>
+              <a:buNone/>
+              <a:tabLst/>
+              <a:defRPr/>
+            </a:pPr>
+            <a:endParaRPr kumimoji="0" lang="en-US" sz="1800" b="0" i="0" u="none" strike="noStrike" kern="1200" cap="none" spc="0" normalizeH="0" baseline="0" noProof="0">
+              <a:ln>
+                <a:noFill/>
+              </a:ln>
+              <a:solidFill>
+                <a:srgbClr val="FFFFFF"/>
+              </a:solidFill>
+              <a:effectLst/>
+              <a:uLnTx/>
+              <a:uFillTx/>
+              <a:latin typeface="Calibri" panose="020F0502020204030204"/>
+              <a:ea typeface="+mn-ea"/>
+              <a:cs typeface="+mn-cs"/>
+            </a:endParaRPr>
+          </a:p>
+        </p:txBody>
+      </p:sp>
+      <p:sp>
+        <p:nvSpPr>
+          <p:cNvPr id="31" name="!!Arc">
+            <a:extLst>
+              <a:ext uri="{FF2B5EF4-FFF2-40B4-BE49-F238E27FC236}">
+                <a16:creationId xmlns:a16="http://schemas.microsoft.com/office/drawing/2014/main" id="{BB48116A-278A-4CC5-89D3-9DE8E8FF1245}"/>
+              </a:ext>
+              <a:ext uri="{C183D7F6-B498-43B3-948B-1728B52AA6E4}">
+                <adec:decorative xmlns:adec="http://schemas.microsoft.com/office/drawing/2017/decorative" val="1"/>
+              </a:ext>
+            </a:extLst>
+          </p:cNvPr>
+          <p:cNvSpPr>
+            <a:spLocks noGrp="1" noRot="1" noChangeAspect="1" noMove="1" noResize="1" noEditPoints="1" noAdjustHandles="1" noChangeArrowheads="1" noChangeShapeType="1" noTextEdit="1"/>
+          </p:cNvSpPr>
+          <p:nvPr>
+            <p:extLst>
+              <p:ext uri="{386F3935-93C4-4BCD-93E2-E3B085C9AB24}">
+                <p16:designElem xmlns:p16="http://schemas.microsoft.com/office/powerpoint/2015/main" val="1"/>
+              </p:ext>
+            </p:extLst>
+          </p:nvPr>
+        </p:nvSpPr>
+        <p:spPr>
+          <a:xfrm>
+            <a:off x="8134739" y="587516"/>
+            <a:ext cx="2987899" cy="2987899"/>
+          </a:xfrm>
+          <a:prstGeom prst="arc">
+            <a:avLst>
+              <a:gd name="adj1" fmla="val 15817365"/>
+              <a:gd name="adj2" fmla="val 1781380"/>
+            </a:avLst>
+          </a:prstGeom>
+          <a:ln w="127000" cap="rnd">
+            <a:solidFill>
+              <a:schemeClr val="accent4"/>
+            </a:solidFill>
+            <a:prstDash val="dash"/>
+            <a:miter lim="800000"/>
+          </a:ln>
+        </p:spPr>
+        <p:style>
+          <a:lnRef idx="1">
+            <a:schemeClr val="accent1"/>
+          </a:lnRef>
+          <a:fillRef idx="0">
+            <a:schemeClr val="accent1"/>
+          </a:fillRef>
+          <a:effectRef idx="0">
+            <a:schemeClr val="accent1"/>
+          </a:effectRef>
+          <a:fontRef idx="minor">
+            <a:schemeClr val="tx1"/>
+          </a:fontRef>
+        </p:style>
+        <p:txBody>
+          <a:bodyPr rtlCol="0" anchor="ctr"/>
+          <a:lstStyle/>
+          <a:p>
+            <a:pPr marL="0" marR="0" lvl="0" indent="0" algn="ctr" defTabSz="914400" rtl="0" eaLnBrk="1" fontAlgn="auto" latinLnBrk="0" hangingPunct="1">
+              <a:lnSpc>
+                <a:spcPct val="100000"/>
+              </a:lnSpc>
+              <a:spcBef>
+                <a:spcPts val="0"/>
+              </a:spcBef>
+              <a:spcAft>
+                <a:spcPts val="0"/>
+              </a:spcAft>
+              <a:buClrTx/>
+              <a:buSzTx/>
+              <a:buFontTx/>
+              <a:buNone/>
+              <a:tabLst/>
+              <a:defRPr/>
+            </a:pPr>
+            <a:endParaRPr kumimoji="0" lang="en-US" sz="1800" b="0" i="0" u="none" strike="noStrike" kern="1200" cap="none" spc="0" normalizeH="0" baseline="0" noProof="0">
+              <a:ln>
+                <a:noFill/>
+              </a:ln>
+              <a:solidFill>
+                <a:srgbClr val="000000"/>
+              </a:solidFill>
+              <a:effectLst/>
+              <a:uLnTx/>
+              <a:uFillTx/>
+              <a:latin typeface="Calibri" panose="020F0502020204030204"/>
+              <a:ea typeface="+mn-ea"/>
+              <a:cs typeface="+mn-cs"/>
+            </a:endParaRPr>
+          </a:p>
+        </p:txBody>
+      </p:sp>
+      <p:graphicFrame>
+        <p:nvGraphicFramePr>
+          <p:cNvPr id="22" name="Content Placeholder 2">
+            <a:extLst>
+              <a:ext uri="{FF2B5EF4-FFF2-40B4-BE49-F238E27FC236}">
+                <a16:creationId xmlns:a16="http://schemas.microsoft.com/office/drawing/2014/main" id="{99293231-8B34-4E03-AD90-EE4DF1DF0FDE}"/>
+              </a:ext>
+            </a:extLst>
+          </p:cNvPr>
+          <p:cNvGraphicFramePr>
+            <a:graphicFrameLocks noGrp="1"/>
+          </p:cNvGraphicFramePr>
+          <p:nvPr>
+            <p:ph idx="1"/>
+            <p:extLst>
+              <p:ext uri="{D42A27DB-BD31-4B8C-83A1-F6EECF244321}">
+                <p14:modId xmlns:p14="http://schemas.microsoft.com/office/powerpoint/2010/main" val="3780486438"/>
+              </p:ext>
+            </p:extLst>
+          </p:nvPr>
+        </p:nvGraphicFramePr>
+        <p:xfrm>
+          <a:off x="838200" y="1825625"/>
+          <a:ext cx="5387502" cy="4351338"/>
+        </p:xfrm>
+        <a:graphic>
+          <a:graphicData uri="http://schemas.openxmlformats.org/drawingml/2006/diagram">
+            <dgm:relIds xmlns:dgm="http://schemas.openxmlformats.org/drawingml/2006/diagram" xmlns:r="http://schemas.openxmlformats.org/officeDocument/2006/relationships" r:dm="rId3" r:lo="rId4" r:qs="rId5" r:cs="rId6"/>
+          </a:graphicData>
+        </a:graphic>
+      </p:graphicFrame>
+    </p:spTree>
+    <p:extLst>
+      <p:ext uri="{BB962C8B-B14F-4D97-AF65-F5344CB8AC3E}">
+        <p14:creationId xmlns:p14="http://schemas.microsoft.com/office/powerpoint/2010/main" val="127254504"/>
+      </p:ext>
+    </p:extLst>
+  </p:cSld>
+  <p:clrMapOvr>
+    <a:masterClrMapping/>
+  </p:clrMapOvr>
+</p:sld>
+</file>
+
+<file path=ppt/slides/slide12.xml><?xml version="1.0" encoding="utf-8"?>
+<p:sld xmlns:a="http://schemas.openxmlformats.org/drawingml/2006/main" xmlns:r="http://schemas.openxmlformats.org/officeDocument/2006/relationships" xmlns:p="http://schemas.openxmlformats.org/presentationml/2006/main">
+  <p:cSld>
+    <p:bg>
+      <p:bgPr>
+        <a:solidFill>
+          <a:schemeClr val="bg1"/>
+        </a:solidFill>
+        <a:effectLst/>
+      </p:bgPr>
+    </p:bg>
+    <p:spTree>
+      <p:nvGrpSpPr>
+        <p:cNvPr id="1" name=""/>
+        <p:cNvGrpSpPr/>
+        <p:nvPr/>
+      </p:nvGrpSpPr>
+      <p:grpSpPr>
+        <a:xfrm>
+          <a:off x="0" y="0"/>
+          <a:ext cx="0" cy="0"/>
+          <a:chOff x="0" y="0"/>
+          <a:chExt cx="0" cy="0"/>
+        </a:xfrm>
+      </p:grpSpPr>
+      <p:sp useBgFill="1">
+        <p:nvSpPr>
+          <p:cNvPr id="23" name="Rectangle 22">
+            <a:extLst>
+              <a:ext uri="{FF2B5EF4-FFF2-40B4-BE49-F238E27FC236}">
+                <a16:creationId xmlns:a16="http://schemas.microsoft.com/office/drawing/2014/main" id="{91F32EBA-ED97-466E-8CFA-8382584155D0}"/>
+              </a:ext>
+              <a:ext uri="{C183D7F6-B498-43B3-948B-1728B52AA6E4}">
+                <adec:decorative xmlns:adec="http://schemas.microsoft.com/office/drawing/2017/decorative" val="1"/>
+              </a:ext>
+            </a:extLst>
+          </p:cNvPr>
+          <p:cNvSpPr>
+            <a:spLocks noGrp="1" noRot="1" noChangeAspect="1" noMove="1" noResize="1" noEditPoints="1" noAdjustHandles="1" noChangeArrowheads="1" noChangeShapeType="1" noTextEdit="1"/>
+          </p:cNvSpPr>
+          <p:nvPr>
+            <p:extLst>
+              <p:ext uri="{386F3935-93C4-4BCD-93E2-E3B085C9AB24}">
+                <p16:designElem xmlns:p16="http://schemas.microsoft.com/office/powerpoint/2015/main" val="1"/>
+              </p:ext>
+            </p:extLst>
+          </p:nvPr>
+        </p:nvSpPr>
+        <p:spPr>
+          <a:xfrm>
+            <a:off x="0" y="0"/>
+            <a:ext cx="12192000" cy="6858000"/>
+          </a:xfrm>
+          <a:prstGeom prst="rect">
+            <a:avLst/>
+          </a:prstGeom>
+          <a:ln>
+            <a:noFill/>
+          </a:ln>
+        </p:spPr>
+        <p:style>
+          <a:lnRef idx="2">
+            <a:schemeClr val="accent1">
+              <a:shade val="50000"/>
+            </a:schemeClr>
+          </a:lnRef>
+          <a:fillRef idx="1">
+            <a:schemeClr val="accent1"/>
+          </a:fillRef>
+          <a:effectRef idx="0">
+            <a:schemeClr val="accent1"/>
+          </a:effectRef>
+          <a:fontRef idx="minor">
+            <a:schemeClr val="lt1"/>
+          </a:fontRef>
+        </p:style>
+        <p:txBody>
+          <a:bodyPr rtlCol="0" anchor="ctr"/>
+          <a:lstStyle/>
+          <a:p>
+            <a:pPr algn="ctr"/>
+            <a:endParaRPr lang="en-US"/>
+          </a:p>
+        </p:txBody>
+      </p:sp>
+      <p:sp>
+        <p:nvSpPr>
+          <p:cNvPr id="2" name="Title 1">
+            <a:extLst>
+              <a:ext uri="{FF2B5EF4-FFF2-40B4-BE49-F238E27FC236}">
+                <a16:creationId xmlns:a16="http://schemas.microsoft.com/office/drawing/2014/main" id="{CD46B66C-D4D3-4626-AA10-5B0D21EA8181}"/>
+              </a:ext>
+            </a:extLst>
+          </p:cNvPr>
+          <p:cNvSpPr>
+            <a:spLocks noGrp="1"/>
+          </p:cNvSpPr>
+          <p:nvPr>
+            <p:ph type="title"/>
+          </p:nvPr>
+        </p:nvSpPr>
+        <p:spPr>
+          <a:xfrm>
+            <a:off x="965199" y="851517"/>
+            <a:ext cx="5130795" cy="1461778"/>
+          </a:xfrm>
+        </p:spPr>
+        <p:txBody>
+          <a:bodyPr>
+            <a:normAutofit/>
+          </a:bodyPr>
+          <a:lstStyle/>
+          <a:p>
+            <a:r>
+              <a:rPr lang="en-US" sz="4000"/>
+              <a:t>Points System</a:t>
+            </a:r>
+            <a:br>
+              <a:rPr lang="en-US" sz="4000"/>
+            </a:br>
+            <a:r>
+              <a:rPr lang="en-US" sz="4000"/>
+              <a:t>Community &amp; Sections</a:t>
+            </a:r>
+          </a:p>
+        </p:txBody>
+      </p:sp>
+      <p:sp>
+        <p:nvSpPr>
+          <p:cNvPr id="3" name="Content Placeholder 2">
+            <a:extLst>
+              <a:ext uri="{FF2B5EF4-FFF2-40B4-BE49-F238E27FC236}">
+                <a16:creationId xmlns:a16="http://schemas.microsoft.com/office/drawing/2014/main" id="{ACAC6FB5-573F-46E1-8CE9-48F565F750F5}"/>
+              </a:ext>
+            </a:extLst>
+          </p:cNvPr>
+          <p:cNvSpPr>
+            <a:spLocks noGrp="1"/>
+          </p:cNvSpPr>
+          <p:nvPr>
+            <p:ph idx="1"/>
+          </p:nvPr>
+        </p:nvSpPr>
+        <p:spPr>
+          <a:xfrm>
+            <a:off x="965200" y="2470248"/>
+            <a:ext cx="4048344" cy="3536236"/>
+          </a:xfrm>
+        </p:spPr>
+        <p:txBody>
+          <a:bodyPr>
+            <a:normAutofit/>
+          </a:bodyPr>
+          <a:lstStyle/>
+          <a:p>
+            <a:r>
+              <a:rPr lang="en-US" sz="2200" dirty="0"/>
+              <a:t>The point system for communities and sections is on a 5-base scale</a:t>
+            </a:r>
+          </a:p>
+          <a:p>
+            <a:pPr marL="0" indent="0">
+              <a:buNone/>
+            </a:pPr>
+            <a:endParaRPr lang="en-US" sz="2200" dirty="0"/>
+          </a:p>
+        </p:txBody>
+      </p:sp>
+      <p:sp>
+        <p:nvSpPr>
+          <p:cNvPr id="25" name="Freeform: Shape 24">
+            <a:extLst>
+              <a:ext uri="{FF2B5EF4-FFF2-40B4-BE49-F238E27FC236}">
+                <a16:creationId xmlns:a16="http://schemas.microsoft.com/office/drawing/2014/main" id="{62A38935-BB53-4DF7-A56E-48DD25B685D7}"/>
+              </a:ext>
+              <a:ext uri="{C183D7F6-B498-43B3-948B-1728B52AA6E4}">
+                <adec:decorative xmlns:adec="http://schemas.microsoft.com/office/drawing/2017/decorative" val="1"/>
+              </a:ext>
+            </a:extLst>
+          </p:cNvPr>
+          <p:cNvSpPr>
+            <a:spLocks noGrp="1" noRot="1" noChangeAspect="1" noMove="1" noResize="1" noEditPoints="1" noAdjustHandles="1" noChangeArrowheads="1" noChangeShapeType="1" noTextEdit="1"/>
+          </p:cNvSpPr>
+          <p:nvPr>
+            <p:extLst>
+              <p:ext uri="{386F3935-93C4-4BCD-93E2-E3B085C9AB24}">
+                <p16:designElem xmlns:p16="http://schemas.microsoft.com/office/powerpoint/2015/main" val="1"/>
+              </p:ext>
+            </p:extLst>
+          </p:nvPr>
+        </p:nvSpPr>
+        <p:spPr>
+          <a:xfrm>
+            <a:off x="5510370" y="851518"/>
+            <a:ext cx="6184806" cy="5154967"/>
+          </a:xfrm>
+          <a:custGeom>
+            <a:avLst/>
+            <a:gdLst>
+              <a:gd name="connsiteX0" fmla="*/ 363179 w 6184806"/>
+              <a:gd name="connsiteY0" fmla="*/ 3125191 h 5154967"/>
+              <a:gd name="connsiteX1" fmla="*/ 898270 w 6184806"/>
+              <a:gd name="connsiteY1" fmla="*/ 3125191 h 5154967"/>
+              <a:gd name="connsiteX2" fmla="*/ 980326 w 6184806"/>
+              <a:gd name="connsiteY2" fmla="*/ 3173551 h 5154967"/>
+              <a:gd name="connsiteX3" fmla="*/ 1248448 w 6184806"/>
+              <a:gd name="connsiteY3" fmla="*/ 3635277 h 5154967"/>
+              <a:gd name="connsiteX4" fmla="*/ 1248448 w 6184806"/>
+              <a:gd name="connsiteY4" fmla="*/ 3729695 h 5154967"/>
+              <a:gd name="connsiteX5" fmla="*/ 980326 w 6184806"/>
+              <a:gd name="connsiteY5" fmla="*/ 4191421 h 5154967"/>
+              <a:gd name="connsiteX6" fmla="*/ 898270 w 6184806"/>
+              <a:gd name="connsiteY6" fmla="*/ 4239781 h 5154967"/>
+              <a:gd name="connsiteX7" fmla="*/ 363179 w 6184806"/>
+              <a:gd name="connsiteY7" fmla="*/ 4239781 h 5154967"/>
+              <a:gd name="connsiteX8" fmla="*/ 279969 w 6184806"/>
+              <a:gd name="connsiteY8" fmla="*/ 4191421 h 5154967"/>
+              <a:gd name="connsiteX9" fmla="*/ 13002 w 6184806"/>
+              <a:gd name="connsiteY9" fmla="*/ 3729695 h 5154967"/>
+              <a:gd name="connsiteX10" fmla="*/ 13002 w 6184806"/>
+              <a:gd name="connsiteY10" fmla="*/ 3635277 h 5154967"/>
+              <a:gd name="connsiteX11" fmla="*/ 279969 w 6184806"/>
+              <a:gd name="connsiteY11" fmla="*/ 3173551 h 5154967"/>
+              <a:gd name="connsiteX12" fmla="*/ 363179 w 6184806"/>
+              <a:gd name="connsiteY12" fmla="*/ 3125191 h 5154967"/>
+              <a:gd name="connsiteX13" fmla="*/ 2489721 w 6184806"/>
+              <a:gd name="connsiteY13" fmla="*/ 570035 h 5154967"/>
+              <a:gd name="connsiteX14" fmla="*/ 2764862 w 6184806"/>
+              <a:gd name="connsiteY14" fmla="*/ 570035 h 5154967"/>
+              <a:gd name="connsiteX15" fmla="*/ 2796959 w 6184806"/>
+              <a:gd name="connsiteY15" fmla="*/ 570035 h 5154967"/>
+              <a:gd name="connsiteX16" fmla="*/ 2827587 w 6184806"/>
+              <a:gd name="connsiteY16" fmla="*/ 622777 h 5154967"/>
+              <a:gd name="connsiteX17" fmla="*/ 2977604 w 6184806"/>
+              <a:gd name="connsiteY17" fmla="*/ 881117 h 5154967"/>
+              <a:gd name="connsiteX18" fmla="*/ 2977604 w 6184806"/>
+              <a:gd name="connsiteY18" fmla="*/ 1025720 h 5154967"/>
+              <a:gd name="connsiteX19" fmla="*/ 2566968 w 6184806"/>
+              <a:gd name="connsiteY19" fmla="*/ 1732863 h 5154967"/>
+              <a:gd name="connsiteX20" fmla="*/ 2441299 w 6184806"/>
+              <a:gd name="connsiteY20" fmla="*/ 1806927 h 5154967"/>
+              <a:gd name="connsiteX21" fmla="*/ 1621798 w 6184806"/>
+              <a:gd name="connsiteY21" fmla="*/ 1806927 h 5154967"/>
+              <a:gd name="connsiteX22" fmla="*/ 1583218 w 6184806"/>
+              <a:gd name="connsiteY22" fmla="*/ 1801802 h 5154967"/>
+              <a:gd name="connsiteX23" fmla="*/ 1556683 w 6184806"/>
+              <a:gd name="connsiteY23" fmla="*/ 1790677 h 5154967"/>
+              <a:gd name="connsiteX24" fmla="*/ 1572899 w 6184806"/>
+              <a:gd name="connsiteY24" fmla="*/ 1762631 h 5154967"/>
+              <a:gd name="connsiteX25" fmla="*/ 2147429 w 6184806"/>
+              <a:gd name="connsiteY25" fmla="*/ 768968 h 5154967"/>
+              <a:gd name="connsiteX26" fmla="*/ 2489721 w 6184806"/>
+              <a:gd name="connsiteY26" fmla="*/ 570035 h 5154967"/>
+              <a:gd name="connsiteX27" fmla="*/ 1573268 w 6184806"/>
+              <a:gd name="connsiteY27" fmla="*/ 0 h 5154967"/>
+              <a:gd name="connsiteX28" fmla="*/ 2497662 w 6184806"/>
+              <a:gd name="connsiteY28" fmla="*/ 0 h 5154967"/>
+              <a:gd name="connsiteX29" fmla="*/ 2639415 w 6184806"/>
+              <a:gd name="connsiteY29" fmla="*/ 83546 h 5154967"/>
+              <a:gd name="connsiteX30" fmla="*/ 2887862 w 6184806"/>
+              <a:gd name="connsiteY30" fmla="*/ 511387 h 5154967"/>
+              <a:gd name="connsiteX31" fmla="*/ 2915928 w 6184806"/>
+              <a:gd name="connsiteY31" fmla="*/ 559720 h 5154967"/>
+              <a:gd name="connsiteX32" fmla="*/ 2893844 w 6184806"/>
+              <a:gd name="connsiteY32" fmla="*/ 559720 h 5154967"/>
+              <a:gd name="connsiteX33" fmla="*/ 2789466 w 6184806"/>
+              <a:gd name="connsiteY33" fmla="*/ 559720 h 5154967"/>
+              <a:gd name="connsiteX34" fmla="*/ 2744122 w 6184806"/>
+              <a:gd name="connsiteY34" fmla="*/ 481634 h 5154967"/>
+              <a:gd name="connsiteX35" fmla="*/ 2570885 w 6184806"/>
+              <a:gd name="connsiteY35" fmla="*/ 183309 h 5154967"/>
+              <a:gd name="connsiteX36" fmla="*/ 2445216 w 6184806"/>
+              <a:gd name="connsiteY36" fmla="*/ 109244 h 5154967"/>
+              <a:gd name="connsiteX37" fmla="*/ 1625714 w 6184806"/>
+              <a:gd name="connsiteY37" fmla="*/ 109244 h 5154967"/>
+              <a:gd name="connsiteX38" fmla="*/ 1498276 w 6184806"/>
+              <a:gd name="connsiteY38" fmla="*/ 183309 h 5154967"/>
+              <a:gd name="connsiteX39" fmla="*/ 1089410 w 6184806"/>
+              <a:gd name="connsiteY39" fmla="*/ 890450 h 5154967"/>
+              <a:gd name="connsiteX40" fmla="*/ 1089410 w 6184806"/>
+              <a:gd name="connsiteY40" fmla="*/ 1035054 h 5154967"/>
+              <a:gd name="connsiteX41" fmla="*/ 1498276 w 6184806"/>
+              <a:gd name="connsiteY41" fmla="*/ 1742196 h 5154967"/>
+              <a:gd name="connsiteX42" fmla="*/ 1552039 w 6184806"/>
+              <a:gd name="connsiteY42" fmla="*/ 1796421 h 5154967"/>
+              <a:gd name="connsiteX43" fmla="*/ 1558260 w 6184806"/>
+              <a:gd name="connsiteY43" fmla="*/ 1799029 h 5154967"/>
+              <a:gd name="connsiteX44" fmla="*/ 1524911 w 6184806"/>
+              <a:gd name="connsiteY44" fmla="*/ 1856707 h 5154967"/>
+              <a:gd name="connsiteX45" fmla="*/ 1500108 w 6184806"/>
+              <a:gd name="connsiteY45" fmla="*/ 1899604 h 5154967"/>
+              <a:gd name="connsiteX46" fmla="*/ 1525834 w 6184806"/>
+              <a:gd name="connsiteY46" fmla="*/ 1910390 h 5154967"/>
+              <a:gd name="connsiteX47" fmla="*/ 1569352 w 6184806"/>
+              <a:gd name="connsiteY47" fmla="*/ 1916170 h 5154967"/>
+              <a:gd name="connsiteX48" fmla="*/ 2493745 w 6184806"/>
+              <a:gd name="connsiteY48" fmla="*/ 1916170 h 5154967"/>
+              <a:gd name="connsiteX49" fmla="*/ 2635498 w 6184806"/>
+              <a:gd name="connsiteY49" fmla="*/ 1832627 h 5154967"/>
+              <a:gd name="connsiteX50" fmla="*/ 3098693 w 6184806"/>
+              <a:gd name="connsiteY50" fmla="*/ 1034974 h 5154967"/>
+              <a:gd name="connsiteX51" fmla="*/ 3098693 w 6184806"/>
+              <a:gd name="connsiteY51" fmla="*/ 871863 h 5154967"/>
+              <a:gd name="connsiteX52" fmla="*/ 2945803 w 6184806"/>
+              <a:gd name="connsiteY52" fmla="*/ 608576 h 5154967"/>
+              <a:gd name="connsiteX53" fmla="*/ 2923422 w 6184806"/>
+              <a:gd name="connsiteY53" fmla="*/ 570035 h 5154967"/>
+              <a:gd name="connsiteX54" fmla="*/ 3027104 w 6184806"/>
+              <a:gd name="connsiteY54" fmla="*/ 570035 h 5154967"/>
+              <a:gd name="connsiteX55" fmla="*/ 4690846 w 6184806"/>
+              <a:gd name="connsiteY55" fmla="*/ 570035 h 5154967"/>
+              <a:gd name="connsiteX56" fmla="*/ 5028384 w 6184806"/>
+              <a:gd name="connsiteY56" fmla="*/ 768968 h 5154967"/>
+              <a:gd name="connsiteX57" fmla="*/ 6131323 w 6184806"/>
+              <a:gd name="connsiteY57" fmla="*/ 2668304 h 5154967"/>
+              <a:gd name="connsiteX58" fmla="*/ 6131323 w 6184806"/>
+              <a:gd name="connsiteY58" fmla="*/ 3056698 h 5154967"/>
+              <a:gd name="connsiteX59" fmla="*/ 5028384 w 6184806"/>
+              <a:gd name="connsiteY59" fmla="*/ 4956035 h 5154967"/>
+              <a:gd name="connsiteX60" fmla="*/ 4690846 w 6184806"/>
+              <a:gd name="connsiteY60" fmla="*/ 5154967 h 5154967"/>
+              <a:gd name="connsiteX61" fmla="*/ 2489721 w 6184806"/>
+              <a:gd name="connsiteY61" fmla="*/ 5154967 h 5154967"/>
+              <a:gd name="connsiteX62" fmla="*/ 2147429 w 6184806"/>
+              <a:gd name="connsiteY62" fmla="*/ 4956035 h 5154967"/>
+              <a:gd name="connsiteX63" fmla="*/ 1049243 w 6184806"/>
+              <a:gd name="connsiteY63" fmla="*/ 3056698 h 5154967"/>
+              <a:gd name="connsiteX64" fmla="*/ 1049243 w 6184806"/>
+              <a:gd name="connsiteY64" fmla="*/ 2668304 h 5154967"/>
+              <a:gd name="connsiteX65" fmla="*/ 1457007 w 6184806"/>
+              <a:gd name="connsiteY65" fmla="*/ 1963067 h 5154967"/>
+              <a:gd name="connsiteX66" fmla="*/ 1491373 w 6184806"/>
+              <a:gd name="connsiteY66" fmla="*/ 1903634 h 5154967"/>
+              <a:gd name="connsiteX67" fmla="*/ 1490164 w 6184806"/>
+              <a:gd name="connsiteY67" fmla="*/ 1903127 h 5154967"/>
+              <a:gd name="connsiteX68" fmla="*/ 1429519 w 6184806"/>
+              <a:gd name="connsiteY68" fmla="*/ 1841960 h 5154967"/>
+              <a:gd name="connsiteX69" fmla="*/ 968320 w 6184806"/>
+              <a:gd name="connsiteY69" fmla="*/ 1044307 h 5154967"/>
+              <a:gd name="connsiteX70" fmla="*/ 968320 w 6184806"/>
+              <a:gd name="connsiteY70" fmla="*/ 881196 h 5154967"/>
+              <a:gd name="connsiteX71" fmla="*/ 1429519 w 6184806"/>
+              <a:gd name="connsiteY71" fmla="*/ 83546 h 5154967"/>
+              <a:gd name="connsiteX72" fmla="*/ 1573268 w 6184806"/>
+              <a:gd name="connsiteY72" fmla="*/ 0 h 5154967"/>
+            </a:gdLst>
+            <a:ahLst/>
+            <a:cxnLst>
+              <a:cxn ang="0">
+                <a:pos x="connsiteX0" y="connsiteY0"/>
+              </a:cxn>
+              <a:cxn ang="0">
+                <a:pos x="connsiteX1" y="connsiteY1"/>
+              </a:cxn>
+              <a:cxn ang="0">
+                <a:pos x="connsiteX2" y="connsiteY2"/>
+              </a:cxn>
+              <a:cxn ang="0">
+                <a:pos x="connsiteX3" y="connsiteY3"/>
+              </a:cxn>
+              <a:cxn ang="0">
+                <a:pos x="connsiteX4" y="connsiteY4"/>
+              </a:cxn>
+              <a:cxn ang="0">
+                <a:pos x="connsiteX5" y="connsiteY5"/>
+              </a:cxn>
+              <a:cxn ang="0">
+                <a:pos x="connsiteX6" y="connsiteY6"/>
+              </a:cxn>
+              <a:cxn ang="0">
+                <a:pos x="connsiteX7" y="connsiteY7"/>
+              </a:cxn>
+              <a:cxn ang="0">
+                <a:pos x="connsiteX8" y="connsiteY8"/>
+              </a:cxn>
+              <a:cxn ang="0">
+                <a:pos x="connsiteX9" y="connsiteY9"/>
+              </a:cxn>
+              <a:cxn ang="0">
+                <a:pos x="connsiteX10" y="connsiteY10"/>
+              </a:cxn>
+              <a:cxn ang="0">
+                <a:pos x="connsiteX11" y="connsiteY11"/>
+              </a:cxn>
+              <a:cxn ang="0">
+                <a:pos x="connsiteX12" y="connsiteY12"/>
+              </a:cxn>
+              <a:cxn ang="0">
+                <a:pos x="connsiteX13" y="connsiteY13"/>
+              </a:cxn>
+              <a:cxn ang="0">
+                <a:pos x="connsiteX14" y="connsiteY14"/>
+              </a:cxn>
+              <a:cxn ang="0">
+                <a:pos x="connsiteX15" y="connsiteY15"/>
+              </a:cxn>
+              <a:cxn ang="0">
+                <a:pos x="connsiteX16" y="connsiteY16"/>
+              </a:cxn>
+              <a:cxn ang="0">
+                <a:pos x="connsiteX17" y="connsiteY17"/>
+              </a:cxn>
+              <a:cxn ang="0">
+                <a:pos x="connsiteX18" y="connsiteY18"/>
+              </a:cxn>
+              <a:cxn ang="0">
+                <a:pos x="connsiteX19" y="connsiteY19"/>
+              </a:cxn>
+              <a:cxn ang="0">
+                <a:pos x="connsiteX20" y="connsiteY20"/>
+              </a:cxn>
+              <a:cxn ang="0">
+                <a:pos x="connsiteX21" y="connsiteY21"/>
+              </a:cxn>
+              <a:cxn ang="0">
+                <a:pos x="connsiteX22" y="connsiteY22"/>
+              </a:cxn>
+              <a:cxn ang="0">
+                <a:pos x="connsiteX23" y="connsiteY23"/>
+              </a:cxn>
+              <a:cxn ang="0">
+                <a:pos x="connsiteX24" y="connsiteY24"/>
+              </a:cxn>
+              <a:cxn ang="0">
+                <a:pos x="connsiteX25" y="connsiteY25"/>
+              </a:cxn>
+              <a:cxn ang="0">
+                <a:pos x="connsiteX26" y="connsiteY26"/>
+              </a:cxn>
+              <a:cxn ang="0">
+                <a:pos x="connsiteX27" y="connsiteY27"/>
+              </a:cxn>
+              <a:cxn ang="0">
+                <a:pos x="connsiteX28" y="connsiteY28"/>
+              </a:cxn>
+              <a:cxn ang="0">
+                <a:pos x="connsiteX29" y="connsiteY29"/>
+              </a:cxn>
+              <a:cxn ang="0">
+                <a:pos x="connsiteX30" y="connsiteY30"/>
+              </a:cxn>
+              <a:cxn ang="0">
+                <a:pos x="connsiteX31" y="connsiteY31"/>
+              </a:cxn>
+              <a:cxn ang="0">
+                <a:pos x="connsiteX32" y="connsiteY32"/>
+              </a:cxn>
+              <a:cxn ang="0">
+                <a:pos x="connsiteX33" y="connsiteY33"/>
+              </a:cxn>
+              <a:cxn ang="0">
+                <a:pos x="connsiteX34" y="connsiteY34"/>
+              </a:cxn>
+              <a:cxn ang="0">
+                <a:pos x="connsiteX35" y="connsiteY35"/>
+              </a:cxn>
+              <a:cxn ang="0">
+                <a:pos x="connsiteX36" y="connsiteY36"/>
+              </a:cxn>
+              <a:cxn ang="0">
+                <a:pos x="connsiteX37" y="connsiteY37"/>
+              </a:cxn>
+              <a:cxn ang="0">
+                <a:pos x="connsiteX38" y="connsiteY38"/>
+              </a:cxn>
+              <a:cxn ang="0">
+                <a:pos x="connsiteX39" y="connsiteY39"/>
+              </a:cxn>
+              <a:cxn ang="0">
+                <a:pos x="connsiteX40" y="connsiteY40"/>
+              </a:cxn>
+              <a:cxn ang="0">
+                <a:pos x="connsiteX41" y="connsiteY41"/>
+              </a:cxn>
+              <a:cxn ang="0">
+                <a:pos x="connsiteX42" y="connsiteY42"/>
+              </a:cxn>
+              <a:cxn ang="0">
+                <a:pos x="connsiteX43" y="connsiteY43"/>
+              </a:cxn>
+              <a:cxn ang="0">
+                <a:pos x="connsiteX44" y="connsiteY44"/>
+              </a:cxn>
+              <a:cxn ang="0">
+                <a:pos x="connsiteX45" y="connsiteY45"/>
+              </a:cxn>
+              <a:cxn ang="0">
+                <a:pos x="connsiteX46" y="connsiteY46"/>
+              </a:cxn>
+              <a:cxn ang="0">
+                <a:pos x="connsiteX47" y="connsiteY47"/>
+              </a:cxn>
+              <a:cxn ang="0">
+                <a:pos x="connsiteX48" y="connsiteY48"/>
+              </a:cxn>
+              <a:cxn ang="0">
+                <a:pos x="connsiteX49" y="connsiteY49"/>
+              </a:cxn>
+              <a:cxn ang="0">
+                <a:pos x="connsiteX50" y="connsiteY50"/>
+              </a:cxn>
+              <a:cxn ang="0">
+                <a:pos x="connsiteX51" y="connsiteY51"/>
+              </a:cxn>
+              <a:cxn ang="0">
+                <a:pos x="connsiteX52" y="connsiteY52"/>
+              </a:cxn>
+              <a:cxn ang="0">
+                <a:pos x="connsiteX53" y="connsiteY53"/>
+              </a:cxn>
+              <a:cxn ang="0">
+                <a:pos x="connsiteX54" y="connsiteY54"/>
+              </a:cxn>
+              <a:cxn ang="0">
+                <a:pos x="connsiteX55" y="connsiteY55"/>
+              </a:cxn>
+              <a:cxn ang="0">
+                <a:pos x="connsiteX56" y="connsiteY56"/>
+              </a:cxn>
+              <a:cxn ang="0">
+                <a:pos x="connsiteX57" y="connsiteY57"/>
+              </a:cxn>
+              <a:cxn ang="0">
+                <a:pos x="connsiteX58" y="connsiteY58"/>
+              </a:cxn>
+              <a:cxn ang="0">
+                <a:pos x="connsiteX59" y="connsiteY59"/>
+              </a:cxn>
+              <a:cxn ang="0">
+                <a:pos x="connsiteX60" y="connsiteY60"/>
+              </a:cxn>
+              <a:cxn ang="0">
+                <a:pos x="connsiteX61" y="connsiteY61"/>
+              </a:cxn>
+              <a:cxn ang="0">
+                <a:pos x="connsiteX62" y="connsiteY62"/>
+              </a:cxn>
+              <a:cxn ang="0">
+                <a:pos x="connsiteX63" y="connsiteY63"/>
+              </a:cxn>
+              <a:cxn ang="0">
+                <a:pos x="connsiteX64" y="connsiteY64"/>
+              </a:cxn>
+              <a:cxn ang="0">
+                <a:pos x="connsiteX65" y="connsiteY65"/>
+              </a:cxn>
+              <a:cxn ang="0">
+                <a:pos x="connsiteX66" y="connsiteY66"/>
+              </a:cxn>
+              <a:cxn ang="0">
+                <a:pos x="connsiteX67" y="connsiteY67"/>
+              </a:cxn>
+              <a:cxn ang="0">
+                <a:pos x="connsiteX68" y="connsiteY68"/>
+              </a:cxn>
+              <a:cxn ang="0">
+                <a:pos x="connsiteX69" y="connsiteY69"/>
+              </a:cxn>
+              <a:cxn ang="0">
+                <a:pos x="connsiteX70" y="connsiteY70"/>
+              </a:cxn>
+              <a:cxn ang="0">
+                <a:pos x="connsiteX71" y="connsiteY71"/>
+              </a:cxn>
+              <a:cxn ang="0">
+                <a:pos x="connsiteX72" y="connsiteY72"/>
+              </a:cxn>
+            </a:cxnLst>
+            <a:rect l="l" t="t" r="r" b="b"/>
+            <a:pathLst>
+              <a:path w="6184806" h="5154967">
+                <a:moveTo>
+                  <a:pt x="363179" y="3125191"/>
+                </a:moveTo>
+                <a:cubicBezTo>
+                  <a:pt x="363179" y="3125191"/>
+                  <a:pt x="363179" y="3125191"/>
+                  <a:pt x="898270" y="3125191"/>
+                </a:cubicBezTo>
+                <a:cubicBezTo>
+                  <a:pt x="931786" y="3125191"/>
+                  <a:pt x="964145" y="3143614"/>
+                  <a:pt x="980326" y="3173551"/>
+                </a:cubicBezTo>
+                <a:cubicBezTo>
+                  <a:pt x="980326" y="3173551"/>
+                  <a:pt x="980326" y="3173551"/>
+                  <a:pt x="1248448" y="3635277"/>
+                </a:cubicBezTo>
+                <a:cubicBezTo>
+                  <a:pt x="1265784" y="3664063"/>
+                  <a:pt x="1265784" y="3700909"/>
+                  <a:pt x="1248448" y="3729695"/>
+                </a:cubicBezTo>
+                <a:cubicBezTo>
+                  <a:pt x="1248448" y="3729695"/>
+                  <a:pt x="1248448" y="3729695"/>
+                  <a:pt x="980326" y="4191421"/>
+                </a:cubicBezTo>
+                <a:cubicBezTo>
+                  <a:pt x="964145" y="4221358"/>
+                  <a:pt x="931786" y="4239781"/>
+                  <a:pt x="898270" y="4239781"/>
+                </a:cubicBezTo>
+                <a:cubicBezTo>
+                  <a:pt x="898270" y="4239781"/>
+                  <a:pt x="898270" y="4239781"/>
+                  <a:pt x="363179" y="4239781"/>
+                </a:cubicBezTo>
+                <a:cubicBezTo>
+                  <a:pt x="328508" y="4239781"/>
+                  <a:pt x="297305" y="4221358"/>
+                  <a:pt x="279969" y="4191421"/>
+                </a:cubicBezTo>
+                <a:cubicBezTo>
+                  <a:pt x="279969" y="4191421"/>
+                  <a:pt x="279969" y="4191421"/>
+                  <a:pt x="13002" y="3729695"/>
+                </a:cubicBezTo>
+                <a:cubicBezTo>
+                  <a:pt x="-4334" y="3700909"/>
+                  <a:pt x="-4334" y="3664063"/>
+                  <a:pt x="13002" y="3635277"/>
+                </a:cubicBezTo>
+                <a:cubicBezTo>
+                  <a:pt x="13002" y="3635277"/>
+                  <a:pt x="13002" y="3635277"/>
+                  <a:pt x="279969" y="3173551"/>
+                </a:cubicBezTo>
+                <a:cubicBezTo>
+                  <a:pt x="297305" y="3143614"/>
+                  <a:pt x="328508" y="3125191"/>
+                  <a:pt x="363179" y="3125191"/>
+                </a:cubicBezTo>
+                <a:close/>
+                <a:moveTo>
+                  <a:pt x="2489721" y="570035"/>
+                </a:moveTo>
+                <a:cubicBezTo>
+                  <a:pt x="2489721" y="570035"/>
+                  <a:pt x="2489721" y="570035"/>
+                  <a:pt x="2764862" y="570035"/>
+                </a:cubicBezTo>
+                <a:lnTo>
+                  <a:pt x="2796959" y="570035"/>
+                </a:lnTo>
+                <a:lnTo>
+                  <a:pt x="2827587" y="622777"/>
+                </a:lnTo>
+                <a:cubicBezTo>
+                  <a:pt x="2870233" y="696217"/>
+                  <a:pt x="2919858" y="781675"/>
+                  <a:pt x="2977604" y="881117"/>
+                </a:cubicBezTo>
+                <a:cubicBezTo>
+                  <a:pt x="3004153" y="925204"/>
+                  <a:pt x="3004153" y="981634"/>
+                  <a:pt x="2977604" y="1025720"/>
+                </a:cubicBezTo>
+                <a:cubicBezTo>
+                  <a:pt x="2977604" y="1025720"/>
+                  <a:pt x="2977604" y="1025720"/>
+                  <a:pt x="2566968" y="1732863"/>
+                </a:cubicBezTo>
+                <a:cubicBezTo>
+                  <a:pt x="2542188" y="1778712"/>
+                  <a:pt x="2492629" y="1806927"/>
+                  <a:pt x="2441299" y="1806927"/>
+                </a:cubicBezTo>
+                <a:cubicBezTo>
+                  <a:pt x="2441299" y="1806927"/>
+                  <a:pt x="2441299" y="1806927"/>
+                  <a:pt x="1621798" y="1806927"/>
+                </a:cubicBezTo>
+                <a:cubicBezTo>
+                  <a:pt x="1608523" y="1806927"/>
+                  <a:pt x="1595580" y="1805163"/>
+                  <a:pt x="1583218" y="1801802"/>
+                </a:cubicBezTo>
+                <a:lnTo>
+                  <a:pt x="1556683" y="1790677"/>
+                </a:lnTo>
+                <a:lnTo>
+                  <a:pt x="1572899" y="1762631"/>
+                </a:lnTo>
+                <a:cubicBezTo>
+                  <a:pt x="1719523" y="1509042"/>
+                  <a:pt x="1907201" y="1184448"/>
+                  <a:pt x="2147429" y="768968"/>
+                </a:cubicBezTo>
+                <a:cubicBezTo>
+                  <a:pt x="2218739" y="645819"/>
+                  <a:pt x="2347099" y="570035"/>
+                  <a:pt x="2489721" y="570035"/>
+                </a:cubicBezTo>
+                <a:close/>
+                <a:moveTo>
+                  <a:pt x="1573268" y="0"/>
+                </a:moveTo>
+                <a:cubicBezTo>
+                  <a:pt x="1573268" y="0"/>
+                  <a:pt x="1573268" y="0"/>
+                  <a:pt x="2497662" y="0"/>
+                </a:cubicBezTo>
+                <a:cubicBezTo>
+                  <a:pt x="2555561" y="0"/>
+                  <a:pt x="2611463" y="31828"/>
+                  <a:pt x="2639415" y="83546"/>
+                </a:cubicBezTo>
+                <a:cubicBezTo>
+                  <a:pt x="2639415" y="83546"/>
+                  <a:pt x="2639415" y="83546"/>
+                  <a:pt x="2887862" y="511387"/>
+                </a:cubicBezTo>
+                <a:lnTo>
+                  <a:pt x="2915928" y="559720"/>
+                </a:lnTo>
+                <a:lnTo>
+                  <a:pt x="2893844" y="559720"/>
+                </a:lnTo>
+                <a:lnTo>
+                  <a:pt x="2789466" y="559720"/>
+                </a:lnTo>
+                <a:lnTo>
+                  <a:pt x="2744122" y="481634"/>
+                </a:lnTo>
+                <a:cubicBezTo>
+                  <a:pt x="2570885" y="183309"/>
+                  <a:pt x="2570885" y="183309"/>
+                  <a:pt x="2570885" y="183309"/>
+                </a:cubicBezTo>
+                <a:cubicBezTo>
+                  <a:pt x="2546104" y="137459"/>
+                  <a:pt x="2496545" y="109244"/>
+                  <a:pt x="2445216" y="109244"/>
+                </a:cubicBezTo>
+                <a:cubicBezTo>
+                  <a:pt x="1625714" y="109244"/>
+                  <a:pt x="1625714" y="109244"/>
+                  <a:pt x="1625714" y="109244"/>
+                </a:cubicBezTo>
+                <a:cubicBezTo>
+                  <a:pt x="1572615" y="109244"/>
+                  <a:pt x="1524825" y="137459"/>
+                  <a:pt x="1498276" y="183309"/>
+                </a:cubicBezTo>
+                <a:cubicBezTo>
+                  <a:pt x="1089410" y="890450"/>
+                  <a:pt x="1089410" y="890450"/>
+                  <a:pt x="1089410" y="890450"/>
+                </a:cubicBezTo>
+                <a:cubicBezTo>
+                  <a:pt x="1062860" y="934537"/>
+                  <a:pt x="1062860" y="990968"/>
+                  <a:pt x="1089410" y="1035054"/>
+                </a:cubicBezTo>
+                <a:cubicBezTo>
+                  <a:pt x="1498276" y="1742196"/>
+                  <a:pt x="1498276" y="1742196"/>
+                  <a:pt x="1498276" y="1742196"/>
+                </a:cubicBezTo>
+                <a:cubicBezTo>
+                  <a:pt x="1511551" y="1765121"/>
+                  <a:pt x="1530135" y="1783637"/>
+                  <a:pt x="1552039" y="1796421"/>
+                </a:cubicBezTo>
+                <a:lnTo>
+                  <a:pt x="1558260" y="1799029"/>
+                </a:lnTo>
+                <a:lnTo>
+                  <a:pt x="1524911" y="1856707"/>
+                </a:lnTo>
+                <a:lnTo>
+                  <a:pt x="1500108" y="1899604"/>
+                </a:lnTo>
+                <a:lnTo>
+                  <a:pt x="1525834" y="1910390"/>
+                </a:lnTo>
+                <a:cubicBezTo>
+                  <a:pt x="1539779" y="1914181"/>
+                  <a:pt x="1554378" y="1916170"/>
+                  <a:pt x="1569352" y="1916170"/>
+                </a:cubicBezTo>
+                <a:cubicBezTo>
+                  <a:pt x="2493745" y="1916170"/>
+                  <a:pt x="2493745" y="1916170"/>
+                  <a:pt x="2493745" y="1916170"/>
+                </a:cubicBezTo>
+                <a:cubicBezTo>
+                  <a:pt x="2551645" y="1916170"/>
+                  <a:pt x="2607546" y="1884345"/>
+                  <a:pt x="2635498" y="1832627"/>
+                </a:cubicBezTo>
+                <a:cubicBezTo>
+                  <a:pt x="3098693" y="1034974"/>
+                  <a:pt x="3098693" y="1034974"/>
+                  <a:pt x="3098693" y="1034974"/>
+                </a:cubicBezTo>
+                <a:cubicBezTo>
+                  <a:pt x="3128641" y="985246"/>
+                  <a:pt x="3128641" y="921593"/>
+                  <a:pt x="3098693" y="871863"/>
+                </a:cubicBezTo>
+                <a:cubicBezTo>
+                  <a:pt x="3040794" y="772157"/>
+                  <a:pt x="2990132" y="684914"/>
+                  <a:pt x="2945803" y="608576"/>
+                </a:cubicBezTo>
+                <a:lnTo>
+                  <a:pt x="2923422" y="570035"/>
+                </a:lnTo>
+                <a:lnTo>
+                  <a:pt x="3027104" y="570035"/>
+                </a:lnTo>
+                <a:cubicBezTo>
+                  <a:pt x="3349535" y="570035"/>
+                  <a:pt x="3865424" y="570035"/>
+                  <a:pt x="4690846" y="570035"/>
+                </a:cubicBezTo>
+                <a:cubicBezTo>
+                  <a:pt x="4828714" y="570035"/>
+                  <a:pt x="4961827" y="645819"/>
+                  <a:pt x="5028384" y="768968"/>
+                </a:cubicBezTo>
+                <a:cubicBezTo>
+                  <a:pt x="5028384" y="768968"/>
+                  <a:pt x="5028384" y="768968"/>
+                  <a:pt x="6131323" y="2668304"/>
+                </a:cubicBezTo>
+                <a:cubicBezTo>
+                  <a:pt x="6202634" y="2786717"/>
+                  <a:pt x="6202634" y="2938285"/>
+                  <a:pt x="6131323" y="3056698"/>
+                </a:cubicBezTo>
+                <a:cubicBezTo>
+                  <a:pt x="6131323" y="3056698"/>
+                  <a:pt x="6131323" y="3056698"/>
+                  <a:pt x="5028384" y="4956035"/>
+                </a:cubicBezTo>
+                <a:cubicBezTo>
+                  <a:pt x="4961827" y="5079184"/>
+                  <a:pt x="4828714" y="5154967"/>
+                  <a:pt x="4690846" y="5154967"/>
+                </a:cubicBezTo>
+                <a:cubicBezTo>
+                  <a:pt x="4690846" y="5154967"/>
+                  <a:pt x="4690846" y="5154967"/>
+                  <a:pt x="2489721" y="5154967"/>
+                </a:cubicBezTo>
+                <a:cubicBezTo>
+                  <a:pt x="2347099" y="5154967"/>
+                  <a:pt x="2218739" y="5079184"/>
+                  <a:pt x="2147429" y="4956035"/>
+                </a:cubicBezTo>
+                <a:cubicBezTo>
+                  <a:pt x="2147429" y="4956035"/>
+                  <a:pt x="2147429" y="4956035"/>
+                  <a:pt x="1049243" y="3056698"/>
+                </a:cubicBezTo>
+                <a:cubicBezTo>
+                  <a:pt x="977932" y="2938285"/>
+                  <a:pt x="977932" y="2786717"/>
+                  <a:pt x="1049243" y="2668304"/>
+                </a:cubicBezTo>
+                <a:cubicBezTo>
+                  <a:pt x="1049243" y="2668304"/>
+                  <a:pt x="1049243" y="2668304"/>
+                  <a:pt x="1457007" y="1963067"/>
+                </a:cubicBezTo>
+                <a:lnTo>
+                  <a:pt x="1491373" y="1903634"/>
+                </a:lnTo>
+                <a:lnTo>
+                  <a:pt x="1490164" y="1903127"/>
+                </a:lnTo>
+                <a:cubicBezTo>
+                  <a:pt x="1465456" y="1888705"/>
+                  <a:pt x="1444493" y="1867820"/>
+                  <a:pt x="1429519" y="1841960"/>
+                </a:cubicBezTo>
+                <a:cubicBezTo>
+                  <a:pt x="1429519" y="1841960"/>
+                  <a:pt x="1429519" y="1841960"/>
+                  <a:pt x="968320" y="1044307"/>
+                </a:cubicBezTo>
+                <a:cubicBezTo>
+                  <a:pt x="938371" y="994579"/>
+                  <a:pt x="938371" y="930926"/>
+                  <a:pt x="968320" y="881196"/>
+                </a:cubicBezTo>
+                <a:cubicBezTo>
+                  <a:pt x="968320" y="881196"/>
+                  <a:pt x="968320" y="881196"/>
+                  <a:pt x="1429519" y="83546"/>
+                </a:cubicBezTo>
+                <a:cubicBezTo>
+                  <a:pt x="1459466" y="31828"/>
+                  <a:pt x="1513373" y="0"/>
+                  <a:pt x="1573268" y="0"/>
+                </a:cubicBezTo>
+                <a:close/>
+              </a:path>
+            </a:pathLst>
+          </a:custGeom>
+          <a:solidFill>
+            <a:schemeClr val="tx1">
+              <a:lumMod val="50000"/>
+              <a:lumOff val="50000"/>
+              <a:alpha val="15000"/>
+            </a:schemeClr>
+          </a:solidFill>
+          <a:ln>
+            <a:noFill/>
+          </a:ln>
+        </p:spPr>
+        <p:style>
+          <a:lnRef idx="2">
+            <a:schemeClr val="accent1">
+              <a:shade val="50000"/>
+            </a:schemeClr>
+          </a:lnRef>
+          <a:fillRef idx="1">
+            <a:schemeClr val="accent1"/>
+          </a:fillRef>
+          <a:effectRef idx="0">
+            <a:schemeClr val="accent1"/>
+          </a:effectRef>
+          <a:fontRef idx="minor">
+            <a:schemeClr val="lt1"/>
+          </a:fontRef>
+        </p:style>
+        <p:txBody>
+          <a:bodyPr wrap="square" rtlCol="0" anchor="ctr">
+            <a:noAutofit/>
+          </a:bodyPr>
+          <a:lstStyle/>
+          <a:p>
+            <a:pPr algn="ctr"/>
+            <a:endParaRPr lang="en-US"/>
+          </a:p>
+        </p:txBody>
+      </p:sp>
+      <p:pic>
+        <p:nvPicPr>
+          <p:cNvPr id="5" name="Picture 4" descr="Icon&#10;&#10;Description automatically generated">
+            <a:extLst>
+              <a:ext uri="{FF2B5EF4-FFF2-40B4-BE49-F238E27FC236}">
+                <a16:creationId xmlns:a16="http://schemas.microsoft.com/office/drawing/2014/main" id="{17627709-347B-487B-834C-B2D4EADE65BF}"/>
+              </a:ext>
+            </a:extLst>
+          </p:cNvPr>
+          <p:cNvPicPr>
+            <a:picLocks noChangeAspect="1"/>
+          </p:cNvPicPr>
+          <p:nvPr/>
+        </p:nvPicPr>
+        <p:blipFill>
+          <a:blip r:embed="rId2">
+            <a:extLst>
+              <a:ext uri="{BEBA8EAE-BF5A-486C-A8C5-ECC9F3942E4B}">
+                <a14:imgProps xmlns:a14="http://schemas.microsoft.com/office/drawing/2010/main">
+                  <a14:imgLayer r:embed="rId3">
+                    <a14:imgEffect>
+                      <a14:backgroundRemoval t="10000" b="90000" l="10000" r="90000">
+                        <a14:foregroundMark x1="28415" y1="32667" x2="28415" y2="32667"/>
+                        <a14:foregroundMark x1="24634" y1="21200" x2="24634" y2="21200"/>
+                        <a14:foregroundMark x1="24390" y1="22533" x2="24390" y2="22533"/>
+                        <a14:foregroundMark x1="24390" y1="50933" x2="24390" y2="50933"/>
+                        <a14:foregroundMark x1="24390" y1="72267" x2="24390" y2="72267"/>
+                        <a14:foregroundMark x1="50976" y1="47867" x2="50976" y2="47867"/>
+                        <a14:foregroundMark x1="47073" y1="28400" x2="47073" y2="28400"/>
+                        <a14:foregroundMark x1="70244" y1="21733" x2="70244" y2="21733"/>
+                        <a14:foregroundMark x1="82195" y1="48533" x2="82439" y2="48800"/>
+                        <a14:foregroundMark x1="60610" y1="65067" x2="60610" y2="65067"/>
+                      </a14:backgroundRemoval>
+                    </a14:imgEffect>
+                  </a14:imgLayer>
+                </a14:imgProps>
+              </a:ext>
+              <a:ext uri="{28A0092B-C50C-407E-A947-70E740481C1C}">
+                <a14:useLocalDpi xmlns:a14="http://schemas.microsoft.com/office/drawing/2010/main" val="0"/>
+              </a:ext>
+            </a:extLst>
+          </a:blip>
+          <a:stretch>
+            <a:fillRect/>
+          </a:stretch>
+        </p:blipFill>
+        <p:spPr>
+          <a:xfrm>
+            <a:off x="7535330" y="2242795"/>
+            <a:ext cx="3217333" cy="2942682"/>
+          </a:xfrm>
+          <a:prstGeom prst="rect">
+            <a:avLst/>
+          </a:prstGeom>
+        </p:spPr>
+      </p:pic>
+    </p:spTree>
+    <p:extLst>
+      <p:ext uri="{BB962C8B-B14F-4D97-AF65-F5344CB8AC3E}">
+        <p14:creationId xmlns:p14="http://schemas.microsoft.com/office/powerpoint/2010/main" val="4020103946"/>
+      </p:ext>
+    </p:extLst>
+  </p:cSld>
+  <p:clrMapOvr>
+    <a:masterClrMapping/>
+  </p:clrMapOvr>
+</p:sld>
+</file>
+
+<file path=ppt/slides/slide13.xml><?xml version="1.0" encoding="utf-8"?>
+<p:sld xmlns:a="http://schemas.openxmlformats.org/drawingml/2006/main" xmlns:r="http://schemas.openxmlformats.org/officeDocument/2006/relationships" xmlns:p="http://schemas.openxmlformats.org/presentationml/2006/main">
+  <p:cSld>
+    <p:bg>
+      <p:bgPr>
+        <a:solidFill>
+          <a:schemeClr val="bg1"/>
+        </a:solidFill>
+        <a:effectLst/>
+      </p:bgPr>
+    </p:bg>
+    <p:spTree>
+      <p:nvGrpSpPr>
+        <p:cNvPr id="1" name=""/>
+        <p:cNvGrpSpPr/>
+        <p:nvPr/>
+      </p:nvGrpSpPr>
+      <p:grpSpPr>
+        <a:xfrm>
+          <a:off x="0" y="0"/>
+          <a:ext cx="0" cy="0"/>
+          <a:chOff x="0" y="0"/>
+          <a:chExt cx="0" cy="0"/>
+        </a:xfrm>
+      </p:grpSpPr>
+      <p:sp useBgFill="1">
+        <p:nvSpPr>
+          <p:cNvPr id="23" name="Rectangle 22">
+            <a:extLst>
+              <a:ext uri="{FF2B5EF4-FFF2-40B4-BE49-F238E27FC236}">
+                <a16:creationId xmlns:a16="http://schemas.microsoft.com/office/drawing/2014/main" id="{4F7EBAE4-9945-4473-9E34-B2C66EA0F03D}"/>
+              </a:ext>
+              <a:ext uri="{C183D7F6-B498-43B3-948B-1728B52AA6E4}">
+                <adec:decorative xmlns:adec="http://schemas.microsoft.com/office/drawing/2017/decorative" val="1"/>
+              </a:ext>
+            </a:extLst>
+          </p:cNvPr>
+          <p:cNvSpPr>
+            <a:spLocks noGrp="1" noRot="1" noChangeAspect="1" noMove="1" noResize="1" noEditPoints="1" noAdjustHandles="1" noChangeArrowheads="1" noChangeShapeType="1" noTextEdit="1"/>
+          </p:cNvSpPr>
+          <p:nvPr>
+            <p:extLst>
+              <p:ext uri="{386F3935-93C4-4BCD-93E2-E3B085C9AB24}">
+                <p16:designElem xmlns:p16="http://schemas.microsoft.com/office/powerpoint/2015/main" val="1"/>
+              </p:ext>
+            </p:extLst>
+          </p:nvPr>
+        </p:nvSpPr>
+        <p:spPr bwMode="white">
+          <a:xfrm>
+            <a:off x="0" y="0"/>
+            <a:ext cx="12192000" cy="6858000"/>
+          </a:xfrm>
+          <a:prstGeom prst="rect">
+            <a:avLst/>
+          </a:prstGeom>
+          <a:ln>
+            <a:noFill/>
+          </a:ln>
+        </p:spPr>
+        <p:style>
+          <a:lnRef idx="2">
+            <a:schemeClr val="accent1">
+              <a:shade val="50000"/>
+            </a:schemeClr>
+          </a:lnRef>
+          <a:fillRef idx="1">
+            <a:schemeClr val="accent1"/>
+          </a:fillRef>
+          <a:effectRef idx="0">
+            <a:schemeClr val="accent1"/>
+          </a:effectRef>
+          <a:fontRef idx="minor">
+            <a:schemeClr val="lt1"/>
+          </a:fontRef>
+        </p:style>
+        <p:txBody>
+          <a:bodyPr rtlCol="0" anchor="ctr"/>
+          <a:lstStyle>
+            <a:defPPr>
+              <a:defRPr lang="en-US"/>
+            </a:defPPr>
+            <a:lvl1pPr marL="0" algn="l" defTabSz="914400" rtl="0" eaLnBrk="1" latinLnBrk="0" hangingPunct="1">
+              <a:defRPr sz="1800" kern="1200">
+                <a:solidFill>
+                  <a:schemeClr val="lt1"/>
+                </a:solidFill>
+                <a:latin typeface="+mn-lt"/>
+                <a:ea typeface="+mn-ea"/>
+                <a:cs typeface="+mn-cs"/>
+              </a:defRPr>
+            </a:lvl1pPr>
+            <a:lvl2pPr marL="457200" algn="l" defTabSz="914400" rtl="0" eaLnBrk="1" latinLnBrk="0" hangingPunct="1">
+              <a:defRPr sz="1800" kern="1200">
+                <a:solidFill>
+                  <a:schemeClr val="lt1"/>
+                </a:solidFill>
+                <a:latin typeface="+mn-lt"/>
+                <a:ea typeface="+mn-ea"/>
+                <a:cs typeface="+mn-cs"/>
+              </a:defRPr>
+            </a:lvl2pPr>
+            <a:lvl3pPr marL="914400" algn="l" defTabSz="914400" rtl="0" eaLnBrk="1" latinLnBrk="0" hangingPunct="1">
+              <a:defRPr sz="1800" kern="1200">
+                <a:solidFill>
+                  <a:schemeClr val="lt1"/>
+                </a:solidFill>
+                <a:latin typeface="+mn-lt"/>
+                <a:ea typeface="+mn-ea"/>
+                <a:cs typeface="+mn-cs"/>
+              </a:defRPr>
+            </a:lvl3pPr>
+            <a:lvl4pPr marL="1371600" algn="l" defTabSz="914400" rtl="0" eaLnBrk="1" latinLnBrk="0" hangingPunct="1">
+              <a:defRPr sz="1800" kern="1200">
+                <a:solidFill>
+                  <a:schemeClr val="lt1"/>
+                </a:solidFill>
+                <a:latin typeface="+mn-lt"/>
+                <a:ea typeface="+mn-ea"/>
+                <a:cs typeface="+mn-cs"/>
+              </a:defRPr>
+            </a:lvl4pPr>
+            <a:lvl5pPr marL="1828800" algn="l" defTabSz="914400" rtl="0" eaLnBrk="1" latinLnBrk="0" hangingPunct="1">
+              <a:defRPr sz="1800" kern="1200">
+                <a:solidFill>
+                  <a:schemeClr val="lt1"/>
+                </a:solidFill>
+                <a:latin typeface="+mn-lt"/>
+                <a:ea typeface="+mn-ea"/>
+                <a:cs typeface="+mn-cs"/>
+              </a:defRPr>
+            </a:lvl5pPr>
+            <a:lvl6pPr marL="2286000" algn="l" defTabSz="914400" rtl="0" eaLnBrk="1" latinLnBrk="0" hangingPunct="1">
+              <a:defRPr sz="1800" kern="1200">
+                <a:solidFill>
+                  <a:schemeClr val="lt1"/>
+                </a:solidFill>
+                <a:latin typeface="+mn-lt"/>
+                <a:ea typeface="+mn-ea"/>
+                <a:cs typeface="+mn-cs"/>
+              </a:defRPr>
+            </a:lvl6pPr>
+            <a:lvl7pPr marL="2743200" algn="l" defTabSz="914400" rtl="0" eaLnBrk="1" latinLnBrk="0" hangingPunct="1">
+              <a:defRPr sz="1800" kern="1200">
+                <a:solidFill>
+                  <a:schemeClr val="lt1"/>
+                </a:solidFill>
+                <a:latin typeface="+mn-lt"/>
+                <a:ea typeface="+mn-ea"/>
+                <a:cs typeface="+mn-cs"/>
+              </a:defRPr>
+            </a:lvl7pPr>
+            <a:lvl8pPr marL="3200400" algn="l" defTabSz="914400" rtl="0" eaLnBrk="1" latinLnBrk="0" hangingPunct="1">
+              <a:defRPr sz="1800" kern="1200">
+                <a:solidFill>
+                  <a:schemeClr val="lt1"/>
+                </a:solidFill>
+                <a:latin typeface="+mn-lt"/>
+                <a:ea typeface="+mn-ea"/>
+                <a:cs typeface="+mn-cs"/>
+              </a:defRPr>
+            </a:lvl8pPr>
+            <a:lvl9pPr marL="3657600" algn="l" defTabSz="914400" rtl="0" eaLnBrk="1" latinLnBrk="0" hangingPunct="1">
+              <a:defRPr sz="1800" kern="1200">
+                <a:solidFill>
+                  <a:schemeClr val="lt1"/>
+                </a:solidFill>
+                <a:latin typeface="+mn-lt"/>
+                <a:ea typeface="+mn-ea"/>
+                <a:cs typeface="+mn-cs"/>
+              </a:defRPr>
+            </a:lvl9pPr>
+          </a:lstStyle>
+          <a:p>
+            <a:pPr algn="ctr"/>
+            <a:endParaRPr lang="en-US"/>
+          </a:p>
+        </p:txBody>
+      </p:sp>
+      <p:sp>
+        <p:nvSpPr>
+          <p:cNvPr id="2" name="Title 1">
+            <a:extLst>
+              <a:ext uri="{FF2B5EF4-FFF2-40B4-BE49-F238E27FC236}">
+                <a16:creationId xmlns:a16="http://schemas.microsoft.com/office/drawing/2014/main" id="{2EB799E6-6584-4A86-97DC-3C7DA89E022B}"/>
+              </a:ext>
+            </a:extLst>
+          </p:cNvPr>
+          <p:cNvSpPr>
+            <a:spLocks noGrp="1"/>
+          </p:cNvSpPr>
+          <p:nvPr>
+            <p:ph type="title"/>
+          </p:nvPr>
+        </p:nvSpPr>
+        <p:spPr>
+          <a:xfrm>
+            <a:off x="838200" y="365125"/>
+            <a:ext cx="5393361" cy="1325563"/>
+          </a:xfrm>
+        </p:spPr>
+        <p:txBody>
+          <a:bodyPr>
+            <a:normAutofit/>
+          </a:bodyPr>
+          <a:lstStyle/>
+          <a:p>
+            <a:r>
+              <a:rPr lang="en-US" sz="3600" dirty="0"/>
+              <a:t>AI Identification System</a:t>
+            </a:r>
+            <a:br>
+              <a:rPr lang="en-US" sz="2100" dirty="0"/>
+            </a:br>
+            <a:br>
+              <a:rPr lang="en-US" sz="2100" dirty="0"/>
+            </a:br>
+            <a:endParaRPr lang="en-US" sz="1200" dirty="0"/>
+          </a:p>
+        </p:txBody>
+      </p:sp>
+      <p:sp>
+        <p:nvSpPr>
+          <p:cNvPr id="3" name="Content Placeholder 2">
+            <a:extLst>
+              <a:ext uri="{FF2B5EF4-FFF2-40B4-BE49-F238E27FC236}">
+                <a16:creationId xmlns:a16="http://schemas.microsoft.com/office/drawing/2014/main" id="{284F776D-5A43-421C-BDDA-37906AD408CC}"/>
+              </a:ext>
+            </a:extLst>
+          </p:cNvPr>
+          <p:cNvSpPr>
+            <a:spLocks noGrp="1"/>
+          </p:cNvSpPr>
+          <p:nvPr>
+            <p:ph idx="1"/>
+          </p:nvPr>
+        </p:nvSpPr>
+        <p:spPr>
+          <a:xfrm>
+            <a:off x="838200" y="1825625"/>
+            <a:ext cx="5393361" cy="4351338"/>
+          </a:xfrm>
+        </p:spPr>
+        <p:txBody>
+          <a:bodyPr>
+            <a:normAutofit/>
+          </a:bodyPr>
+          <a:lstStyle/>
+          <a:p>
+            <a:r>
+              <a:rPr lang="en-US" dirty="0"/>
+              <a:t>When a user takes a photo, the AI identifier will automatically identify what that image was and what species it was. The user can then change the species name if the AI was incorrect. </a:t>
+            </a:r>
+          </a:p>
+        </p:txBody>
+      </p:sp>
+      <p:pic>
+        <p:nvPicPr>
+          <p:cNvPr id="5" name="Picture 4" descr="Icon&#10;&#10;Description automatically generated with medium confidence">
+            <a:extLst>
+              <a:ext uri="{FF2B5EF4-FFF2-40B4-BE49-F238E27FC236}">
+                <a16:creationId xmlns:a16="http://schemas.microsoft.com/office/drawing/2014/main" id="{9469866A-4082-4833-9315-10EC5BC642D4}"/>
+              </a:ext>
+            </a:extLst>
+          </p:cNvPr>
+          <p:cNvPicPr>
+            <a:picLocks noChangeAspect="1"/>
+          </p:cNvPicPr>
+          <p:nvPr/>
+        </p:nvPicPr>
+        <p:blipFill rotWithShape="1">
+          <a:blip r:embed="rId2">
+            <a:extLst>
+              <a:ext uri="{BEBA8EAE-BF5A-486C-A8C5-ECC9F3942E4B}">
+                <a14:imgProps xmlns:a14="http://schemas.microsoft.com/office/drawing/2010/main">
+                  <a14:imgLayer r:embed="rId3">
+                    <a14:imgEffect>
+                      <a14:backgroundRemoval t="10000" b="90000" l="10000" r="90000">
+                        <a14:foregroundMark x1="14936" y1="43611" x2="14936" y2="43611"/>
+                        <a14:foregroundMark x1="19488" y1="50278" x2="19488" y2="50278"/>
+                        <a14:foregroundMark x1="16927" y1="58472" x2="16927" y2="58472"/>
+                        <a14:foregroundMark x1="18919" y1="65972" x2="18919" y2="66111"/>
+                        <a14:foregroundMark x1="31863" y1="54722" x2="32006" y2="54722"/>
+                        <a14:foregroundMark x1="44950" y1="53472" x2="44950" y2="53472"/>
+                        <a14:foregroundMark x1="55050" y1="54444" x2="55050" y2="54444"/>
+                        <a14:foregroundMark x1="82504" y1="42222" x2="82504" y2="42222"/>
+                        <a14:foregroundMark x1="81366" y1="50694" x2="81366" y2="50694"/>
+                        <a14:foregroundMark x1="80512" y1="58611" x2="80512" y2="58611"/>
+                        <a14:foregroundMark x1="80939" y1="66111" x2="80939" y2="66111"/>
+                        <a14:foregroundMark x1="38122" y1="85833" x2="38122" y2="85833"/>
+                        <a14:foregroundMark x1="46230" y1="85000" x2="46230" y2="85000"/>
+                        <a14:foregroundMark x1="53343" y1="85278" x2="53343" y2="85278"/>
+                        <a14:foregroundMark x1="62447" y1="86528" x2="62447" y2="86528"/>
+                        <a14:foregroundMark x1="37553" y1="20139" x2="37553" y2="20139"/>
+                        <a14:foregroundMark x1="45377" y1="20694" x2="45377" y2="20694"/>
+                        <a14:foregroundMark x1="53485" y1="20694" x2="53485" y2="20694"/>
+                        <a14:foregroundMark x1="62020" y1="20972" x2="62020" y2="20972"/>
+                      </a14:backgroundRemoval>
+                    </a14:imgEffect>
+                  </a14:imgLayer>
+                </a14:imgProps>
+              </a:ext>
+              <a:ext uri="{28A0092B-C50C-407E-A947-70E740481C1C}">
+                <a14:useLocalDpi xmlns:a14="http://schemas.microsoft.com/office/drawing/2010/main" val="0"/>
+              </a:ext>
+            </a:extLst>
+          </a:blip>
+          <a:srcRect r="-4" b="2358"/>
+          <a:stretch/>
+        </p:blipFill>
+        <p:spPr>
+          <a:xfrm>
+            <a:off x="6374920" y="758514"/>
+            <a:ext cx="5122238" cy="5122238"/>
+          </a:xfrm>
+          <a:custGeom>
+            <a:avLst/>
+            <a:gdLst/>
+            <a:ahLst/>
+            <a:cxnLst/>
+            <a:rect l="l" t="t" r="r" b="b"/>
+            <a:pathLst>
+              <a:path w="2663168" h="2663168">
+                <a:moveTo>
+                  <a:pt x="1331584" y="0"/>
+                </a:moveTo>
+                <a:cubicBezTo>
+                  <a:pt x="2066998" y="0"/>
+                  <a:pt x="2663168" y="596170"/>
+                  <a:pt x="2663168" y="1331584"/>
+                </a:cubicBezTo>
+                <a:cubicBezTo>
+                  <a:pt x="2663168" y="2066998"/>
+                  <a:pt x="2066998" y="2663168"/>
+                  <a:pt x="1331584" y="2663168"/>
+                </a:cubicBezTo>
+                <a:cubicBezTo>
+                  <a:pt x="596170" y="2663168"/>
+                  <a:pt x="0" y="2066998"/>
+                  <a:pt x="0" y="1331584"/>
+                </a:cubicBezTo>
+                <a:cubicBezTo>
+                  <a:pt x="0" y="596170"/>
+                  <a:pt x="596170" y="0"/>
+                  <a:pt x="1331584" y="0"/>
+                </a:cubicBezTo>
+                <a:close/>
+              </a:path>
+            </a:pathLst>
+          </a:custGeom>
+        </p:spPr>
+      </p:pic>
+      <p:sp>
+        <p:nvSpPr>
+          <p:cNvPr id="25" name="!!Arc">
+            <a:extLst>
+              <a:ext uri="{FF2B5EF4-FFF2-40B4-BE49-F238E27FC236}">
+                <a16:creationId xmlns:a16="http://schemas.microsoft.com/office/drawing/2014/main" id="{70BEB1E7-2F88-40BC-B73D-42E5B6F80BFC}"/>
+              </a:ext>
+              <a:ext uri="{C183D7F6-B498-43B3-948B-1728B52AA6E4}">
+                <adec:decorative xmlns:adec="http://schemas.microsoft.com/office/drawing/2017/decorative" val="1"/>
+              </a:ext>
+            </a:extLst>
+          </p:cNvPr>
+          <p:cNvSpPr>
+            <a:spLocks noGrp="1" noRot="1" noChangeAspect="1" noMove="1" noResize="1" noEditPoints="1" noAdjustHandles="1" noChangeArrowheads="1" noChangeShapeType="1" noTextEdit="1"/>
+          </p:cNvSpPr>
+          <p:nvPr>
+            <p:extLst>
+              <p:ext uri="{386F3935-93C4-4BCD-93E2-E3B085C9AB24}">
+                <p16:designElem xmlns:p16="http://schemas.microsoft.com/office/powerpoint/2015/main" val="1"/>
+              </p:ext>
+            </p:extLst>
+          </p:nvPr>
+        </p:nvSpPr>
+        <p:spPr>
+          <a:xfrm rot="21189197" flipV="1">
+            <a:off x="6261882" y="687822"/>
+            <a:ext cx="5471147" cy="5471147"/>
+          </a:xfrm>
+          <a:prstGeom prst="arc">
+            <a:avLst>
+              <a:gd name="adj1" fmla="val 16200000"/>
+              <a:gd name="adj2" fmla="val 20093138"/>
+            </a:avLst>
+          </a:prstGeom>
+          <a:ln w="127000" cap="rnd">
+            <a:solidFill>
+              <a:schemeClr val="accent4">
+                <a:alpha val="95000"/>
+              </a:schemeClr>
+            </a:solidFill>
+            <a:prstDash val="dash"/>
+          </a:ln>
+        </p:spPr>
+        <p:style>
+          <a:lnRef idx="1">
+            <a:schemeClr val="accent1"/>
+          </a:lnRef>
+          <a:fillRef idx="0">
+            <a:schemeClr val="accent1"/>
+          </a:fillRef>
+          <a:effectRef idx="0">
+            <a:schemeClr val="accent1"/>
+          </a:effectRef>
+          <a:fontRef idx="minor">
+            <a:schemeClr val="tx1"/>
+          </a:fontRef>
+        </p:style>
+        <p:txBody>
+          <a:bodyPr rtlCol="0" anchor="ctr"/>
+          <a:lstStyle/>
+          <a:p>
+            <a:pPr algn="ctr"/>
+            <a:endParaRPr lang="en-US" dirty="0"/>
+          </a:p>
+        </p:txBody>
+      </p:sp>
+      <p:sp>
+        <p:nvSpPr>
+          <p:cNvPr id="27" name="!!Oval">
+            <a:extLst>
+              <a:ext uri="{FF2B5EF4-FFF2-40B4-BE49-F238E27FC236}">
+                <a16:creationId xmlns:a16="http://schemas.microsoft.com/office/drawing/2014/main" id="{A7B99495-F43F-4D80-A44F-2CB4764EB90B}"/>
+              </a:ext>
+              <a:ext uri="{C183D7F6-B498-43B3-948B-1728B52AA6E4}">
+                <adec:decorative xmlns:adec="http://schemas.microsoft.com/office/drawing/2017/decorative" val="1"/>
+              </a:ext>
+            </a:extLst>
+          </p:cNvPr>
+          <p:cNvSpPr>
+            <a:spLocks noGrp="1" noRot="1" noChangeAspect="1" noMove="1" noResize="1" noEditPoints="1" noAdjustHandles="1" noChangeArrowheads="1" noChangeShapeType="1" noTextEdit="1"/>
+          </p:cNvSpPr>
+          <p:nvPr>
+            <p:extLst>
+              <p:ext uri="{386F3935-93C4-4BCD-93E2-E3B085C9AB24}">
+                <p16:designElem xmlns:p16="http://schemas.microsoft.com/office/powerpoint/2015/main" val="1"/>
+              </p:ext>
+            </p:extLst>
+          </p:nvPr>
+        </p:nvSpPr>
+        <p:spPr>
+          <a:xfrm>
+            <a:off x="10248561" y="921125"/>
+            <a:ext cx="791021" cy="769563"/>
+          </a:xfrm>
+          <a:prstGeom prst="ellipse">
+            <a:avLst/>
+          </a:prstGeom>
+          <a:solidFill>
+            <a:schemeClr val="accent2"/>
+          </a:solidFill>
+          <a:ln>
+            <a:noFill/>
+          </a:ln>
+        </p:spPr>
+        <p:style>
+          <a:lnRef idx="2">
+            <a:schemeClr val="accent1">
+              <a:shade val="50000"/>
+            </a:schemeClr>
+          </a:lnRef>
+          <a:fillRef idx="1">
+            <a:schemeClr val="accent1"/>
+          </a:fillRef>
+          <a:effectRef idx="0">
+            <a:schemeClr val="accent1"/>
+          </a:effectRef>
+          <a:fontRef idx="minor">
+            <a:schemeClr val="lt1"/>
+          </a:fontRef>
+        </p:style>
+        <p:txBody>
+          <a:bodyPr rtlCol="0" anchor="ctr"/>
+          <a:lstStyle/>
+          <a:p>
+            <a:pPr marL="0" marR="0" lvl="0" indent="0" algn="ctr" defTabSz="914400" rtl="0" eaLnBrk="1" fontAlgn="auto" latinLnBrk="0" hangingPunct="1">
+              <a:lnSpc>
+                <a:spcPct val="100000"/>
+              </a:lnSpc>
+              <a:spcBef>
+                <a:spcPts val="0"/>
+              </a:spcBef>
+              <a:spcAft>
+                <a:spcPts val="0"/>
+              </a:spcAft>
+              <a:buClrTx/>
+              <a:buSzTx/>
+              <a:buFontTx/>
+              <a:buNone/>
+              <a:tabLst/>
+              <a:defRPr/>
+            </a:pPr>
+            <a:endParaRPr kumimoji="0" lang="en-US" sz="1800" b="0" i="0" u="none" strike="noStrike" kern="1200" cap="none" spc="0" normalizeH="0" baseline="0" noProof="0">
+              <a:ln>
+                <a:noFill/>
+              </a:ln>
+              <a:solidFill>
+                <a:srgbClr val="FFFFFF"/>
+              </a:solidFill>
+              <a:effectLst/>
+              <a:uLnTx/>
+              <a:uFillTx/>
+              <a:latin typeface="Calibri" panose="020F0502020204030204"/>
+              <a:ea typeface="+mn-ea"/>
+              <a:cs typeface="+mn-cs"/>
+            </a:endParaRPr>
+          </a:p>
+        </p:txBody>
+      </p:sp>
+    </p:spTree>
+    <p:extLst>
+      <p:ext uri="{BB962C8B-B14F-4D97-AF65-F5344CB8AC3E}">
+        <p14:creationId xmlns:p14="http://schemas.microsoft.com/office/powerpoint/2010/main" val="2478166254"/>
+      </p:ext>
+    </p:extLst>
+  </p:cSld>
+  <p:clrMapOvr>
+    <a:masterClrMapping/>
+  </p:clrMapOvr>
+</p:sld>
+</file>
+
+<file path=ppt/slides/slide14.xml><?xml version="1.0" encoding="utf-8"?>
 <p:sld xmlns:a="http://schemas.openxmlformats.org/drawingml/2006/main" xmlns:r="http://schemas.openxmlformats.org/officeDocument/2006/relationships" xmlns:p="http://schemas.openxmlformats.org/presentationml/2006/main">
   <p:cSld>
     <p:bg>
@@ -12495,7 +14833,7 @@
 </p:sld>
 </file>
 
-<file path=ppt/slides/slide11.xml><?xml version="1.0" encoding="utf-8"?>
+<file path=ppt/slides/slide15.xml><?xml version="1.0" encoding="utf-8"?>
 <p:sld xmlns:a="http://schemas.openxmlformats.org/drawingml/2006/main" xmlns:r="http://schemas.openxmlformats.org/officeDocument/2006/relationships" xmlns:p="http://schemas.openxmlformats.org/presentationml/2006/main">
   <p:cSld>
     <p:bg>
@@ -13501,7 +15839,7 @@
 </p:sld>
 </file>
 
-<file path=ppt/slides/slide12.xml><?xml version="1.0" encoding="utf-8"?>
+<file path=ppt/slides/slide16.xml><?xml version="1.0" encoding="utf-8"?>
 <p:sld xmlns:a="http://schemas.openxmlformats.org/drawingml/2006/main" xmlns:r="http://schemas.openxmlformats.org/officeDocument/2006/relationships" xmlns:p="http://schemas.openxmlformats.org/presentationml/2006/main">
   <p:cSld>
     <p:bg>
@@ -14050,7 +16388,7 @@
 </p:sld>
 </file>
 
-<file path=ppt/slides/slide13.xml><?xml version="1.0" encoding="utf-8"?>
+<file path=ppt/slides/slide17.xml><?xml version="1.0" encoding="utf-8"?>
 <p:sld xmlns:a="http://schemas.openxmlformats.org/drawingml/2006/main" xmlns:r="http://schemas.openxmlformats.org/officeDocument/2006/relationships" xmlns:p="http://schemas.openxmlformats.org/presentationml/2006/main">
   <p:cSld>
     <p:bg>
@@ -14248,7 +16586,7 @@
 </p:sld>
 </file>
 
-<file path=ppt/slides/slide14.xml><?xml version="1.0" encoding="utf-8"?>
+<file path=ppt/slides/slide18.xml><?xml version="1.0" encoding="utf-8"?>
 <p:sld xmlns:a="http://schemas.openxmlformats.org/drawingml/2006/main" xmlns:r="http://schemas.openxmlformats.org/officeDocument/2006/relationships" xmlns:p="http://schemas.openxmlformats.org/presentationml/2006/main">
   <p:cSld>
     <p:bg>
@@ -14435,7 +16773,7 @@
 </p:sld>
 </file>
 
-<file path=ppt/slides/slide15.xml><?xml version="1.0" encoding="utf-8"?>
+<file path=ppt/slides/slide19.xml><?xml version="1.0" encoding="utf-8"?>
 <p:sld xmlns:a="http://schemas.openxmlformats.org/drawingml/2006/main" xmlns:r="http://schemas.openxmlformats.org/officeDocument/2006/relationships" xmlns:p="http://schemas.openxmlformats.org/presentationml/2006/main">
   <p:cSld>
     <p:bg>
@@ -14906,6 +17244,312 @@
     <p:bg>
       <p:bgPr>
         <a:solidFill>
+          <a:schemeClr val="bg1"/>
+        </a:solidFill>
+        <a:effectLst/>
+      </p:bgPr>
+    </p:bg>
+    <p:spTree>
+      <p:nvGrpSpPr>
+        <p:cNvPr id="1" name=""/>
+        <p:cNvGrpSpPr/>
+        <p:nvPr/>
+      </p:nvGrpSpPr>
+      <p:grpSpPr>
+        <a:xfrm>
+          <a:off x="0" y="0"/>
+          <a:ext cx="0" cy="0"/>
+          <a:chOff x="0" y="0"/>
+          <a:chExt cx="0" cy="0"/>
+        </a:xfrm>
+      </p:grpSpPr>
+      <p:sp>
+        <p:nvSpPr>
+          <p:cNvPr id="9" name="Rectangle 8">
+            <a:extLst>
+              <a:ext uri="{FF2B5EF4-FFF2-40B4-BE49-F238E27FC236}">
+                <a16:creationId xmlns:a16="http://schemas.microsoft.com/office/drawing/2014/main" id="{7905BA41-EE6E-4F80-8636-447F22DD729A}"/>
+              </a:ext>
+              <a:ext uri="{C183D7F6-B498-43B3-948B-1728B52AA6E4}">
+                <adec:decorative xmlns:adec="http://schemas.microsoft.com/office/drawing/2017/decorative" val="1"/>
+              </a:ext>
+            </a:extLst>
+          </p:cNvPr>
+          <p:cNvSpPr>
+            <a:spLocks noGrp="1" noRot="1" noChangeAspect="1" noMove="1" noResize="1" noEditPoints="1" noAdjustHandles="1" noChangeArrowheads="1" noChangeShapeType="1" noTextEdit="1"/>
+          </p:cNvSpPr>
+          <p:nvPr>
+            <p:extLst>
+              <p:ext uri="{386F3935-93C4-4BCD-93E2-E3B085C9AB24}">
+                <p16:designElem xmlns:p16="http://schemas.microsoft.com/office/powerpoint/2015/main" val="1"/>
+              </p:ext>
+            </p:extLst>
+          </p:nvPr>
+        </p:nvSpPr>
+        <p:spPr>
+          <a:xfrm>
+            <a:off x="0" y="0"/>
+            <a:ext cx="12192000" cy="6858000"/>
+          </a:xfrm>
+          <a:prstGeom prst="rect">
+            <a:avLst/>
+          </a:prstGeom>
+          <a:solidFill>
+            <a:schemeClr val="accent1"/>
+          </a:solidFill>
+          <a:ln>
+            <a:noFill/>
+          </a:ln>
+        </p:spPr>
+        <p:style>
+          <a:lnRef idx="2">
+            <a:schemeClr val="accent1">
+              <a:shade val="50000"/>
+            </a:schemeClr>
+          </a:lnRef>
+          <a:fillRef idx="1">
+            <a:schemeClr val="accent1"/>
+          </a:fillRef>
+          <a:effectRef idx="0">
+            <a:schemeClr val="accent1"/>
+          </a:effectRef>
+          <a:fontRef idx="minor">
+            <a:schemeClr val="lt1"/>
+          </a:fontRef>
+        </p:style>
+        <p:txBody>
+          <a:bodyPr rtlCol="0" anchor="ctr"/>
+          <a:lstStyle/>
+          <a:p>
+            <a:pPr marL="0" marR="0" lvl="0" indent="0" algn="ctr" defTabSz="914400" rtl="0" eaLnBrk="1" fontAlgn="auto" latinLnBrk="0" hangingPunct="1">
+              <a:lnSpc>
+                <a:spcPct val="100000"/>
+              </a:lnSpc>
+              <a:spcBef>
+                <a:spcPts val="0"/>
+              </a:spcBef>
+              <a:spcAft>
+                <a:spcPts val="0"/>
+              </a:spcAft>
+              <a:buClrTx/>
+              <a:buSzTx/>
+              <a:buFontTx/>
+              <a:buNone/>
+              <a:tabLst/>
+              <a:defRPr/>
+            </a:pPr>
+            <a:endParaRPr kumimoji="0" lang="en-US" sz="1800" b="0" i="0" u="none" strike="noStrike" kern="1200" cap="none" spc="0" normalizeH="0" baseline="0" noProof="0">
+              <a:ln>
+                <a:noFill/>
+              </a:ln>
+              <a:solidFill>
+                <a:prstClr val="white"/>
+              </a:solidFill>
+              <a:effectLst/>
+              <a:uLnTx/>
+              <a:uFillTx/>
+              <a:latin typeface="Calibri" panose="020F0502020204030204"/>
+              <a:ea typeface="+mn-ea"/>
+              <a:cs typeface="+mn-cs"/>
+            </a:endParaRPr>
+          </a:p>
+        </p:txBody>
+      </p:sp>
+      <p:sp>
+        <p:nvSpPr>
+          <p:cNvPr id="2" name="Title 1">
+            <a:extLst>
+              <a:ext uri="{FF2B5EF4-FFF2-40B4-BE49-F238E27FC236}">
+                <a16:creationId xmlns:a16="http://schemas.microsoft.com/office/drawing/2014/main" id="{15098650-F1D0-4711-B291-BFF878B9967F}"/>
+              </a:ext>
+            </a:extLst>
+          </p:cNvPr>
+          <p:cNvSpPr>
+            <a:spLocks noGrp="1"/>
+          </p:cNvSpPr>
+          <p:nvPr>
+            <p:ph type="title"/>
+          </p:nvPr>
+        </p:nvSpPr>
+        <p:spPr>
+          <a:xfrm>
+            <a:off x="1848465" y="3298722"/>
+            <a:ext cx="8495070" cy="1784402"/>
+          </a:xfrm>
+        </p:spPr>
+        <p:txBody>
+          <a:bodyPr vert="horz" lIns="91440" tIns="45720" rIns="91440" bIns="45720" rtlCol="0" anchor="b">
+            <a:normAutofit/>
+          </a:bodyPr>
+          <a:lstStyle/>
+          <a:p>
+            <a:pPr algn="ctr"/>
+            <a:r>
+              <a:rPr lang="en-US" sz="6600" kern="1200" dirty="0">
+                <a:solidFill>
+                  <a:srgbClr val="FFFFFF"/>
+                </a:solidFill>
+                <a:latin typeface="+mj-lt"/>
+                <a:ea typeface="+mj-ea"/>
+                <a:cs typeface="+mj-cs"/>
+              </a:rPr>
+              <a:t>Our Story</a:t>
+            </a:r>
+          </a:p>
+        </p:txBody>
+      </p:sp>
+      <p:sp>
+        <p:nvSpPr>
+          <p:cNvPr id="11" name="Oval 10">
+            <a:extLst>
+              <a:ext uri="{FF2B5EF4-FFF2-40B4-BE49-F238E27FC236}">
+                <a16:creationId xmlns:a16="http://schemas.microsoft.com/office/drawing/2014/main" id="{CD7549B2-EE05-4558-8C64-AC46755F2B25}"/>
+              </a:ext>
+              <a:ext uri="{C183D7F6-B498-43B3-948B-1728B52AA6E4}">
+                <adec:decorative xmlns:adec="http://schemas.microsoft.com/office/drawing/2017/decorative" val="1"/>
+              </a:ext>
+            </a:extLst>
+          </p:cNvPr>
+          <p:cNvSpPr>
+            <a:spLocks noGrp="1" noRot="1" noChangeAspect="1" noMove="1" noResize="1" noEditPoints="1" noAdjustHandles="1" noChangeArrowheads="1" noChangeShapeType="1" noTextEdit="1"/>
+          </p:cNvSpPr>
+          <p:nvPr>
+            <p:extLst>
+              <p:ext uri="{386F3935-93C4-4BCD-93E2-E3B085C9AB24}">
+                <p16:designElem xmlns:p16="http://schemas.microsoft.com/office/powerpoint/2015/main" val="1"/>
+              </p:ext>
+            </p:extLst>
+          </p:nvPr>
+        </p:nvSpPr>
+        <p:spPr>
+          <a:xfrm>
+            <a:off x="5025914" y="889251"/>
+            <a:ext cx="2140172" cy="2140172"/>
+          </a:xfrm>
+          <a:prstGeom prst="ellipse">
+            <a:avLst/>
+          </a:prstGeom>
+          <a:solidFill>
+            <a:srgbClr val="FFFFFF"/>
+          </a:solidFill>
+          <a:ln w="19050">
+            <a:solidFill>
+              <a:schemeClr val="accent1"/>
+            </a:solidFill>
+          </a:ln>
+        </p:spPr>
+        <p:style>
+          <a:lnRef idx="2">
+            <a:schemeClr val="accent1">
+              <a:shade val="50000"/>
+            </a:schemeClr>
+          </a:lnRef>
+          <a:fillRef idx="1">
+            <a:schemeClr val="accent1"/>
+          </a:fillRef>
+          <a:effectRef idx="0">
+            <a:schemeClr val="accent1"/>
+          </a:effectRef>
+          <a:fontRef idx="minor">
+            <a:schemeClr val="lt1"/>
+          </a:fontRef>
+        </p:style>
+        <p:txBody>
+          <a:bodyPr rtlCol="0" anchor="ctr"/>
+          <a:lstStyle/>
+          <a:p>
+            <a:pPr marL="0" marR="0" lvl="0" indent="0" algn="ctr" defTabSz="914400" rtl="0" eaLnBrk="1" fontAlgn="auto" latinLnBrk="0" hangingPunct="1">
+              <a:lnSpc>
+                <a:spcPct val="100000"/>
+              </a:lnSpc>
+              <a:spcBef>
+                <a:spcPts val="0"/>
+              </a:spcBef>
+              <a:spcAft>
+                <a:spcPts val="0"/>
+              </a:spcAft>
+              <a:buClrTx/>
+              <a:buSzTx/>
+              <a:buFontTx/>
+              <a:buNone/>
+              <a:tabLst/>
+              <a:defRPr/>
+            </a:pPr>
+            <a:endParaRPr kumimoji="0" lang="en-US" sz="1800" b="0" i="0" u="none" strike="noStrike" kern="1200" cap="none" spc="0" normalizeH="0" baseline="0" noProof="0">
+              <a:ln>
+                <a:noFill/>
+              </a:ln>
+              <a:solidFill>
+                <a:prstClr val="white"/>
+              </a:solidFill>
+              <a:effectLst/>
+              <a:uLnTx/>
+              <a:uFillTx/>
+              <a:latin typeface="Calibri" panose="020F0502020204030204"/>
+              <a:ea typeface="+mn-ea"/>
+              <a:cs typeface="+mn-cs"/>
+            </a:endParaRPr>
+          </a:p>
+        </p:txBody>
+      </p:sp>
+      <p:pic>
+        <p:nvPicPr>
+          <p:cNvPr id="6" name="Graphic 5" descr="Books">
+            <a:extLst>
+              <a:ext uri="{FF2B5EF4-FFF2-40B4-BE49-F238E27FC236}">
+                <a16:creationId xmlns:a16="http://schemas.microsoft.com/office/drawing/2014/main" id="{9A0B02B8-AF38-4C77-8F5B-92834A6F3A47}"/>
+              </a:ext>
+            </a:extLst>
+          </p:cNvPr>
+          <p:cNvPicPr>
+            <a:picLocks noChangeAspect="1"/>
+          </p:cNvPicPr>
+          <p:nvPr/>
+        </p:nvPicPr>
+        <p:blipFill>
+          <a:blip r:embed="rId2">
+            <a:extLst>
+              <a:ext uri="{28A0092B-C50C-407E-A947-70E740481C1C}">
+                <a14:useLocalDpi xmlns:a14="http://schemas.microsoft.com/office/drawing/2010/main" val="0"/>
+              </a:ext>
+              <a:ext uri="{96DAC541-7B7A-43D3-8B79-37D633B846F1}">
+                <asvg:svgBlip xmlns:asvg="http://schemas.microsoft.com/office/drawing/2016/SVG/main" r:embed="rId3"/>
+              </a:ext>
+            </a:extLst>
+          </a:blip>
+          <a:stretch>
+            <a:fillRect/>
+          </a:stretch>
+        </p:blipFill>
+        <p:spPr>
+          <a:xfrm>
+            <a:off x="5508264" y="1371601"/>
+            <a:ext cx="1175474" cy="1175474"/>
+          </a:xfrm>
+          <a:prstGeom prst="rect">
+            <a:avLst/>
+          </a:prstGeom>
+        </p:spPr>
+      </p:pic>
+    </p:spTree>
+    <p:extLst>
+      <p:ext uri="{BB962C8B-B14F-4D97-AF65-F5344CB8AC3E}">
+        <p14:creationId xmlns:p14="http://schemas.microsoft.com/office/powerpoint/2010/main" val="1653308369"/>
+      </p:ext>
+    </p:extLst>
+  </p:cSld>
+  <p:clrMapOvr>
+    <a:masterClrMapping/>
+  </p:clrMapOvr>
+</p:sld>
+</file>
+
+<file path=ppt/slides/slide3.xml><?xml version="1.0" encoding="utf-8"?>
+<p:sld xmlns:a="http://schemas.openxmlformats.org/drawingml/2006/main" xmlns:r="http://schemas.openxmlformats.org/officeDocument/2006/relationships" xmlns:p="http://schemas.openxmlformats.org/presentationml/2006/main">
+  <p:cSld>
+    <p:bg>
+      <p:bgPr>
+        <a:solidFill>
           <a:schemeClr val="bg1">
             <a:tint val="95000"/>
             <a:satMod val="170000"/>
@@ -15121,7 +17765,7 @@
 </p:sld>
 </file>
 
-<file path=ppt/slides/slide3.xml><?xml version="1.0" encoding="utf-8"?>
+<file path=ppt/slides/slide4.xml><?xml version="1.0" encoding="utf-8"?>
 <p:sld xmlns:a="http://schemas.openxmlformats.org/drawingml/2006/main" xmlns:r="http://schemas.openxmlformats.org/officeDocument/2006/relationships" xmlns:p="http://schemas.openxmlformats.org/presentationml/2006/main">
   <p:cSld>
     <p:bg>
@@ -15146,12 +17790,113 @@
           <a:chExt cx="0" cy="0"/>
         </a:xfrm>
       </p:grpSpPr>
-      <p:sp useBgFill="1">
+      <p:sp>
         <p:nvSpPr>
-          <p:cNvPr id="25" name="Rectangle 24">
+          <p:cNvPr id="2" name="Title 1">
             <a:extLst>
               <a:ext uri="{FF2B5EF4-FFF2-40B4-BE49-F238E27FC236}">
-                <a16:creationId xmlns:a16="http://schemas.microsoft.com/office/drawing/2014/main" id="{907EF6B7-1338-4443-8C46-6A318D952DFD}"/>
+                <a16:creationId xmlns:a16="http://schemas.microsoft.com/office/drawing/2014/main" id="{D7EE9B6D-2F06-484C-BDB6-4B789B8DF490}"/>
+              </a:ext>
+            </a:extLst>
+          </p:cNvPr>
+          <p:cNvSpPr>
+            <a:spLocks noGrp="1"/>
+          </p:cNvSpPr>
+          <p:nvPr>
+            <p:ph type="title"/>
+          </p:nvPr>
+        </p:nvSpPr>
+        <p:spPr>
+          <a:xfrm>
+            <a:off x="1136428" y="627564"/>
+            <a:ext cx="7474172" cy="1325563"/>
+          </a:xfrm>
+        </p:spPr>
+        <p:txBody>
+          <a:bodyPr>
+            <a:normAutofit/>
+          </a:bodyPr>
+          <a:lstStyle/>
+          <a:p>
+            <a:r>
+              <a:rPr lang="en-US" spc="300" dirty="0"/>
+              <a:t>Purpose</a:t>
+            </a:r>
+            <a:br>
+              <a:rPr lang="en-US" dirty="0"/>
+            </a:br>
+            <a:endParaRPr lang="en-US" dirty="0"/>
+          </a:p>
+        </p:txBody>
+      </p:sp>
+      <p:sp>
+        <p:nvSpPr>
+          <p:cNvPr id="3" name="Content Placeholder 2">
+            <a:extLst>
+              <a:ext uri="{FF2B5EF4-FFF2-40B4-BE49-F238E27FC236}">
+                <a16:creationId xmlns:a16="http://schemas.microsoft.com/office/drawing/2014/main" id="{DF3EF3AB-D68C-428C-B53F-F121FC824332}"/>
+              </a:ext>
+            </a:extLst>
+          </p:cNvPr>
+          <p:cNvSpPr>
+            <a:spLocks noGrp="1"/>
+          </p:cNvSpPr>
+          <p:nvPr>
+            <p:ph idx="1"/>
+          </p:nvPr>
+        </p:nvSpPr>
+        <p:spPr>
+          <a:xfrm>
+            <a:off x="1136429" y="2278173"/>
+            <a:ext cx="6467867" cy="3450613"/>
+          </a:xfrm>
+        </p:spPr>
+        <p:txBody>
+          <a:bodyPr anchor="ctr">
+            <a:normAutofit fontScale="85000" lnSpcReduction="10000"/>
+          </a:bodyPr>
+          <a:lstStyle/>
+          <a:p>
+            <a:pPr>
+              <a:lnSpc>
+                <a:spcPct val="150000"/>
+              </a:lnSpc>
+            </a:pPr>
+            <a:r>
+              <a:rPr lang="en-US" sz="2400" dirty="0"/>
+              <a:t>The AnimalTrack app allows users to take photos of animals/insects. It identifies the species and plots it on a map where every user can see.</a:t>
+            </a:r>
+          </a:p>
+          <a:p>
+            <a:pPr>
+              <a:lnSpc>
+                <a:spcPct val="150000"/>
+              </a:lnSpc>
+            </a:pPr>
+            <a:r>
+              <a:rPr lang="en-US" sz="2400" dirty="0"/>
+              <a:t>After time, the app will generate a graph that can be sent to animal/environmental organizations around the world.</a:t>
+            </a:r>
+          </a:p>
+          <a:p>
+            <a:pPr>
+              <a:lnSpc>
+                <a:spcPct val="150000"/>
+              </a:lnSpc>
+            </a:pPr>
+            <a:r>
+              <a:rPr lang="en-US" sz="2400" dirty="0"/>
+              <a:t>This app helps and makes people aware of our environment.</a:t>
+            </a:r>
+          </a:p>
+        </p:txBody>
+      </p:sp>
+      <p:sp>
+        <p:nvSpPr>
+          <p:cNvPr id="36" name="Rectangle 35">
+            <a:extLst>
+              <a:ext uri="{FF2B5EF4-FFF2-40B4-BE49-F238E27FC236}">
+                <a16:creationId xmlns:a16="http://schemas.microsoft.com/office/drawing/2014/main" id="{59A309A7-1751-4ABE-A3C1-EEC40366AD89}"/>
               </a:ext>
               <a:ext uri="{C183D7F6-B498-43B3-948B-1728B52AA6E4}">
                 <adec:decorative xmlns:adec="http://schemas.microsoft.com/office/drawing/2017/decorative" val="1"/>
@@ -15171,145 +17916,14 @@
         </p:nvSpPr>
         <p:spPr>
           <a:xfrm>
-            <a:off x="3048" y="0"/>
-            <a:ext cx="12188952" cy="6858000"/>
+            <a:off x="10088880" y="0"/>
+            <a:ext cx="2103120" cy="6858000"/>
           </a:xfrm>
           <a:prstGeom prst="rect">
             <a:avLst/>
           </a:prstGeom>
-          <a:ln>
-            <a:noFill/>
-          </a:ln>
-        </p:spPr>
-        <p:style>
-          <a:lnRef idx="2">
-            <a:schemeClr val="accent1">
-              <a:shade val="50000"/>
-            </a:schemeClr>
-          </a:lnRef>
-          <a:fillRef idx="1">
+          <a:solidFill>
             <a:schemeClr val="accent1"/>
-          </a:fillRef>
-          <a:effectRef idx="0">
-            <a:schemeClr val="accent1"/>
-          </a:effectRef>
-          <a:fontRef idx="minor">
-            <a:schemeClr val="lt1"/>
-          </a:fontRef>
-        </p:style>
-        <p:txBody>
-          <a:bodyPr rtlCol="0" anchor="ctr"/>
-          <a:lstStyle/>
-          <a:p>
-            <a:pPr algn="ctr"/>
-            <a:endParaRPr lang="en-US"/>
-          </a:p>
-        </p:txBody>
-      </p:sp>
-      <p:sp>
-        <p:nvSpPr>
-          <p:cNvPr id="27" name="Freeform: Shape 26">
-            <a:extLst>
-              <a:ext uri="{FF2B5EF4-FFF2-40B4-BE49-F238E27FC236}">
-                <a16:creationId xmlns:a16="http://schemas.microsoft.com/office/drawing/2014/main" id="{DAAE4CDD-124C-4DCF-9584-B6033B545DD5}"/>
-              </a:ext>
-              <a:ext uri="{C183D7F6-B498-43B3-948B-1728B52AA6E4}">
-                <adec:decorative xmlns:adec="http://schemas.microsoft.com/office/drawing/2017/decorative" val="1"/>
-              </a:ext>
-            </a:extLst>
-          </p:cNvPr>
-          <p:cNvSpPr>
-            <a:spLocks noGrp="1" noRot="1" noChangeAspect="1" noMove="1" noResize="1" noEditPoints="1" noAdjustHandles="1" noChangeArrowheads="1" noChangeShapeType="1" noTextEdit="1"/>
-          </p:cNvSpPr>
-          <p:nvPr>
-            <p:extLst>
-              <p:ext uri="{386F3935-93C4-4BCD-93E2-E3B085C9AB24}">
-                <p16:designElem xmlns:p16="http://schemas.microsoft.com/office/powerpoint/2015/main" val="1"/>
-              </p:ext>
-            </p:extLst>
-          </p:nvPr>
-        </p:nvSpPr>
-        <p:spPr>
-          <a:xfrm>
-            <a:off x="1" y="0"/>
-            <a:ext cx="4167271" cy="6858000"/>
-          </a:xfrm>
-          <a:custGeom>
-            <a:avLst/>
-            <a:gdLst>
-              <a:gd name="connsiteX0" fmla="*/ 0 w 4167271"/>
-              <a:gd name="connsiteY0" fmla="*/ 0 h 6858000"/>
-              <a:gd name="connsiteX1" fmla="*/ 2259550 w 4167271"/>
-              <a:gd name="connsiteY1" fmla="*/ 0 h 6858000"/>
-              <a:gd name="connsiteX2" fmla="*/ 2387803 w 4167271"/>
-              <a:gd name="connsiteY2" fmla="*/ 82222 h 6858000"/>
-              <a:gd name="connsiteX3" fmla="*/ 4167271 w 4167271"/>
-              <a:gd name="connsiteY3" fmla="*/ 3429000 h 6858000"/>
-              <a:gd name="connsiteX4" fmla="*/ 2387803 w 4167271"/>
-              <a:gd name="connsiteY4" fmla="*/ 6775779 h 6858000"/>
-              <a:gd name="connsiteX5" fmla="*/ 2259550 w 4167271"/>
-              <a:gd name="connsiteY5" fmla="*/ 6858000 h 6858000"/>
-              <a:gd name="connsiteX6" fmla="*/ 0 w 4167271"/>
-              <a:gd name="connsiteY6" fmla="*/ 6858000 h 6858000"/>
-            </a:gdLst>
-            <a:ahLst/>
-            <a:cxnLst>
-              <a:cxn ang="0">
-                <a:pos x="connsiteX0" y="connsiteY0"/>
-              </a:cxn>
-              <a:cxn ang="0">
-                <a:pos x="connsiteX1" y="connsiteY1"/>
-              </a:cxn>
-              <a:cxn ang="0">
-                <a:pos x="connsiteX2" y="connsiteY2"/>
-              </a:cxn>
-              <a:cxn ang="0">
-                <a:pos x="connsiteX3" y="connsiteY3"/>
-              </a:cxn>
-              <a:cxn ang="0">
-                <a:pos x="connsiteX4" y="connsiteY4"/>
-              </a:cxn>
-              <a:cxn ang="0">
-                <a:pos x="connsiteX5" y="connsiteY5"/>
-              </a:cxn>
-              <a:cxn ang="0">
-                <a:pos x="connsiteX6" y="connsiteY6"/>
-              </a:cxn>
-            </a:cxnLst>
-            <a:rect l="l" t="t" r="r" b="b"/>
-            <a:pathLst>
-              <a:path w="4167271" h="6858000">
-                <a:moveTo>
-                  <a:pt x="0" y="0"/>
-                </a:moveTo>
-                <a:lnTo>
-                  <a:pt x="2259550" y="0"/>
-                </a:lnTo>
-                <a:lnTo>
-                  <a:pt x="2387803" y="82222"/>
-                </a:lnTo>
-                <a:cubicBezTo>
-                  <a:pt x="3461407" y="807534"/>
-                  <a:pt x="4167271" y="2035835"/>
-                  <a:pt x="4167271" y="3429000"/>
-                </a:cubicBezTo>
-                <a:cubicBezTo>
-                  <a:pt x="4167271" y="4822165"/>
-                  <a:pt x="3461407" y="6050467"/>
-                  <a:pt x="2387803" y="6775779"/>
-                </a:cubicBezTo>
-                <a:lnTo>
-                  <a:pt x="2259550" y="6858000"/>
-                </a:lnTo>
-                <a:lnTo>
-                  <a:pt x="0" y="6858000"/>
-                </a:lnTo>
-                <a:close/>
-              </a:path>
-            </a:pathLst>
-          </a:custGeom>
-          <a:solidFill>
-            <a:schemeClr val="accent2"/>
           </a:solidFill>
           <a:ln>
             <a:noFill/>
@@ -15342,201 +17956,10 @@
       </p:sp>
       <p:sp>
         <p:nvSpPr>
-          <p:cNvPr id="2" name="Title 1">
+          <p:cNvPr id="38" name="Oval 37">
             <a:extLst>
               <a:ext uri="{FF2B5EF4-FFF2-40B4-BE49-F238E27FC236}">
-                <a16:creationId xmlns:a16="http://schemas.microsoft.com/office/drawing/2014/main" id="{D7EE9B6D-2F06-484C-BDB6-4B789B8DF490}"/>
-              </a:ext>
-            </a:extLst>
-          </p:cNvPr>
-          <p:cNvSpPr>
-            <a:spLocks noGrp="1"/>
-          </p:cNvSpPr>
-          <p:nvPr>
-            <p:ph type="title"/>
-          </p:nvPr>
-        </p:nvSpPr>
-        <p:spPr>
-          <a:xfrm>
-            <a:off x="686834" y="1153572"/>
-            <a:ext cx="3200400" cy="4461163"/>
-          </a:xfrm>
-        </p:spPr>
-        <p:txBody>
-          <a:bodyPr>
-            <a:normAutofit/>
-          </a:bodyPr>
-          <a:lstStyle/>
-          <a:p>
-            <a:r>
-              <a:rPr lang="en-US" spc="300" dirty="0">
-                <a:solidFill>
-                  <a:srgbClr val="FFFFFF"/>
-                </a:solidFill>
-              </a:rPr>
-              <a:t>About &amp; Purpose</a:t>
-            </a:r>
-            <a:br>
-              <a:rPr lang="en-US" dirty="0">
-                <a:solidFill>
-                  <a:srgbClr val="FFFFFF"/>
-                </a:solidFill>
-              </a:rPr>
-            </a:br>
-            <a:endParaRPr lang="en-US" dirty="0">
-              <a:solidFill>
-                <a:srgbClr val="FFFFFF"/>
-              </a:solidFill>
-            </a:endParaRPr>
-          </a:p>
-        </p:txBody>
-      </p:sp>
-      <p:sp>
-        <p:nvSpPr>
-          <p:cNvPr id="29" name="Arc 28">
-            <a:extLst>
-              <a:ext uri="{FF2B5EF4-FFF2-40B4-BE49-F238E27FC236}">
-                <a16:creationId xmlns:a16="http://schemas.microsoft.com/office/drawing/2014/main" id="{081E4A58-353D-44AE-B2FC-2A74E2E400F7}"/>
-              </a:ext>
-              <a:ext uri="{C183D7F6-B498-43B3-948B-1728B52AA6E4}">
-                <adec:decorative xmlns:adec="http://schemas.microsoft.com/office/drawing/2017/decorative" val="1"/>
-              </a:ext>
-            </a:extLst>
-          </p:cNvPr>
-          <p:cNvSpPr>
-            <a:spLocks noGrp="1" noRot="1" noChangeAspect="1" noMove="1" noResize="1" noEditPoints="1" noAdjustHandles="1" noChangeArrowheads="1" noChangeShapeType="1" noTextEdit="1"/>
-          </p:cNvSpPr>
-          <p:nvPr>
-            <p:extLst>
-              <p:ext uri="{386F3935-93C4-4BCD-93E2-E3B085C9AB24}">
-                <p16:designElem xmlns:p16="http://schemas.microsoft.com/office/powerpoint/2015/main" val="1"/>
-              </p:ext>
-            </p:extLst>
-          </p:nvPr>
-        </p:nvSpPr>
-        <p:spPr>
-          <a:xfrm flipV="1">
-            <a:off x="7550402" y="2455479"/>
-            <a:ext cx="4083433" cy="4083433"/>
-          </a:xfrm>
-          <a:prstGeom prst="arc">
-            <a:avLst/>
-          </a:prstGeom>
-          <a:ln w="127000" cap="rnd">
-            <a:solidFill>
-              <a:schemeClr val="accent4"/>
-            </a:solidFill>
-            <a:prstDash val="dash"/>
-          </a:ln>
-        </p:spPr>
-        <p:style>
-          <a:lnRef idx="1">
-            <a:schemeClr val="accent1"/>
-          </a:lnRef>
-          <a:fillRef idx="0">
-            <a:schemeClr val="accent1"/>
-          </a:fillRef>
-          <a:effectRef idx="0">
-            <a:schemeClr val="accent1"/>
-          </a:effectRef>
-          <a:fontRef idx="minor">
-            <a:schemeClr val="tx1"/>
-          </a:fontRef>
-        </p:style>
-        <p:txBody>
-          <a:bodyPr rtlCol="0" anchor="ctr"/>
-          <a:lstStyle/>
-          <a:p>
-            <a:pPr algn="ctr"/>
-            <a:endParaRPr lang="en-US" dirty="0"/>
-          </a:p>
-        </p:txBody>
-      </p:sp>
-      <p:sp>
-        <p:nvSpPr>
-          <p:cNvPr id="3" name="Content Placeholder 2">
-            <a:extLst>
-              <a:ext uri="{FF2B5EF4-FFF2-40B4-BE49-F238E27FC236}">
-                <a16:creationId xmlns:a16="http://schemas.microsoft.com/office/drawing/2014/main" id="{DF3EF3AB-D68C-428C-B53F-F121FC824332}"/>
-              </a:ext>
-            </a:extLst>
-          </p:cNvPr>
-          <p:cNvSpPr>
-            <a:spLocks noGrp="1"/>
-          </p:cNvSpPr>
-          <p:nvPr>
-            <p:ph idx="1"/>
-          </p:nvPr>
-        </p:nvSpPr>
-        <p:spPr>
-          <a:xfrm>
-            <a:off x="4447308" y="591344"/>
-            <a:ext cx="6906491" cy="5585619"/>
-          </a:xfrm>
-        </p:spPr>
-        <p:txBody>
-          <a:bodyPr anchor="ctr">
-            <a:normAutofit/>
-          </a:bodyPr>
-          <a:lstStyle/>
-          <a:p>
-            <a:r>
-              <a:rPr lang="en-US"/>
-              <a:t>AnimalTrack allows users to take photos of animals and insects and upload them to the server. </a:t>
-            </a:r>
-          </a:p>
-          <a:p>
-            <a:r>
-              <a:rPr lang="en-US"/>
-              <a:t>The purpose of the app is after time, the app can then generate a graph out of the collection of data and the data can be then sent to animal and environmental organizations. </a:t>
-            </a:r>
-          </a:p>
-        </p:txBody>
-      </p:sp>
-    </p:spTree>
-    <p:extLst>
-      <p:ext uri="{BB962C8B-B14F-4D97-AF65-F5344CB8AC3E}">
-        <p14:creationId xmlns:p14="http://schemas.microsoft.com/office/powerpoint/2010/main" val="562395946"/>
-      </p:ext>
-    </p:extLst>
-  </p:cSld>
-  <p:clrMapOvr>
-    <a:masterClrMapping/>
-  </p:clrMapOvr>
-</p:sld>
-</file>
-
-<file path=ppt/slides/slide4.xml><?xml version="1.0" encoding="utf-8"?>
-<p:sld xmlns:a="http://schemas.openxmlformats.org/drawingml/2006/main" xmlns:r="http://schemas.openxmlformats.org/officeDocument/2006/relationships" xmlns:p="http://schemas.openxmlformats.org/presentationml/2006/main">
-  <p:cSld>
-    <p:bg>
-      <p:bgPr>
-        <a:solidFill>
-          <a:schemeClr val="bg1"/>
-        </a:solidFill>
-        <a:effectLst/>
-      </p:bgPr>
-    </p:bg>
-    <p:spTree>
-      <p:nvGrpSpPr>
-        <p:cNvPr id="1" name=""/>
-        <p:cNvGrpSpPr/>
-        <p:nvPr/>
-      </p:nvGrpSpPr>
-      <p:grpSpPr>
-        <a:xfrm>
-          <a:off x="0" y="0"/>
-          <a:ext cx="0" cy="0"/>
-          <a:chOff x="0" y="0"/>
-          <a:chExt cx="0" cy="0"/>
-        </a:xfrm>
-      </p:grpSpPr>
-      <p:sp useBgFill="1">
-        <p:nvSpPr>
-          <p:cNvPr id="33" name="Rectangle 32">
-            <a:extLst>
-              <a:ext uri="{FF2B5EF4-FFF2-40B4-BE49-F238E27FC236}">
-                <a16:creationId xmlns:a16="http://schemas.microsoft.com/office/drawing/2014/main" id="{907EF6B7-1338-4443-8C46-6A318D952DFD}"/>
+                <a16:creationId xmlns:a16="http://schemas.microsoft.com/office/drawing/2014/main" id="{967D8EB6-EAE1-4F9C-B398-83321E287204}"/>
               </a:ext>
               <a:ext uri="{C183D7F6-B498-43B3-948B-1728B52AA6E4}">
                 <adec:decorative xmlns:adec="http://schemas.microsoft.com/office/drawing/2017/decorative" val="1"/>
@@ -15556,14 +17979,19 @@
         </p:nvSpPr>
         <p:spPr>
           <a:xfrm>
-            <a:off x="3048" y="0"/>
-            <a:ext cx="12188952" cy="6858000"/>
+            <a:off x="8915400" y="2358913"/>
+            <a:ext cx="2140172" cy="2140172"/>
           </a:xfrm>
-          <a:prstGeom prst="rect">
+          <a:prstGeom prst="ellipse">
             <a:avLst/>
           </a:prstGeom>
-          <a:ln>
-            <a:noFill/>
+          <a:solidFill>
+            <a:srgbClr val="FFFFFF"/>
+          </a:solidFill>
+          <a:ln w="22225">
+            <a:solidFill>
+              <a:schemeClr val="accent1"/>
+            </a:solidFill>
           </a:ln>
         </p:spPr>
         <p:style>
@@ -15591,12 +18019,86 @@
           </a:p>
         </p:txBody>
       </p:sp>
-      <p:sp>
-        <p:nvSpPr>
-          <p:cNvPr id="35" name="Freeform: Shape 34">
+      <p:pic>
+        <p:nvPicPr>
+          <p:cNvPr id="7" name="Picture 6" descr="A picture containing text, light&#10;&#10;Description automatically generated">
             <a:extLst>
               <a:ext uri="{FF2B5EF4-FFF2-40B4-BE49-F238E27FC236}">
-                <a16:creationId xmlns:a16="http://schemas.microsoft.com/office/drawing/2014/main" id="{DAAE4CDD-124C-4DCF-9584-B6033B545DD5}"/>
+                <a16:creationId xmlns:a16="http://schemas.microsoft.com/office/drawing/2014/main" id="{0B73FFE1-2686-4940-8533-9A7E7CD7A178}"/>
+              </a:ext>
+            </a:extLst>
+          </p:cNvPr>
+          <p:cNvPicPr>
+            <a:picLocks noChangeAspect="1"/>
+          </p:cNvPicPr>
+          <p:nvPr/>
+        </p:nvPicPr>
+        <p:blipFill>
+          <a:blip r:embed="rId2">
+            <a:extLst>
+              <a:ext uri="{28A0092B-C50C-407E-A947-70E740481C1C}">
+                <a14:useLocalDpi xmlns:a14="http://schemas.microsoft.com/office/drawing/2010/main" val="0"/>
+              </a:ext>
+            </a:extLst>
+          </a:blip>
+          <a:stretch>
+            <a:fillRect/>
+          </a:stretch>
+        </p:blipFill>
+        <p:spPr>
+          <a:xfrm>
+            <a:off x="9301458" y="2709020"/>
+            <a:ext cx="1469324" cy="1457378"/>
+          </a:xfrm>
+          <a:prstGeom prst="rect">
+            <a:avLst/>
+          </a:prstGeom>
+        </p:spPr>
+      </p:pic>
+    </p:spTree>
+    <p:extLst>
+      <p:ext uri="{BB962C8B-B14F-4D97-AF65-F5344CB8AC3E}">
+        <p14:creationId xmlns:p14="http://schemas.microsoft.com/office/powerpoint/2010/main" val="562395946"/>
+      </p:ext>
+    </p:extLst>
+  </p:cSld>
+  <p:clrMapOvr>
+    <a:masterClrMapping/>
+  </p:clrMapOvr>
+</p:sld>
+</file>
+
+<file path=ppt/slides/slide5.xml><?xml version="1.0" encoding="utf-8"?>
+<p:sld xmlns:a="http://schemas.openxmlformats.org/drawingml/2006/main" xmlns:r="http://schemas.openxmlformats.org/officeDocument/2006/relationships" xmlns:p="http://schemas.openxmlformats.org/presentationml/2006/main">
+  <p:cSld>
+    <p:bg>
+      <p:bgPr>
+        <a:solidFill>
+          <a:schemeClr val="bg1"/>
+        </a:solidFill>
+        <a:effectLst/>
+      </p:bgPr>
+    </p:bg>
+    <p:spTree>
+      <p:nvGrpSpPr>
+        <p:cNvPr id="1" name=""/>
+        <p:cNvGrpSpPr/>
+        <p:nvPr/>
+      </p:nvGrpSpPr>
+      <p:grpSpPr>
+        <a:xfrm>
+          <a:off x="0" y="0"/>
+          <a:ext cx="0" cy="0"/>
+          <a:chOff x="0" y="0"/>
+          <a:chExt cx="0" cy="0"/>
+        </a:xfrm>
+      </p:grpSpPr>
+      <p:sp useBgFill="1">
+        <p:nvSpPr>
+          <p:cNvPr id="42" name="Rectangle 41">
+            <a:extLst>
+              <a:ext uri="{FF2B5EF4-FFF2-40B4-BE49-F238E27FC236}">
+                <a16:creationId xmlns:a16="http://schemas.microsoft.com/office/drawing/2014/main" id="{777A147A-9ED8-46B4-8660-1B3C2AA880B5}"/>
               </a:ext>
               <a:ext uri="{C183D7F6-B498-43B3-948B-1728B52AA6E4}">
                 <adec:decorative xmlns:adec="http://schemas.microsoft.com/office/drawing/2017/decorative" val="1"/>
@@ -15616,86 +18118,12 @@
         </p:nvSpPr>
         <p:spPr>
           <a:xfrm>
-            <a:off x="1" y="0"/>
-            <a:ext cx="4167271" cy="6858000"/>
+            <a:off x="0" y="0"/>
+            <a:ext cx="12188952" cy="6858000"/>
           </a:xfrm>
-          <a:custGeom>
+          <a:prstGeom prst="rect">
             <a:avLst/>
-            <a:gdLst>
-              <a:gd name="connsiteX0" fmla="*/ 0 w 4167271"/>
-              <a:gd name="connsiteY0" fmla="*/ 0 h 6858000"/>
-              <a:gd name="connsiteX1" fmla="*/ 2259550 w 4167271"/>
-              <a:gd name="connsiteY1" fmla="*/ 0 h 6858000"/>
-              <a:gd name="connsiteX2" fmla="*/ 2387803 w 4167271"/>
-              <a:gd name="connsiteY2" fmla="*/ 82222 h 6858000"/>
-              <a:gd name="connsiteX3" fmla="*/ 4167271 w 4167271"/>
-              <a:gd name="connsiteY3" fmla="*/ 3429000 h 6858000"/>
-              <a:gd name="connsiteX4" fmla="*/ 2387803 w 4167271"/>
-              <a:gd name="connsiteY4" fmla="*/ 6775779 h 6858000"/>
-              <a:gd name="connsiteX5" fmla="*/ 2259550 w 4167271"/>
-              <a:gd name="connsiteY5" fmla="*/ 6858000 h 6858000"/>
-              <a:gd name="connsiteX6" fmla="*/ 0 w 4167271"/>
-              <a:gd name="connsiteY6" fmla="*/ 6858000 h 6858000"/>
-            </a:gdLst>
-            <a:ahLst/>
-            <a:cxnLst>
-              <a:cxn ang="0">
-                <a:pos x="connsiteX0" y="connsiteY0"/>
-              </a:cxn>
-              <a:cxn ang="0">
-                <a:pos x="connsiteX1" y="connsiteY1"/>
-              </a:cxn>
-              <a:cxn ang="0">
-                <a:pos x="connsiteX2" y="connsiteY2"/>
-              </a:cxn>
-              <a:cxn ang="0">
-                <a:pos x="connsiteX3" y="connsiteY3"/>
-              </a:cxn>
-              <a:cxn ang="0">
-                <a:pos x="connsiteX4" y="connsiteY4"/>
-              </a:cxn>
-              <a:cxn ang="0">
-                <a:pos x="connsiteX5" y="connsiteY5"/>
-              </a:cxn>
-              <a:cxn ang="0">
-                <a:pos x="connsiteX6" y="connsiteY6"/>
-              </a:cxn>
-            </a:cxnLst>
-            <a:rect l="l" t="t" r="r" b="b"/>
-            <a:pathLst>
-              <a:path w="4167271" h="6858000">
-                <a:moveTo>
-                  <a:pt x="0" y="0"/>
-                </a:moveTo>
-                <a:lnTo>
-                  <a:pt x="2259550" y="0"/>
-                </a:lnTo>
-                <a:lnTo>
-                  <a:pt x="2387803" y="82222"/>
-                </a:lnTo>
-                <a:cubicBezTo>
-                  <a:pt x="3461407" y="807534"/>
-                  <a:pt x="4167271" y="2035835"/>
-                  <a:pt x="4167271" y="3429000"/>
-                </a:cubicBezTo>
-                <a:cubicBezTo>
-                  <a:pt x="4167271" y="4822165"/>
-                  <a:pt x="3461407" y="6050467"/>
-                  <a:pt x="2387803" y="6775779"/>
-                </a:cubicBezTo>
-                <a:lnTo>
-                  <a:pt x="2259550" y="6858000"/>
-                </a:lnTo>
-                <a:lnTo>
-                  <a:pt x="0" y="6858000"/>
-                </a:lnTo>
-                <a:close/>
-              </a:path>
-            </a:pathLst>
-          </a:custGeom>
-          <a:solidFill>
-            <a:schemeClr val="accent2"/>
-          </a:solidFill>
+          </a:prstGeom>
           <a:ln>
             <a:noFill/>
           </a:ln>
@@ -15743,8 +18171,8 @@
         </p:nvSpPr>
         <p:spPr>
           <a:xfrm>
-            <a:off x="686834" y="1153572"/>
-            <a:ext cx="3200400" cy="4461163"/>
+            <a:off x="841248" y="548640"/>
+            <a:ext cx="3600860" cy="5431536"/>
           </a:xfrm>
         </p:spPr>
         <p:txBody>
@@ -15754,22 +18182,19 @@
           <a:lstStyle/>
           <a:p>
             <a:r>
-              <a:rPr lang="en-US">
-                <a:solidFill>
-                  <a:srgbClr val="FFFFFF"/>
-                </a:solidFill>
-              </a:rPr>
+              <a:rPr lang="en-US" sz="6600" dirty="0"/>
               <a:t>Team</a:t>
             </a:r>
+            <a:endParaRPr lang="en-US" sz="5400" dirty="0"/>
           </a:p>
         </p:txBody>
       </p:sp>
       <p:sp>
         <p:nvSpPr>
-          <p:cNvPr id="37" name="Arc 36">
+          <p:cNvPr id="44" name="sketch line">
             <a:extLst>
               <a:ext uri="{FF2B5EF4-FFF2-40B4-BE49-F238E27FC236}">
-                <a16:creationId xmlns:a16="http://schemas.microsoft.com/office/drawing/2014/main" id="{081E4A58-353D-44AE-B2FC-2A74E2E400F7}"/>
+                <a16:creationId xmlns:a16="http://schemas.microsoft.com/office/drawing/2014/main" id="{5D6C15A0-C087-4593-8414-2B4EC1CDC3DE}"/>
               </a:ext>
               <a:ext uri="{C183D7F6-B498-43B3-948B-1728B52AA6E4}">
                 <adec:decorative xmlns:adec="http://schemas.microsoft.com/office/drawing/2017/decorative" val="1"/>
@@ -15788,32 +18213,314 @@
           </p:nvPr>
         </p:nvSpPr>
         <p:spPr>
-          <a:xfrm flipV="1">
-            <a:off x="7550402" y="2455479"/>
-            <a:ext cx="4083433" cy="4083433"/>
+          <a:xfrm rot="5400000">
+            <a:off x="2543983" y="3258715"/>
+            <a:ext cx="4480560" cy="18288"/>
           </a:xfrm>
-          <a:prstGeom prst="arc">
+          <a:custGeom>
             <a:avLst/>
-          </a:prstGeom>
-          <a:ln w="127000" cap="rnd">
+            <a:gdLst>
+              <a:gd name="connsiteX0" fmla="*/ 0 w 4480560"/>
+              <a:gd name="connsiteY0" fmla="*/ 0 h 18288"/>
+              <a:gd name="connsiteX1" fmla="*/ 595274 w 4480560"/>
+              <a:gd name="connsiteY1" fmla="*/ 0 h 18288"/>
+              <a:gd name="connsiteX2" fmla="*/ 1100938 w 4480560"/>
+              <a:gd name="connsiteY2" fmla="*/ 0 h 18288"/>
+              <a:gd name="connsiteX3" fmla="*/ 1651406 w 4480560"/>
+              <a:gd name="connsiteY3" fmla="*/ 0 h 18288"/>
+              <a:gd name="connsiteX4" fmla="*/ 2336292 w 4480560"/>
+              <a:gd name="connsiteY4" fmla="*/ 0 h 18288"/>
+              <a:gd name="connsiteX5" fmla="*/ 2931566 w 4480560"/>
+              <a:gd name="connsiteY5" fmla="*/ 0 h 18288"/>
+              <a:gd name="connsiteX6" fmla="*/ 3482035 w 4480560"/>
+              <a:gd name="connsiteY6" fmla="*/ 0 h 18288"/>
+              <a:gd name="connsiteX7" fmla="*/ 4480560 w 4480560"/>
+              <a:gd name="connsiteY7" fmla="*/ 0 h 18288"/>
+              <a:gd name="connsiteX8" fmla="*/ 4480560 w 4480560"/>
+              <a:gd name="connsiteY8" fmla="*/ 18288 h 18288"/>
+              <a:gd name="connsiteX9" fmla="*/ 3840480 w 4480560"/>
+              <a:gd name="connsiteY9" fmla="*/ 18288 h 18288"/>
+              <a:gd name="connsiteX10" fmla="*/ 3290011 w 4480560"/>
+              <a:gd name="connsiteY10" fmla="*/ 18288 h 18288"/>
+              <a:gd name="connsiteX11" fmla="*/ 2560320 w 4480560"/>
+              <a:gd name="connsiteY11" fmla="*/ 18288 h 18288"/>
+              <a:gd name="connsiteX12" fmla="*/ 1965046 w 4480560"/>
+              <a:gd name="connsiteY12" fmla="*/ 18288 h 18288"/>
+              <a:gd name="connsiteX13" fmla="*/ 1459382 w 4480560"/>
+              <a:gd name="connsiteY13" fmla="*/ 18288 h 18288"/>
+              <a:gd name="connsiteX14" fmla="*/ 774497 w 4480560"/>
+              <a:gd name="connsiteY14" fmla="*/ 18288 h 18288"/>
+              <a:gd name="connsiteX15" fmla="*/ 0 w 4480560"/>
+              <a:gd name="connsiteY15" fmla="*/ 18288 h 18288"/>
+              <a:gd name="connsiteX16" fmla="*/ 0 w 4480560"/>
+              <a:gd name="connsiteY16" fmla="*/ 0 h 18288"/>
+            </a:gdLst>
+            <a:ahLst/>
+            <a:cxnLst>
+              <a:cxn ang="0">
+                <a:pos x="connsiteX0" y="connsiteY0"/>
+              </a:cxn>
+              <a:cxn ang="0">
+                <a:pos x="connsiteX1" y="connsiteY1"/>
+              </a:cxn>
+              <a:cxn ang="0">
+                <a:pos x="connsiteX2" y="connsiteY2"/>
+              </a:cxn>
+              <a:cxn ang="0">
+                <a:pos x="connsiteX3" y="connsiteY3"/>
+              </a:cxn>
+              <a:cxn ang="0">
+                <a:pos x="connsiteX4" y="connsiteY4"/>
+              </a:cxn>
+              <a:cxn ang="0">
+                <a:pos x="connsiteX5" y="connsiteY5"/>
+              </a:cxn>
+              <a:cxn ang="0">
+                <a:pos x="connsiteX6" y="connsiteY6"/>
+              </a:cxn>
+              <a:cxn ang="0">
+                <a:pos x="connsiteX7" y="connsiteY7"/>
+              </a:cxn>
+              <a:cxn ang="0">
+                <a:pos x="connsiteX8" y="connsiteY8"/>
+              </a:cxn>
+              <a:cxn ang="0">
+                <a:pos x="connsiteX9" y="connsiteY9"/>
+              </a:cxn>
+              <a:cxn ang="0">
+                <a:pos x="connsiteX10" y="connsiteY10"/>
+              </a:cxn>
+              <a:cxn ang="0">
+                <a:pos x="connsiteX11" y="connsiteY11"/>
+              </a:cxn>
+              <a:cxn ang="0">
+                <a:pos x="connsiteX12" y="connsiteY12"/>
+              </a:cxn>
+              <a:cxn ang="0">
+                <a:pos x="connsiteX13" y="connsiteY13"/>
+              </a:cxn>
+              <a:cxn ang="0">
+                <a:pos x="connsiteX14" y="connsiteY14"/>
+              </a:cxn>
+              <a:cxn ang="0">
+                <a:pos x="connsiteX15" y="connsiteY15"/>
+              </a:cxn>
+              <a:cxn ang="0">
+                <a:pos x="connsiteX16" y="connsiteY16"/>
+              </a:cxn>
+            </a:cxnLst>
+            <a:rect l="l" t="t" r="r" b="b"/>
+            <a:pathLst>
+              <a:path w="4480560" h="18288" fill="none" extrusionOk="0">
+                <a:moveTo>
+                  <a:pt x="0" y="0"/>
+                </a:moveTo>
+                <a:cubicBezTo>
+                  <a:pt x="267821" y="8731"/>
+                  <a:pt x="334105" y="2629"/>
+                  <a:pt x="595274" y="0"/>
+                </a:cubicBezTo>
+                <a:cubicBezTo>
+                  <a:pt x="856443" y="-2629"/>
+                  <a:pt x="863808" y="-13353"/>
+                  <a:pt x="1100938" y="0"/>
+                </a:cubicBezTo>
+                <a:cubicBezTo>
+                  <a:pt x="1338068" y="13353"/>
+                  <a:pt x="1431663" y="-25862"/>
+                  <a:pt x="1651406" y="0"/>
+                </a:cubicBezTo>
+                <a:cubicBezTo>
+                  <a:pt x="1871149" y="25862"/>
+                  <a:pt x="2173163" y="23827"/>
+                  <a:pt x="2336292" y="0"/>
+                </a:cubicBezTo>
+                <a:cubicBezTo>
+                  <a:pt x="2499421" y="-23827"/>
+                  <a:pt x="2720589" y="28148"/>
+                  <a:pt x="2931566" y="0"/>
+                </a:cubicBezTo>
+                <a:cubicBezTo>
+                  <a:pt x="3142543" y="-28148"/>
+                  <a:pt x="3323630" y="27022"/>
+                  <a:pt x="3482035" y="0"/>
+                </a:cubicBezTo>
+                <a:cubicBezTo>
+                  <a:pt x="3640440" y="-27022"/>
+                  <a:pt x="4012110" y="-20118"/>
+                  <a:pt x="4480560" y="0"/>
+                </a:cubicBezTo>
+                <a:cubicBezTo>
+                  <a:pt x="4480958" y="7429"/>
+                  <a:pt x="4480540" y="10822"/>
+                  <a:pt x="4480560" y="18288"/>
+                </a:cubicBezTo>
+                <a:cubicBezTo>
+                  <a:pt x="4314132" y="14924"/>
+                  <a:pt x="4028383" y="36632"/>
+                  <a:pt x="3840480" y="18288"/>
+                </a:cubicBezTo>
+                <a:cubicBezTo>
+                  <a:pt x="3652577" y="-56"/>
+                  <a:pt x="3547615" y="2848"/>
+                  <a:pt x="3290011" y="18288"/>
+                </a:cubicBezTo>
+                <a:cubicBezTo>
+                  <a:pt x="3032407" y="33728"/>
+                  <a:pt x="2830268" y="8719"/>
+                  <a:pt x="2560320" y="18288"/>
+                </a:cubicBezTo>
+                <a:cubicBezTo>
+                  <a:pt x="2290372" y="27857"/>
+                  <a:pt x="2147422" y="6728"/>
+                  <a:pt x="1965046" y="18288"/>
+                </a:cubicBezTo>
+                <a:cubicBezTo>
+                  <a:pt x="1782670" y="29848"/>
+                  <a:pt x="1689791" y="40680"/>
+                  <a:pt x="1459382" y="18288"/>
+                </a:cubicBezTo>
+                <a:cubicBezTo>
+                  <a:pt x="1228973" y="-4104"/>
+                  <a:pt x="915486" y="36501"/>
+                  <a:pt x="774497" y="18288"/>
+                </a:cubicBezTo>
+                <a:cubicBezTo>
+                  <a:pt x="633508" y="75"/>
+                  <a:pt x="361442" y="-11107"/>
+                  <a:pt x="0" y="18288"/>
+                </a:cubicBezTo>
+                <a:cubicBezTo>
+                  <a:pt x="-591" y="13205"/>
+                  <a:pt x="-663" y="6329"/>
+                  <a:pt x="0" y="0"/>
+                </a:cubicBezTo>
+                <a:close/>
+              </a:path>
+              <a:path w="4480560" h="18288" stroke="0" extrusionOk="0">
+                <a:moveTo>
+                  <a:pt x="0" y="0"/>
+                </a:moveTo>
+                <a:cubicBezTo>
+                  <a:pt x="285465" y="225"/>
+                  <a:pt x="322691" y="16223"/>
+                  <a:pt x="595274" y="0"/>
+                </a:cubicBezTo>
+                <a:cubicBezTo>
+                  <a:pt x="867857" y="-16223"/>
+                  <a:pt x="989129" y="-11242"/>
+                  <a:pt x="1100938" y="0"/>
+                </a:cubicBezTo>
+                <a:cubicBezTo>
+                  <a:pt x="1212747" y="11242"/>
+                  <a:pt x="1574350" y="-36410"/>
+                  <a:pt x="1830629" y="0"/>
+                </a:cubicBezTo>
+                <a:cubicBezTo>
+                  <a:pt x="2086908" y="36410"/>
+                  <a:pt x="2180922" y="4645"/>
+                  <a:pt x="2425903" y="0"/>
+                </a:cubicBezTo>
+                <a:cubicBezTo>
+                  <a:pt x="2670884" y="-4645"/>
+                  <a:pt x="2782024" y="22929"/>
+                  <a:pt x="3021178" y="0"/>
+                </a:cubicBezTo>
+                <a:cubicBezTo>
+                  <a:pt x="3260332" y="-22929"/>
+                  <a:pt x="3456982" y="-1586"/>
+                  <a:pt x="3750869" y="0"/>
+                </a:cubicBezTo>
+                <a:cubicBezTo>
+                  <a:pt x="4044756" y="1586"/>
+                  <a:pt x="4302726" y="17043"/>
+                  <a:pt x="4480560" y="0"/>
+                </a:cubicBezTo>
+                <a:cubicBezTo>
+                  <a:pt x="4479674" y="5429"/>
+                  <a:pt x="4481381" y="14046"/>
+                  <a:pt x="4480560" y="18288"/>
+                </a:cubicBezTo>
+                <a:cubicBezTo>
+                  <a:pt x="4279652" y="-6850"/>
+                  <a:pt x="4200762" y="41566"/>
+                  <a:pt x="3930091" y="18288"/>
+                </a:cubicBezTo>
+                <a:cubicBezTo>
+                  <a:pt x="3659420" y="-4990"/>
+                  <a:pt x="3456052" y="22294"/>
+                  <a:pt x="3290011" y="18288"/>
+                </a:cubicBezTo>
+                <a:cubicBezTo>
+                  <a:pt x="3123970" y="14282"/>
+                  <a:pt x="2882392" y="32818"/>
+                  <a:pt x="2649931" y="18288"/>
+                </a:cubicBezTo>
+                <a:cubicBezTo>
+                  <a:pt x="2417470" y="3758"/>
+                  <a:pt x="2238426" y="7337"/>
+                  <a:pt x="2054657" y="18288"/>
+                </a:cubicBezTo>
+                <a:cubicBezTo>
+                  <a:pt x="1870888" y="29239"/>
+                  <a:pt x="1566368" y="45040"/>
+                  <a:pt x="1324966" y="18288"/>
+                </a:cubicBezTo>
+                <a:cubicBezTo>
+                  <a:pt x="1083564" y="-8464"/>
+                  <a:pt x="787410" y="10946"/>
+                  <a:pt x="595274" y="18288"/>
+                </a:cubicBezTo>
+                <a:cubicBezTo>
+                  <a:pt x="403138" y="25630"/>
+                  <a:pt x="169622" y="10499"/>
+                  <a:pt x="0" y="18288"/>
+                </a:cubicBezTo>
+                <a:cubicBezTo>
+                  <a:pt x="668" y="13665"/>
+                  <a:pt x="578" y="5675"/>
+                  <a:pt x="0" y="0"/>
+                </a:cubicBezTo>
+                <a:close/>
+              </a:path>
+            </a:pathLst>
+          </a:custGeom>
+          <a:solidFill>
+            <a:schemeClr val="accent2"/>
+          </a:solidFill>
+          <a:ln w="41275" cap="rnd">
             <a:solidFill>
-              <a:schemeClr val="accent4"/>
+              <a:schemeClr val="accent2"/>
             </a:solidFill>
-            <a:prstDash val="dash"/>
+            <a:round/>
+            <a:extLst>
+              <a:ext uri="{C807C97D-BFC1-408E-A445-0C87EB9F89A2}">
+                <ask:lineSketchStyleProps xmlns:ask="http://schemas.microsoft.com/office/drawing/2018/sketchyshapes" sd="1219033472">
+                  <a:prstGeom prst="rect">
+                    <a:avLst/>
+                  </a:prstGeom>
+                  <ask:type>
+                    <ask:lineSketchFreehand/>
+                  </ask:type>
+                </ask:lineSketchStyleProps>
+              </a:ext>
+            </a:extLst>
           </a:ln>
         </p:spPr>
         <p:style>
-          <a:lnRef idx="1">
-            <a:schemeClr val="accent1"/>
+          <a:lnRef idx="2">
+            <a:schemeClr val="accent1">
+              <a:shade val="50000"/>
+            </a:schemeClr>
           </a:lnRef>
-          <a:fillRef idx="0">
+          <a:fillRef idx="1">
             <a:schemeClr val="accent1"/>
           </a:fillRef>
           <a:effectRef idx="0">
             <a:schemeClr val="accent1"/>
           </a:effectRef>
           <a:fontRef idx="minor">
-            <a:schemeClr val="tx1"/>
+            <a:schemeClr val="lt1"/>
           </a:fontRef>
         </p:style>
         <p:txBody>
@@ -15821,7 +18528,7 @@
           <a:lstStyle/>
           <a:p>
             <a:pPr algn="ctr"/>
-            <a:endParaRPr lang="en-US" dirty="0"/>
+            <a:endParaRPr lang="en-US"/>
           </a:p>
         </p:txBody>
       </p:sp>
@@ -15843,8 +18550,8 @@
         </p:nvSpPr>
         <p:spPr>
           <a:xfrm>
-            <a:off x="4447308" y="591344"/>
-            <a:ext cx="6906491" cy="5585619"/>
+            <a:off x="5126418" y="552091"/>
+            <a:ext cx="6224335" cy="5431536"/>
           </a:xfrm>
         </p:spPr>
         <p:txBody>
@@ -15857,50 +18564,50 @@
               <a:buNone/>
             </a:pPr>
             <a:r>
-              <a:rPr lang="en-US" b="1" dirty="0"/>
+              <a:rPr lang="en-US" sz="2200" b="1" dirty="0"/>
               <a:t>Team Leader: </a:t>
             </a:r>
             <a:r>
-              <a:rPr lang="en-US" dirty="0"/>
-              <a:t>James Tan</a:t>
+              <a:rPr lang="en-US" sz="2200" dirty="0"/>
+              <a:t>James Tan.</a:t>
             </a:r>
           </a:p>
           <a:p>
             <a:pPr marL="0" indent="0">
               <a:buNone/>
             </a:pPr>
-            <a:endParaRPr lang="en-US" dirty="0"/>
+            <a:endParaRPr lang="en-US" sz="2200" dirty="0"/>
           </a:p>
           <a:p>
             <a:pPr marL="0" indent="0">
               <a:buNone/>
             </a:pPr>
             <a:r>
-              <a:rPr lang="en-US" b="1" dirty="0"/>
+              <a:rPr lang="en-US" sz="2200" b="1" dirty="0"/>
               <a:t>Product Design: </a:t>
             </a:r>
             <a:r>
-              <a:rPr lang="en-US" dirty="0"/>
-              <a:t>Samuel Williams, Emma Bi, Michael Peng, Ty Collver, and Henry Cawse</a:t>
+              <a:rPr lang="en-US" sz="2200" dirty="0"/>
+              <a:t>Emma Bi, Samuel Williams, Michael Peng, Ty Collver, and Henry Cawse.</a:t>
             </a:r>
           </a:p>
           <a:p>
             <a:pPr marL="0" indent="0">
               <a:buNone/>
             </a:pPr>
-            <a:endParaRPr lang="en-US" dirty="0"/>
+            <a:endParaRPr lang="en-US" sz="2200" dirty="0"/>
           </a:p>
           <a:p>
             <a:pPr marL="0" indent="0">
               <a:buNone/>
             </a:pPr>
             <a:r>
-              <a:rPr lang="en-US" b="1" dirty="0"/>
-              <a:t>Programmer: </a:t>
+              <a:rPr lang="en-US" sz="2200" b="1" dirty="0"/>
+              <a:t>Programmers: </a:t>
             </a:r>
             <a:r>
-              <a:rPr lang="en-US" dirty="0"/>
-              <a:t>Jim Wang</a:t>
+              <a:rPr lang="en-US" sz="2200" dirty="0"/>
+              <a:t>Jim Wang, James Tan</a:t>
             </a:r>
           </a:p>
         </p:txBody>
@@ -15918,7 +18625,7 @@
 </p:sld>
 </file>
 
-<file path=ppt/slides/slide5.xml><?xml version="1.0" encoding="utf-8"?>
+<file path=ppt/slides/slide6.xml><?xml version="1.0" encoding="utf-8"?>
 <p:sld xmlns:a="http://schemas.openxmlformats.org/drawingml/2006/main" xmlns:r="http://schemas.openxmlformats.org/officeDocument/2006/relationships" xmlns:p="http://schemas.openxmlformats.org/presentationml/2006/main">
   <p:cSld>
     <p:bg>
@@ -23023,7 +25730,7 @@
                 <a:ea typeface="+mj-ea"/>
                 <a:cs typeface="+mj-cs"/>
               </a:rPr>
-              <a:t>About the APP (Systems)</a:t>
+              <a:t>About AnimalTrack</a:t>
             </a:r>
             <a:br>
               <a:rPr lang="en-US" sz="5200" kern="1200" dirty="0">
@@ -23062,7 +25769,7 @@
 </p:sld>
 </file>
 
-<file path=ppt/slides/slide6.xml><?xml version="1.0" encoding="utf-8"?>
+<file path=ppt/slides/slide7.xml><?xml version="1.0" encoding="utf-8"?>
 <p:sld xmlns:a="http://schemas.openxmlformats.org/drawingml/2006/main" xmlns:r="http://schemas.openxmlformats.org/officeDocument/2006/relationships" xmlns:p="http://schemas.openxmlformats.org/presentationml/2006/main">
   <p:cSld>
     <p:bg>
@@ -23087,40 +25794,44 @@
           <a:chExt cx="0" cy="0"/>
         </a:xfrm>
       </p:grpSpPr>
-      <p:sp useBgFill="1">
+      <p:sp>
         <p:nvSpPr>
-          <p:cNvPr id="21" name="Rectangle 20">
+          <p:cNvPr id="13" name="Rectangle 12">
             <a:extLst>
               <a:ext uri="{FF2B5EF4-FFF2-40B4-BE49-F238E27FC236}">
-                <a16:creationId xmlns:a16="http://schemas.microsoft.com/office/drawing/2014/main" id="{907EF6B7-1338-4443-8C46-6A318D952DFD}"/>
-              </a:ext>
-              <a:ext uri="{C183D7F6-B498-43B3-948B-1728B52AA6E4}">
-                <adec:decorative xmlns:adec="http://schemas.microsoft.com/office/drawing/2017/decorative" val="1"/>
+                <a16:creationId xmlns:a16="http://schemas.microsoft.com/office/drawing/2014/main" id="{F708EEB9-1EE7-40CA-B413-3953DF0B1CBF}"/>
               </a:ext>
             </a:extLst>
           </p:cNvPr>
-          <p:cNvSpPr>
-            <a:spLocks noGrp="1" noRot="1" noChangeAspect="1" noMove="1" noResize="1" noEditPoints="1" noAdjustHandles="1" noChangeArrowheads="1" noChangeShapeType="1" noTextEdit="1"/>
-          </p:cNvSpPr>
-          <p:nvPr>
-            <p:extLst>
-              <p:ext uri="{386F3935-93C4-4BCD-93E2-E3B085C9AB24}">
-                <p16:designElem xmlns:p16="http://schemas.microsoft.com/office/powerpoint/2015/main" val="1"/>
-              </p:ext>
-            </p:extLst>
-          </p:nvPr>
+          <p:cNvSpPr/>
+          <p:nvPr/>
         </p:nvSpPr>
         <p:spPr>
           <a:xfrm>
-            <a:off x="3048" y="0"/>
-            <a:ext cx="12188952" cy="6858000"/>
+            <a:off x="2870980" y="1638029"/>
+            <a:ext cx="2040156" cy="505098"/>
           </a:xfrm>
           <a:prstGeom prst="rect">
             <a:avLst/>
           </a:prstGeom>
+          <a:solidFill>
+            <a:schemeClr val="accent1">
+              <a:lumMod val="40000"/>
+              <a:lumOff val="60000"/>
+            </a:schemeClr>
+          </a:solidFill>
           <a:ln>
-            <a:noFill/>
+            <a:solidFill>
+              <a:schemeClr val="accent1">
+                <a:lumMod val="40000"/>
+                <a:lumOff val="60000"/>
+              </a:schemeClr>
+            </a:solidFill>
           </a:ln>
+          <a:scene3d>
+            <a:camera prst="isometricOffAxis1Right"/>
+            <a:lightRig rig="threePt" dir="t"/>
+          </a:scene3d>
         </p:spPr>
         <p:style>
           <a:lnRef idx="2">
@@ -23147,572 +25858,12 @@
           </a:p>
         </p:txBody>
       </p:sp>
-      <p:sp>
-        <p:nvSpPr>
-          <p:cNvPr id="23" name="Freeform: Shape 22">
+      <p:pic>
+        <p:nvPicPr>
+          <p:cNvPr id="8" name="Picture 7" descr="Graphical user interface, application&#10;&#10;Description automatically generated">
             <a:extLst>
               <a:ext uri="{FF2B5EF4-FFF2-40B4-BE49-F238E27FC236}">
-                <a16:creationId xmlns:a16="http://schemas.microsoft.com/office/drawing/2014/main" id="{DAAE4CDD-124C-4DCF-9584-B6033B545DD5}"/>
-              </a:ext>
-              <a:ext uri="{C183D7F6-B498-43B3-948B-1728B52AA6E4}">
-                <adec:decorative xmlns:adec="http://schemas.microsoft.com/office/drawing/2017/decorative" val="1"/>
-              </a:ext>
-            </a:extLst>
-          </p:cNvPr>
-          <p:cNvSpPr>
-            <a:spLocks noGrp="1" noRot="1" noChangeAspect="1" noMove="1" noResize="1" noEditPoints="1" noAdjustHandles="1" noChangeArrowheads="1" noChangeShapeType="1" noTextEdit="1"/>
-          </p:cNvSpPr>
-          <p:nvPr>
-            <p:extLst>
-              <p:ext uri="{386F3935-93C4-4BCD-93E2-E3B085C9AB24}">
-                <p16:designElem xmlns:p16="http://schemas.microsoft.com/office/powerpoint/2015/main" val="1"/>
-              </p:ext>
-            </p:extLst>
-          </p:nvPr>
-        </p:nvSpPr>
-        <p:spPr>
-          <a:xfrm>
-            <a:off x="1" y="0"/>
-            <a:ext cx="4167271" cy="6858000"/>
-          </a:xfrm>
-          <a:custGeom>
-            <a:avLst/>
-            <a:gdLst>
-              <a:gd name="connsiteX0" fmla="*/ 0 w 4167271"/>
-              <a:gd name="connsiteY0" fmla="*/ 0 h 6858000"/>
-              <a:gd name="connsiteX1" fmla="*/ 2259550 w 4167271"/>
-              <a:gd name="connsiteY1" fmla="*/ 0 h 6858000"/>
-              <a:gd name="connsiteX2" fmla="*/ 2387803 w 4167271"/>
-              <a:gd name="connsiteY2" fmla="*/ 82222 h 6858000"/>
-              <a:gd name="connsiteX3" fmla="*/ 4167271 w 4167271"/>
-              <a:gd name="connsiteY3" fmla="*/ 3429000 h 6858000"/>
-              <a:gd name="connsiteX4" fmla="*/ 2387803 w 4167271"/>
-              <a:gd name="connsiteY4" fmla="*/ 6775779 h 6858000"/>
-              <a:gd name="connsiteX5" fmla="*/ 2259550 w 4167271"/>
-              <a:gd name="connsiteY5" fmla="*/ 6858000 h 6858000"/>
-              <a:gd name="connsiteX6" fmla="*/ 0 w 4167271"/>
-              <a:gd name="connsiteY6" fmla="*/ 6858000 h 6858000"/>
-            </a:gdLst>
-            <a:ahLst/>
-            <a:cxnLst>
-              <a:cxn ang="0">
-                <a:pos x="connsiteX0" y="connsiteY0"/>
-              </a:cxn>
-              <a:cxn ang="0">
-                <a:pos x="connsiteX1" y="connsiteY1"/>
-              </a:cxn>
-              <a:cxn ang="0">
-                <a:pos x="connsiteX2" y="connsiteY2"/>
-              </a:cxn>
-              <a:cxn ang="0">
-                <a:pos x="connsiteX3" y="connsiteY3"/>
-              </a:cxn>
-              <a:cxn ang="0">
-                <a:pos x="connsiteX4" y="connsiteY4"/>
-              </a:cxn>
-              <a:cxn ang="0">
-                <a:pos x="connsiteX5" y="connsiteY5"/>
-              </a:cxn>
-              <a:cxn ang="0">
-                <a:pos x="connsiteX6" y="connsiteY6"/>
-              </a:cxn>
-            </a:cxnLst>
-            <a:rect l="l" t="t" r="r" b="b"/>
-            <a:pathLst>
-              <a:path w="4167271" h="6858000">
-                <a:moveTo>
-                  <a:pt x="0" y="0"/>
-                </a:moveTo>
-                <a:lnTo>
-                  <a:pt x="2259550" y="0"/>
-                </a:lnTo>
-                <a:lnTo>
-                  <a:pt x="2387803" y="82222"/>
-                </a:lnTo>
-                <a:cubicBezTo>
-                  <a:pt x="3461407" y="807534"/>
-                  <a:pt x="4167271" y="2035835"/>
-                  <a:pt x="4167271" y="3429000"/>
-                </a:cubicBezTo>
-                <a:cubicBezTo>
-                  <a:pt x="4167271" y="4822165"/>
-                  <a:pt x="3461407" y="6050467"/>
-                  <a:pt x="2387803" y="6775779"/>
-                </a:cubicBezTo>
-                <a:lnTo>
-                  <a:pt x="2259550" y="6858000"/>
-                </a:lnTo>
-                <a:lnTo>
-                  <a:pt x="0" y="6858000"/>
-                </a:lnTo>
-                <a:close/>
-              </a:path>
-            </a:pathLst>
-          </a:custGeom>
-          <a:solidFill>
-            <a:schemeClr val="accent2"/>
-          </a:solidFill>
-          <a:ln>
-            <a:noFill/>
-          </a:ln>
-        </p:spPr>
-        <p:style>
-          <a:lnRef idx="2">
-            <a:schemeClr val="accent1">
-              <a:shade val="50000"/>
-            </a:schemeClr>
-          </a:lnRef>
-          <a:fillRef idx="1">
-            <a:schemeClr val="accent1"/>
-          </a:fillRef>
-          <a:effectRef idx="0">
-            <a:schemeClr val="accent1"/>
-          </a:effectRef>
-          <a:fontRef idx="minor">
-            <a:schemeClr val="lt1"/>
-          </a:fontRef>
-        </p:style>
-        <p:txBody>
-          <a:bodyPr rtlCol="0" anchor="ctr"/>
-          <a:lstStyle/>
-          <a:p>
-            <a:pPr algn="ctr"/>
-            <a:endParaRPr lang="en-US"/>
-          </a:p>
-        </p:txBody>
-      </p:sp>
-      <p:sp>
-        <p:nvSpPr>
-          <p:cNvPr id="2" name="Title 1">
-            <a:extLst>
-              <a:ext uri="{FF2B5EF4-FFF2-40B4-BE49-F238E27FC236}">
-                <a16:creationId xmlns:a16="http://schemas.microsoft.com/office/drawing/2014/main" id="{58F9C5AF-0416-4A44-A5AB-51CCC47E944E}"/>
-              </a:ext>
-            </a:extLst>
-          </p:cNvPr>
-          <p:cNvSpPr>
-            <a:spLocks noGrp="1"/>
-          </p:cNvSpPr>
-          <p:nvPr>
-            <p:ph type="title"/>
-          </p:nvPr>
-        </p:nvSpPr>
-        <p:spPr>
-          <a:xfrm>
-            <a:off x="686834" y="1153572"/>
-            <a:ext cx="3200400" cy="4461163"/>
-          </a:xfrm>
-        </p:spPr>
-        <p:txBody>
-          <a:bodyPr>
-            <a:normAutofit/>
-          </a:bodyPr>
-          <a:lstStyle/>
-          <a:p>
-            <a:r>
-              <a:rPr lang="en-US">
-                <a:solidFill>
-                  <a:srgbClr val="FFFFFF"/>
-                </a:solidFill>
-              </a:rPr>
-              <a:t>Community Leader System</a:t>
-            </a:r>
-          </a:p>
-        </p:txBody>
-      </p:sp>
-      <p:sp>
-        <p:nvSpPr>
-          <p:cNvPr id="25" name="Arc 24">
-            <a:extLst>
-              <a:ext uri="{FF2B5EF4-FFF2-40B4-BE49-F238E27FC236}">
-                <a16:creationId xmlns:a16="http://schemas.microsoft.com/office/drawing/2014/main" id="{081E4A58-353D-44AE-B2FC-2A74E2E400F7}"/>
-              </a:ext>
-              <a:ext uri="{C183D7F6-B498-43B3-948B-1728B52AA6E4}">
-                <adec:decorative xmlns:adec="http://schemas.microsoft.com/office/drawing/2017/decorative" val="1"/>
-              </a:ext>
-            </a:extLst>
-          </p:cNvPr>
-          <p:cNvSpPr>
-            <a:spLocks noGrp="1" noRot="1" noChangeAspect="1" noMove="1" noResize="1" noEditPoints="1" noAdjustHandles="1" noChangeArrowheads="1" noChangeShapeType="1" noTextEdit="1"/>
-          </p:cNvSpPr>
-          <p:nvPr>
-            <p:extLst>
-              <p:ext uri="{386F3935-93C4-4BCD-93E2-E3B085C9AB24}">
-                <p16:designElem xmlns:p16="http://schemas.microsoft.com/office/powerpoint/2015/main" val="1"/>
-              </p:ext>
-            </p:extLst>
-          </p:nvPr>
-        </p:nvSpPr>
-        <p:spPr>
-          <a:xfrm flipV="1">
-            <a:off x="7550402" y="2455479"/>
-            <a:ext cx="4083433" cy="4083433"/>
-          </a:xfrm>
-          <a:prstGeom prst="arc">
-            <a:avLst/>
-          </a:prstGeom>
-          <a:ln w="127000" cap="rnd">
-            <a:solidFill>
-              <a:schemeClr val="accent4"/>
-            </a:solidFill>
-            <a:prstDash val="dash"/>
-          </a:ln>
-        </p:spPr>
-        <p:style>
-          <a:lnRef idx="1">
-            <a:schemeClr val="accent1"/>
-          </a:lnRef>
-          <a:fillRef idx="0">
-            <a:schemeClr val="accent1"/>
-          </a:fillRef>
-          <a:effectRef idx="0">
-            <a:schemeClr val="accent1"/>
-          </a:effectRef>
-          <a:fontRef idx="minor">
-            <a:schemeClr val="tx1"/>
-          </a:fontRef>
-        </p:style>
-        <p:txBody>
-          <a:bodyPr rtlCol="0" anchor="ctr"/>
-          <a:lstStyle/>
-          <a:p>
-            <a:pPr algn="ctr"/>
-            <a:endParaRPr lang="en-US" dirty="0"/>
-          </a:p>
-        </p:txBody>
-      </p:sp>
-      <p:sp>
-        <p:nvSpPr>
-          <p:cNvPr id="3" name="Content Placeholder 2">
-            <a:extLst>
-              <a:ext uri="{FF2B5EF4-FFF2-40B4-BE49-F238E27FC236}">
-                <a16:creationId xmlns:a16="http://schemas.microsoft.com/office/drawing/2014/main" id="{F51BAD8B-B5A4-45EC-8D70-503D57925D4D}"/>
-              </a:ext>
-            </a:extLst>
-          </p:cNvPr>
-          <p:cNvSpPr>
-            <a:spLocks noGrp="1"/>
-          </p:cNvSpPr>
-          <p:nvPr>
-            <p:ph idx="1"/>
-          </p:nvPr>
-        </p:nvSpPr>
-        <p:spPr>
-          <a:xfrm>
-            <a:off x="4447308" y="591344"/>
-            <a:ext cx="6906491" cy="5585619"/>
-          </a:xfrm>
-        </p:spPr>
-        <p:txBody>
-          <a:bodyPr anchor="ctr">
-            <a:normAutofit/>
-          </a:bodyPr>
-          <a:lstStyle/>
-          <a:p>
-            <a:r>
-              <a:rPr lang="en-US" sz="2000" dirty="0"/>
-              <a:t>This system will allow users to create forums and hide other’s posts.</a:t>
-            </a:r>
-          </a:p>
-          <a:p>
-            <a:pPr marL="0" indent="0">
-              <a:buNone/>
-            </a:pPr>
-            <a:endParaRPr lang="en-US" sz="2000" dirty="0"/>
-          </a:p>
-          <a:p>
-            <a:r>
-              <a:rPr lang="en-US" sz="2000" dirty="0"/>
-              <a:t>To become a community leader, you must do the following:</a:t>
-            </a:r>
-          </a:p>
-          <a:p>
-            <a:endParaRPr lang="en-US" sz="2000" dirty="0"/>
-          </a:p>
-          <a:p>
-            <a:pPr lvl="1">
-              <a:buFontTx/>
-              <a:buChar char="-"/>
-            </a:pPr>
-            <a:r>
-              <a:rPr lang="en-US" sz="2000" dirty="0"/>
-              <a:t>Users must be a member in that community</a:t>
-            </a:r>
-          </a:p>
-          <a:p>
-            <a:pPr marL="457200" lvl="1" indent="0">
-              <a:buNone/>
-            </a:pPr>
-            <a:endParaRPr lang="en-US" sz="2000" dirty="0"/>
-          </a:p>
-          <a:p>
-            <a:pPr lvl="1">
-              <a:buFontTx/>
-              <a:buChar char="-"/>
-            </a:pPr>
-            <a:r>
-              <a:rPr lang="en-US" sz="2000" dirty="0"/>
-              <a:t>Users must have more than 500 contribution points</a:t>
-            </a:r>
-          </a:p>
-          <a:p>
-            <a:pPr marL="457200" lvl="1" indent="0">
-              <a:buNone/>
-            </a:pPr>
-            <a:endParaRPr lang="en-US" sz="2000" dirty="0"/>
-          </a:p>
-          <a:p>
-            <a:pPr lvl="1">
-              <a:buFontTx/>
-              <a:buChar char="-"/>
-            </a:pPr>
-            <a:r>
-              <a:rPr lang="en-US" sz="2000" dirty="0"/>
-              <a:t>Users must upload more than 3 photos per week to maintain their role as a community leader</a:t>
-            </a:r>
-          </a:p>
-        </p:txBody>
-      </p:sp>
-    </p:spTree>
-    <p:extLst>
-      <p:ext uri="{BB962C8B-B14F-4D97-AF65-F5344CB8AC3E}">
-        <p14:creationId xmlns:p14="http://schemas.microsoft.com/office/powerpoint/2010/main" val="2641874379"/>
-      </p:ext>
-    </p:extLst>
-  </p:cSld>
-  <p:clrMapOvr>
-    <a:masterClrMapping/>
-  </p:clrMapOvr>
-</p:sld>
-</file>
-
-<file path=ppt/slides/slide7.xml><?xml version="1.0" encoding="utf-8"?>
-<p:sld xmlns:a="http://schemas.openxmlformats.org/drawingml/2006/main" xmlns:r="http://schemas.openxmlformats.org/officeDocument/2006/relationships" xmlns:p="http://schemas.openxmlformats.org/presentationml/2006/main">
-  <p:cSld>
-    <p:bg>
-      <p:bgPr>
-        <a:solidFill>
-          <a:schemeClr val="bg1"/>
-        </a:solidFill>
-        <a:effectLst/>
-      </p:bgPr>
-    </p:bg>
-    <p:spTree>
-      <p:nvGrpSpPr>
-        <p:cNvPr id="1" name=""/>
-        <p:cNvGrpSpPr/>
-        <p:nvPr/>
-      </p:nvGrpSpPr>
-      <p:grpSpPr>
-        <a:xfrm>
-          <a:off x="0" y="0"/>
-          <a:ext cx="0" cy="0"/>
-          <a:chOff x="0" y="0"/>
-          <a:chExt cx="0" cy="0"/>
-        </a:xfrm>
-      </p:grpSpPr>
-      <p:sp useBgFill="1">
-        <p:nvSpPr>
-          <p:cNvPr id="27" name="Rectangle 26">
-            <a:extLst>
-              <a:ext uri="{FF2B5EF4-FFF2-40B4-BE49-F238E27FC236}">
-                <a16:creationId xmlns:a16="http://schemas.microsoft.com/office/drawing/2014/main" id="{DB304A14-32D0-4873-B914-423ED7B8DAFD}"/>
-              </a:ext>
-              <a:ext uri="{C183D7F6-B498-43B3-948B-1728B52AA6E4}">
-                <adec:decorative xmlns:adec="http://schemas.microsoft.com/office/drawing/2017/decorative" val="1"/>
-              </a:ext>
-            </a:extLst>
-          </p:cNvPr>
-          <p:cNvSpPr>
-            <a:spLocks noGrp="1" noRot="1" noChangeAspect="1" noMove="1" noResize="1" noEditPoints="1" noAdjustHandles="1" noChangeArrowheads="1" noChangeShapeType="1" noTextEdit="1"/>
-          </p:cNvSpPr>
-          <p:nvPr>
-            <p:extLst>
-              <p:ext uri="{386F3935-93C4-4BCD-93E2-E3B085C9AB24}">
-                <p16:designElem xmlns:p16="http://schemas.microsoft.com/office/powerpoint/2015/main" val="1"/>
-              </p:ext>
-            </p:extLst>
-          </p:nvPr>
-        </p:nvSpPr>
-        <p:spPr bwMode="white">
-          <a:xfrm>
-            <a:off x="0" y="0"/>
-            <a:ext cx="12192000" cy="6858000"/>
-          </a:xfrm>
-          <a:prstGeom prst="rect">
-            <a:avLst/>
-          </a:prstGeom>
-          <a:ln>
-            <a:noFill/>
-          </a:ln>
-        </p:spPr>
-        <p:style>
-          <a:lnRef idx="2">
-            <a:schemeClr val="accent1">
-              <a:shade val="50000"/>
-            </a:schemeClr>
-          </a:lnRef>
-          <a:fillRef idx="1">
-            <a:schemeClr val="accent1"/>
-          </a:fillRef>
-          <a:effectRef idx="0">
-            <a:schemeClr val="accent1"/>
-          </a:effectRef>
-          <a:fontRef idx="minor">
-            <a:schemeClr val="lt1"/>
-          </a:fontRef>
-        </p:style>
-        <p:txBody>
-          <a:bodyPr rtlCol="0" anchor="ctr"/>
-          <a:lstStyle>
-            <a:defPPr>
-              <a:defRPr lang="en-US"/>
-            </a:defPPr>
-            <a:lvl1pPr marL="0" algn="l" defTabSz="914400" rtl="0" eaLnBrk="1" latinLnBrk="0" hangingPunct="1">
-              <a:defRPr sz="1800" kern="1200">
-                <a:solidFill>
-                  <a:schemeClr val="lt1"/>
-                </a:solidFill>
-                <a:latin typeface="+mn-lt"/>
-                <a:ea typeface="+mn-ea"/>
-                <a:cs typeface="+mn-cs"/>
-              </a:defRPr>
-            </a:lvl1pPr>
-            <a:lvl2pPr marL="457200" algn="l" defTabSz="914400" rtl="0" eaLnBrk="1" latinLnBrk="0" hangingPunct="1">
-              <a:defRPr sz="1800" kern="1200">
-                <a:solidFill>
-                  <a:schemeClr val="lt1"/>
-                </a:solidFill>
-                <a:latin typeface="+mn-lt"/>
-                <a:ea typeface="+mn-ea"/>
-                <a:cs typeface="+mn-cs"/>
-              </a:defRPr>
-            </a:lvl2pPr>
-            <a:lvl3pPr marL="914400" algn="l" defTabSz="914400" rtl="0" eaLnBrk="1" latinLnBrk="0" hangingPunct="1">
-              <a:defRPr sz="1800" kern="1200">
-                <a:solidFill>
-                  <a:schemeClr val="lt1"/>
-                </a:solidFill>
-                <a:latin typeface="+mn-lt"/>
-                <a:ea typeface="+mn-ea"/>
-                <a:cs typeface="+mn-cs"/>
-              </a:defRPr>
-            </a:lvl3pPr>
-            <a:lvl4pPr marL="1371600" algn="l" defTabSz="914400" rtl="0" eaLnBrk="1" latinLnBrk="0" hangingPunct="1">
-              <a:defRPr sz="1800" kern="1200">
-                <a:solidFill>
-                  <a:schemeClr val="lt1"/>
-                </a:solidFill>
-                <a:latin typeface="+mn-lt"/>
-                <a:ea typeface="+mn-ea"/>
-                <a:cs typeface="+mn-cs"/>
-              </a:defRPr>
-            </a:lvl4pPr>
-            <a:lvl5pPr marL="1828800" algn="l" defTabSz="914400" rtl="0" eaLnBrk="1" latinLnBrk="0" hangingPunct="1">
-              <a:defRPr sz="1800" kern="1200">
-                <a:solidFill>
-                  <a:schemeClr val="lt1"/>
-                </a:solidFill>
-                <a:latin typeface="+mn-lt"/>
-                <a:ea typeface="+mn-ea"/>
-                <a:cs typeface="+mn-cs"/>
-              </a:defRPr>
-            </a:lvl5pPr>
-            <a:lvl6pPr marL="2286000" algn="l" defTabSz="914400" rtl="0" eaLnBrk="1" latinLnBrk="0" hangingPunct="1">
-              <a:defRPr sz="1800" kern="1200">
-                <a:solidFill>
-                  <a:schemeClr val="lt1"/>
-                </a:solidFill>
-                <a:latin typeface="+mn-lt"/>
-                <a:ea typeface="+mn-ea"/>
-                <a:cs typeface="+mn-cs"/>
-              </a:defRPr>
-            </a:lvl6pPr>
-            <a:lvl7pPr marL="2743200" algn="l" defTabSz="914400" rtl="0" eaLnBrk="1" latinLnBrk="0" hangingPunct="1">
-              <a:defRPr sz="1800" kern="1200">
-                <a:solidFill>
-                  <a:schemeClr val="lt1"/>
-                </a:solidFill>
-                <a:latin typeface="+mn-lt"/>
-                <a:ea typeface="+mn-ea"/>
-                <a:cs typeface="+mn-cs"/>
-              </a:defRPr>
-            </a:lvl7pPr>
-            <a:lvl8pPr marL="3200400" algn="l" defTabSz="914400" rtl="0" eaLnBrk="1" latinLnBrk="0" hangingPunct="1">
-              <a:defRPr sz="1800" kern="1200">
-                <a:solidFill>
-                  <a:schemeClr val="lt1"/>
-                </a:solidFill>
-                <a:latin typeface="+mn-lt"/>
-                <a:ea typeface="+mn-ea"/>
-                <a:cs typeface="+mn-cs"/>
-              </a:defRPr>
-            </a:lvl8pPr>
-            <a:lvl9pPr marL="3657600" algn="l" defTabSz="914400" rtl="0" eaLnBrk="1" latinLnBrk="0" hangingPunct="1">
-              <a:defRPr sz="1800" kern="1200">
-                <a:solidFill>
-                  <a:schemeClr val="lt1"/>
-                </a:solidFill>
-                <a:latin typeface="+mn-lt"/>
-                <a:ea typeface="+mn-ea"/>
-                <a:cs typeface="+mn-cs"/>
-              </a:defRPr>
-            </a:lvl9pPr>
-          </a:lstStyle>
-          <a:p>
-            <a:pPr algn="ctr"/>
-            <a:endParaRPr lang="en-US"/>
-          </a:p>
-        </p:txBody>
-      </p:sp>
-      <p:sp>
-        <p:nvSpPr>
-          <p:cNvPr id="2" name="Title 1">
-            <a:extLst>
-              <a:ext uri="{FF2B5EF4-FFF2-40B4-BE49-F238E27FC236}">
-                <a16:creationId xmlns:a16="http://schemas.microsoft.com/office/drawing/2014/main" id="{FF1A8AEF-5425-4178-B713-F1287B82FB11}"/>
-              </a:ext>
-            </a:extLst>
-          </p:cNvPr>
-          <p:cNvSpPr>
-            <a:spLocks noGrp="1"/>
-          </p:cNvSpPr>
-          <p:nvPr>
-            <p:ph type="title"/>
-          </p:nvPr>
-        </p:nvSpPr>
-        <p:spPr>
-          <a:xfrm>
-            <a:off x="838200" y="365125"/>
-            <a:ext cx="5387502" cy="1325563"/>
-          </a:xfrm>
-        </p:spPr>
-        <p:txBody>
-          <a:bodyPr>
-            <a:normAutofit/>
-          </a:bodyPr>
-          <a:lstStyle/>
-          <a:p>
-            <a:r>
-              <a:rPr lang="en-US" sz="3600" dirty="0"/>
-              <a:t>Contribution System</a:t>
-            </a:r>
-            <a:br>
-              <a:rPr lang="en-US" sz="1400" dirty="0"/>
-            </a:br>
-            <a:r>
-              <a:rPr lang="en-US" sz="1400" dirty="0"/>
-              <a:t>A way for to calculate the contribution of each user. The contribution scores are used to determine levels, to be able to become a community leader, and for other users to see different scored users.</a:t>
-            </a:r>
-          </a:p>
-        </p:txBody>
-      </p:sp>
-      <p:pic>
-        <p:nvPicPr>
-          <p:cNvPr id="23" name="Picture 22">
-            <a:extLst>
-              <a:ext uri="{FF2B5EF4-FFF2-40B4-BE49-F238E27FC236}">
-                <a16:creationId xmlns:a16="http://schemas.microsoft.com/office/drawing/2014/main" id="{8150ED81-2237-4F2A-BFAB-46462E48E73D}"/>
+                <a16:creationId xmlns:a16="http://schemas.microsoft.com/office/drawing/2014/main" id="{C610CD2F-EC62-487B-895F-23CC5A2BAA51}"/>
               </a:ext>
             </a:extLst>
           </p:cNvPr>
@@ -23721,281 +25872,67 @@
           </p:cNvPicPr>
           <p:nvPr/>
         </p:nvPicPr>
-        <p:blipFill rotWithShape="1">
-          <a:blip r:embed="rId2"/>
-          <a:srcRect l="31942" r="1212" b="2"/>
-          <a:stretch/>
+        <p:blipFill>
+          <a:blip r:embed="rId2">
+            <a:extLst>
+              <a:ext uri="{28A0092B-C50C-407E-A947-70E740481C1C}">
+                <a14:useLocalDpi xmlns:a14="http://schemas.microsoft.com/office/drawing/2010/main" val="0"/>
+              </a:ext>
+            </a:extLst>
+          </a:blip>
+          <a:stretch>
+            <a:fillRect/>
+          </a:stretch>
         </p:blipFill>
         <p:spPr>
           <a:xfrm>
-            <a:off x="6621294" y="1295416"/>
-            <a:ext cx="5570706" cy="5562584"/>
+            <a:off x="4696270" y="643466"/>
+            <a:ext cx="2799460" cy="5571067"/>
           </a:xfrm>
-          <a:custGeom>
+          <a:prstGeom prst="rect">
             <a:avLst/>
-            <a:gdLst/>
-            <a:ahLst/>
-            <a:cxnLst/>
-            <a:rect l="l" t="t" r="r" b="b"/>
-            <a:pathLst>
-              <a:path w="5570706" h="5562584">
-                <a:moveTo>
-                  <a:pt x="3374687" y="0"/>
-                </a:moveTo>
-                <a:cubicBezTo>
-                  <a:pt x="4190094" y="0"/>
-                  <a:pt x="4937956" y="289196"/>
-                  <a:pt x="5521301" y="770615"/>
-                </a:cubicBezTo>
-                <a:lnTo>
-                  <a:pt x="5570706" y="815517"/>
-                </a:lnTo>
-                <a:lnTo>
-                  <a:pt x="5570706" y="5562584"/>
-                </a:lnTo>
-                <a:lnTo>
-                  <a:pt x="808135" y="5562584"/>
-                </a:lnTo>
-                <a:lnTo>
-                  <a:pt x="770615" y="5521302"/>
-                </a:lnTo>
-                <a:cubicBezTo>
-                  <a:pt x="289196" y="4937957"/>
-                  <a:pt x="0" y="4190095"/>
-                  <a:pt x="0" y="3374687"/>
-                </a:cubicBezTo>
-                <a:cubicBezTo>
-                  <a:pt x="0" y="1510899"/>
-                  <a:pt x="1510899" y="0"/>
-                  <a:pt x="3374687" y="0"/>
-                </a:cubicBezTo>
-                <a:close/>
-              </a:path>
-            </a:pathLst>
-          </a:custGeom>
+          </a:prstGeom>
         </p:spPr>
       </p:pic>
       <p:sp>
         <p:nvSpPr>
-          <p:cNvPr id="29" name="!!Oval">
+          <p:cNvPr id="11" name="TextBox 10">
             <a:extLst>
               <a:ext uri="{FF2B5EF4-FFF2-40B4-BE49-F238E27FC236}">
-                <a16:creationId xmlns:a16="http://schemas.microsoft.com/office/drawing/2014/main" id="{1D460C86-854F-4FB3-ABC2-E823D8FEB9DB}"/>
-              </a:ext>
-              <a:ext uri="{C183D7F6-B498-43B3-948B-1728B52AA6E4}">
-                <adec:decorative xmlns:adec="http://schemas.microsoft.com/office/drawing/2017/decorative" val="1"/>
+                <a16:creationId xmlns:a16="http://schemas.microsoft.com/office/drawing/2014/main" id="{CA831AC4-2626-4A98-8900-B3F6A2C267E1}"/>
               </a:ext>
             </a:extLst>
           </p:cNvPr>
-          <p:cNvSpPr>
-            <a:spLocks noGrp="1" noRot="1" noChangeAspect="1" noMove="1" noResize="1" noEditPoints="1" noAdjustHandles="1" noChangeArrowheads="1" noChangeShapeType="1" noTextEdit="1"/>
-          </p:cNvSpPr>
-          <p:nvPr>
-            <p:extLst>
-              <p:ext uri="{386F3935-93C4-4BCD-93E2-E3B085C9AB24}">
-                <p16:designElem xmlns:p16="http://schemas.microsoft.com/office/powerpoint/2015/main" val="1"/>
-              </p:ext>
-            </p:extLst>
-          </p:nvPr>
+          <p:cNvSpPr txBox="1"/>
+          <p:nvPr/>
         </p:nvSpPr>
         <p:spPr>
-          <a:xfrm>
-            <a:off x="6643451" y="1656147"/>
-            <a:ext cx="546100" cy="546100"/>
+          <a:xfrm rot="21119887">
+            <a:off x="3241947" y="1645915"/>
+            <a:ext cx="1837509" cy="369332"/>
           </a:xfrm>
-          <a:prstGeom prst="ellipse">
+          <a:prstGeom prst="rect">
             <a:avLst/>
           </a:prstGeom>
-          <a:solidFill>
-            <a:schemeClr val="accent1"/>
-          </a:solidFill>
-          <a:ln>
-            <a:noFill/>
-          </a:ln>
+          <a:noFill/>
         </p:spPr>
-        <p:style>
-          <a:lnRef idx="2">
-            <a:schemeClr val="accent1">
-              <a:shade val="50000"/>
-            </a:schemeClr>
-          </a:lnRef>
-          <a:fillRef idx="1">
-            <a:schemeClr val="accent1"/>
-          </a:fillRef>
-          <a:effectRef idx="0">
-            <a:schemeClr val="accent1"/>
-          </a:effectRef>
-          <a:fontRef idx="minor">
-            <a:schemeClr val="lt1"/>
-          </a:fontRef>
-        </p:style>
         <p:txBody>
-          <a:bodyPr rtlCol="0" anchor="ctr"/>
+          <a:bodyPr wrap="square" rtlCol="0">
+            <a:spAutoFit/>
+          </a:bodyPr>
           <a:lstStyle/>
           <a:p>
-            <a:pPr marL="0" marR="0" lvl="0" indent="0" algn="ctr" defTabSz="914400" rtl="0" eaLnBrk="1" fontAlgn="auto" latinLnBrk="0" hangingPunct="1">
-              <a:lnSpc>
-                <a:spcPct val="100000"/>
-              </a:lnSpc>
-              <a:spcBef>
-                <a:spcPts val="0"/>
-              </a:spcBef>
-              <a:spcAft>
-                <a:spcPts val="0"/>
-              </a:spcAft>
-              <a:buClrTx/>
-              <a:buSzTx/>
-              <a:buFontTx/>
-              <a:buNone/>
-              <a:tabLst/>
-              <a:defRPr/>
-            </a:pPr>
-            <a:endParaRPr kumimoji="0" lang="en-US" sz="1800" b="0" i="0" u="none" strike="noStrike" kern="1200" cap="none" spc="0" normalizeH="0" baseline="0" noProof="0">
-              <a:ln>
-                <a:noFill/>
-              </a:ln>
-              <a:solidFill>
-                <a:srgbClr val="FFFFFF"/>
-              </a:solidFill>
-              <a:effectLst/>
-              <a:uLnTx/>
-              <a:uFillTx/>
-              <a:latin typeface="Calibri" panose="020F0502020204030204"/>
-              <a:ea typeface="+mn-ea"/>
-              <a:cs typeface="+mn-cs"/>
-            </a:endParaRPr>
+            <a:r>
+              <a:rPr lang="en-US" dirty="0"/>
+              <a:t>Home Page</a:t>
+            </a:r>
           </a:p>
         </p:txBody>
       </p:sp>
-      <p:sp>
-        <p:nvSpPr>
-          <p:cNvPr id="31" name="!!Arc">
-            <a:extLst>
-              <a:ext uri="{FF2B5EF4-FFF2-40B4-BE49-F238E27FC236}">
-                <a16:creationId xmlns:a16="http://schemas.microsoft.com/office/drawing/2014/main" id="{BB48116A-278A-4CC5-89D3-9DE8E8FF1245}"/>
-              </a:ext>
-              <a:ext uri="{C183D7F6-B498-43B3-948B-1728B52AA6E4}">
-                <adec:decorative xmlns:adec="http://schemas.microsoft.com/office/drawing/2017/decorative" val="1"/>
-              </a:ext>
-            </a:extLst>
-          </p:cNvPr>
-          <p:cNvSpPr>
-            <a:spLocks noGrp="1" noRot="1" noChangeAspect="1" noMove="1" noResize="1" noEditPoints="1" noAdjustHandles="1" noChangeArrowheads="1" noChangeShapeType="1" noTextEdit="1"/>
-          </p:cNvSpPr>
-          <p:nvPr>
-            <p:extLst>
-              <p:ext uri="{386F3935-93C4-4BCD-93E2-E3B085C9AB24}">
-                <p16:designElem xmlns:p16="http://schemas.microsoft.com/office/powerpoint/2015/main" val="1"/>
-              </p:ext>
-            </p:extLst>
-          </p:nvPr>
-        </p:nvSpPr>
-        <p:spPr>
-          <a:xfrm>
-            <a:off x="8134739" y="587516"/>
-            <a:ext cx="2987899" cy="2987899"/>
-          </a:xfrm>
-          <a:prstGeom prst="arc">
-            <a:avLst>
-              <a:gd name="adj1" fmla="val 15817365"/>
-              <a:gd name="adj2" fmla="val 1781380"/>
-            </a:avLst>
-          </a:prstGeom>
-          <a:ln w="127000" cap="rnd">
-            <a:solidFill>
-              <a:schemeClr val="accent4"/>
-            </a:solidFill>
-            <a:prstDash val="dash"/>
-            <a:miter lim="800000"/>
-          </a:ln>
-        </p:spPr>
-        <p:style>
-          <a:lnRef idx="1">
-            <a:schemeClr val="accent1"/>
-          </a:lnRef>
-          <a:fillRef idx="0">
-            <a:schemeClr val="accent1"/>
-          </a:fillRef>
-          <a:effectRef idx="0">
-            <a:schemeClr val="accent1"/>
-          </a:effectRef>
-          <a:fontRef idx="minor">
-            <a:schemeClr val="tx1"/>
-          </a:fontRef>
-        </p:style>
-        <p:txBody>
-          <a:bodyPr rtlCol="0" anchor="ctr"/>
-          <a:lstStyle/>
-          <a:p>
-            <a:pPr marL="0" marR="0" lvl="0" indent="0" algn="ctr" defTabSz="914400" rtl="0" eaLnBrk="1" fontAlgn="auto" latinLnBrk="0" hangingPunct="1">
-              <a:lnSpc>
-                <a:spcPct val="100000"/>
-              </a:lnSpc>
-              <a:spcBef>
-                <a:spcPts val="0"/>
-              </a:spcBef>
-              <a:spcAft>
-                <a:spcPts val="0"/>
-              </a:spcAft>
-              <a:buClrTx/>
-              <a:buSzTx/>
-              <a:buFontTx/>
-              <a:buNone/>
-              <a:tabLst/>
-              <a:defRPr/>
-            </a:pPr>
-            <a:endParaRPr kumimoji="0" lang="en-US" sz="1800" b="0" i="0" u="none" strike="noStrike" kern="1200" cap="none" spc="0" normalizeH="0" baseline="0" noProof="0">
-              <a:ln>
-                <a:noFill/>
-              </a:ln>
-              <a:solidFill>
-                <a:srgbClr val="000000"/>
-              </a:solidFill>
-              <a:effectLst/>
-              <a:uLnTx/>
-              <a:uFillTx/>
-              <a:latin typeface="Calibri" panose="020F0502020204030204"/>
-              <a:ea typeface="+mn-ea"/>
-              <a:cs typeface="+mn-cs"/>
-            </a:endParaRPr>
-          </a:p>
-        </p:txBody>
-      </p:sp>
-      <p:graphicFrame>
-        <p:nvGraphicFramePr>
-          <p:cNvPr id="22" name="Content Placeholder 2">
-            <a:extLst>
-              <a:ext uri="{FF2B5EF4-FFF2-40B4-BE49-F238E27FC236}">
-                <a16:creationId xmlns:a16="http://schemas.microsoft.com/office/drawing/2014/main" id="{99293231-8B34-4E03-AD90-EE4DF1DF0FDE}"/>
-              </a:ext>
-            </a:extLst>
-          </p:cNvPr>
-          <p:cNvGraphicFramePr>
-            <a:graphicFrameLocks noGrp="1"/>
-          </p:cNvGraphicFramePr>
-          <p:nvPr>
-            <p:ph idx="1"/>
-            <p:extLst>
-              <p:ext uri="{D42A27DB-BD31-4B8C-83A1-F6EECF244321}">
-                <p14:modId xmlns:p14="http://schemas.microsoft.com/office/powerpoint/2010/main" val="2358433402"/>
-              </p:ext>
-            </p:extLst>
-          </p:nvPr>
-        </p:nvGraphicFramePr>
-        <p:xfrm>
-          <a:off x="838200" y="1825625"/>
-          <a:ext cx="5387502" cy="4351338"/>
-        </p:xfrm>
-        <a:graphic>
-          <a:graphicData uri="http://schemas.openxmlformats.org/drawingml/2006/diagram">
-            <dgm:relIds xmlns:dgm="http://schemas.openxmlformats.org/drawingml/2006/diagram" xmlns:r="http://schemas.openxmlformats.org/officeDocument/2006/relationships" r:dm="rId3" r:lo="rId4" r:qs="rId5" r:cs="rId6"/>
-          </a:graphicData>
-        </a:graphic>
-      </p:graphicFrame>
     </p:spTree>
     <p:extLst>
       <p:ext uri="{BB962C8B-B14F-4D97-AF65-F5344CB8AC3E}">
-        <p14:creationId xmlns:p14="http://schemas.microsoft.com/office/powerpoint/2010/main" val="127254504"/>
+        <p14:creationId xmlns:p14="http://schemas.microsoft.com/office/powerpoint/2010/main" val="1604338787"/>
       </p:ext>
     </p:extLst>
   </p:cSld>
@@ -24030,40 +25967,44 @@
           <a:chExt cx="0" cy="0"/>
         </a:xfrm>
       </p:grpSpPr>
-      <p:sp useBgFill="1">
+      <p:sp>
         <p:nvSpPr>
-          <p:cNvPr id="23" name="Rectangle 22">
+          <p:cNvPr id="6" name="Rectangle 5">
             <a:extLst>
               <a:ext uri="{FF2B5EF4-FFF2-40B4-BE49-F238E27FC236}">
-                <a16:creationId xmlns:a16="http://schemas.microsoft.com/office/drawing/2014/main" id="{91F32EBA-ED97-466E-8CFA-8382584155D0}"/>
-              </a:ext>
-              <a:ext uri="{C183D7F6-B498-43B3-948B-1728B52AA6E4}">
-                <adec:decorative xmlns:adec="http://schemas.microsoft.com/office/drawing/2017/decorative" val="1"/>
+                <a16:creationId xmlns:a16="http://schemas.microsoft.com/office/drawing/2014/main" id="{B2CD7A3F-F1B6-4845-A945-5F7116788F23}"/>
               </a:ext>
             </a:extLst>
           </p:cNvPr>
-          <p:cNvSpPr>
-            <a:spLocks noGrp="1" noRot="1" noChangeAspect="1" noMove="1" noResize="1" noEditPoints="1" noAdjustHandles="1" noChangeArrowheads="1" noChangeShapeType="1" noTextEdit="1"/>
-          </p:cNvSpPr>
-          <p:nvPr>
-            <p:extLst>
-              <p:ext uri="{386F3935-93C4-4BCD-93E2-E3B085C9AB24}">
-                <p16:designElem xmlns:p16="http://schemas.microsoft.com/office/powerpoint/2015/main" val="1"/>
-              </p:ext>
-            </p:extLst>
-          </p:nvPr>
+          <p:cNvSpPr/>
+          <p:nvPr/>
         </p:nvSpPr>
         <p:spPr>
           <a:xfrm>
-            <a:off x="0" y="0"/>
-            <a:ext cx="12192000" cy="6858000"/>
+            <a:off x="2870980" y="1638029"/>
+            <a:ext cx="2040156" cy="505098"/>
           </a:xfrm>
           <a:prstGeom prst="rect">
             <a:avLst/>
           </a:prstGeom>
+          <a:solidFill>
+            <a:schemeClr val="accent1">
+              <a:lumMod val="40000"/>
+              <a:lumOff val="60000"/>
+            </a:schemeClr>
+          </a:solidFill>
           <a:ln>
-            <a:noFill/>
+            <a:solidFill>
+              <a:schemeClr val="accent1">
+                <a:lumMod val="40000"/>
+                <a:lumOff val="60000"/>
+              </a:schemeClr>
+            </a:solidFill>
           </a:ln>
+          <a:scene3d>
+            <a:camera prst="isometricOffAxis1Right"/>
+            <a:lightRig rig="threePt" dir="t"/>
+          </a:scene3d>
         </p:spPr>
         <p:style>
           <a:lnRef idx="2">
@@ -24090,869 +26031,12 @@
           </a:p>
         </p:txBody>
       </p:sp>
-      <p:sp>
-        <p:nvSpPr>
-          <p:cNvPr id="2" name="Title 1">
+      <p:pic>
+        <p:nvPicPr>
+          <p:cNvPr id="3" name="Picture 2" descr="Graphical user interface&#10;&#10;Description automatically generated">
             <a:extLst>
               <a:ext uri="{FF2B5EF4-FFF2-40B4-BE49-F238E27FC236}">
-                <a16:creationId xmlns:a16="http://schemas.microsoft.com/office/drawing/2014/main" id="{CD46B66C-D4D3-4626-AA10-5B0D21EA8181}"/>
-              </a:ext>
-            </a:extLst>
-          </p:cNvPr>
-          <p:cNvSpPr>
-            <a:spLocks noGrp="1"/>
-          </p:cNvSpPr>
-          <p:nvPr>
-            <p:ph type="title"/>
-          </p:nvPr>
-        </p:nvSpPr>
-        <p:spPr>
-          <a:xfrm>
-            <a:off x="965199" y="851517"/>
-            <a:ext cx="5130795" cy="1461778"/>
-          </a:xfrm>
-        </p:spPr>
-        <p:txBody>
-          <a:bodyPr>
-            <a:normAutofit/>
-          </a:bodyPr>
-          <a:lstStyle/>
-          <a:p>
-            <a:r>
-              <a:rPr lang="en-US" sz="4000"/>
-              <a:t>Points System</a:t>
-            </a:r>
-            <a:br>
-              <a:rPr lang="en-US" sz="4000"/>
-            </a:br>
-            <a:r>
-              <a:rPr lang="en-US" sz="4000"/>
-              <a:t>Community &amp; Sections</a:t>
-            </a:r>
-          </a:p>
-        </p:txBody>
-      </p:sp>
-      <p:sp>
-        <p:nvSpPr>
-          <p:cNvPr id="3" name="Content Placeholder 2">
-            <a:extLst>
-              <a:ext uri="{FF2B5EF4-FFF2-40B4-BE49-F238E27FC236}">
-                <a16:creationId xmlns:a16="http://schemas.microsoft.com/office/drawing/2014/main" id="{ACAC6FB5-573F-46E1-8CE9-48F565F750F5}"/>
-              </a:ext>
-            </a:extLst>
-          </p:cNvPr>
-          <p:cNvSpPr>
-            <a:spLocks noGrp="1"/>
-          </p:cNvSpPr>
-          <p:nvPr>
-            <p:ph idx="1"/>
-          </p:nvPr>
-        </p:nvSpPr>
-        <p:spPr>
-          <a:xfrm>
-            <a:off x="965200" y="2470248"/>
-            <a:ext cx="4048344" cy="3536236"/>
-          </a:xfrm>
-        </p:spPr>
-        <p:txBody>
-          <a:bodyPr>
-            <a:normAutofit/>
-          </a:bodyPr>
-          <a:lstStyle/>
-          <a:p>
-            <a:r>
-              <a:rPr lang="en-US" sz="2200" dirty="0"/>
-              <a:t>The point system for communities and sections is on a 5-base scale</a:t>
-            </a:r>
-          </a:p>
-          <a:p>
-            <a:pPr marL="0" indent="0">
-              <a:buNone/>
-            </a:pPr>
-            <a:endParaRPr lang="en-US" sz="2200" dirty="0"/>
-          </a:p>
-        </p:txBody>
-      </p:sp>
-      <p:sp>
-        <p:nvSpPr>
-          <p:cNvPr id="25" name="Freeform: Shape 24">
-            <a:extLst>
-              <a:ext uri="{FF2B5EF4-FFF2-40B4-BE49-F238E27FC236}">
-                <a16:creationId xmlns:a16="http://schemas.microsoft.com/office/drawing/2014/main" id="{62A38935-BB53-4DF7-A56E-48DD25B685D7}"/>
-              </a:ext>
-              <a:ext uri="{C183D7F6-B498-43B3-948B-1728B52AA6E4}">
-                <adec:decorative xmlns:adec="http://schemas.microsoft.com/office/drawing/2017/decorative" val="1"/>
-              </a:ext>
-            </a:extLst>
-          </p:cNvPr>
-          <p:cNvSpPr>
-            <a:spLocks noGrp="1" noRot="1" noChangeAspect="1" noMove="1" noResize="1" noEditPoints="1" noAdjustHandles="1" noChangeArrowheads="1" noChangeShapeType="1" noTextEdit="1"/>
-          </p:cNvSpPr>
-          <p:nvPr>
-            <p:extLst>
-              <p:ext uri="{386F3935-93C4-4BCD-93E2-E3B085C9AB24}">
-                <p16:designElem xmlns:p16="http://schemas.microsoft.com/office/powerpoint/2015/main" val="1"/>
-              </p:ext>
-            </p:extLst>
-          </p:nvPr>
-        </p:nvSpPr>
-        <p:spPr>
-          <a:xfrm>
-            <a:off x="5510370" y="851518"/>
-            <a:ext cx="6184806" cy="5154967"/>
-          </a:xfrm>
-          <a:custGeom>
-            <a:avLst/>
-            <a:gdLst>
-              <a:gd name="connsiteX0" fmla="*/ 363179 w 6184806"/>
-              <a:gd name="connsiteY0" fmla="*/ 3125191 h 5154967"/>
-              <a:gd name="connsiteX1" fmla="*/ 898270 w 6184806"/>
-              <a:gd name="connsiteY1" fmla="*/ 3125191 h 5154967"/>
-              <a:gd name="connsiteX2" fmla="*/ 980326 w 6184806"/>
-              <a:gd name="connsiteY2" fmla="*/ 3173551 h 5154967"/>
-              <a:gd name="connsiteX3" fmla="*/ 1248448 w 6184806"/>
-              <a:gd name="connsiteY3" fmla="*/ 3635277 h 5154967"/>
-              <a:gd name="connsiteX4" fmla="*/ 1248448 w 6184806"/>
-              <a:gd name="connsiteY4" fmla="*/ 3729695 h 5154967"/>
-              <a:gd name="connsiteX5" fmla="*/ 980326 w 6184806"/>
-              <a:gd name="connsiteY5" fmla="*/ 4191421 h 5154967"/>
-              <a:gd name="connsiteX6" fmla="*/ 898270 w 6184806"/>
-              <a:gd name="connsiteY6" fmla="*/ 4239781 h 5154967"/>
-              <a:gd name="connsiteX7" fmla="*/ 363179 w 6184806"/>
-              <a:gd name="connsiteY7" fmla="*/ 4239781 h 5154967"/>
-              <a:gd name="connsiteX8" fmla="*/ 279969 w 6184806"/>
-              <a:gd name="connsiteY8" fmla="*/ 4191421 h 5154967"/>
-              <a:gd name="connsiteX9" fmla="*/ 13002 w 6184806"/>
-              <a:gd name="connsiteY9" fmla="*/ 3729695 h 5154967"/>
-              <a:gd name="connsiteX10" fmla="*/ 13002 w 6184806"/>
-              <a:gd name="connsiteY10" fmla="*/ 3635277 h 5154967"/>
-              <a:gd name="connsiteX11" fmla="*/ 279969 w 6184806"/>
-              <a:gd name="connsiteY11" fmla="*/ 3173551 h 5154967"/>
-              <a:gd name="connsiteX12" fmla="*/ 363179 w 6184806"/>
-              <a:gd name="connsiteY12" fmla="*/ 3125191 h 5154967"/>
-              <a:gd name="connsiteX13" fmla="*/ 2489721 w 6184806"/>
-              <a:gd name="connsiteY13" fmla="*/ 570035 h 5154967"/>
-              <a:gd name="connsiteX14" fmla="*/ 2764862 w 6184806"/>
-              <a:gd name="connsiteY14" fmla="*/ 570035 h 5154967"/>
-              <a:gd name="connsiteX15" fmla="*/ 2796959 w 6184806"/>
-              <a:gd name="connsiteY15" fmla="*/ 570035 h 5154967"/>
-              <a:gd name="connsiteX16" fmla="*/ 2827587 w 6184806"/>
-              <a:gd name="connsiteY16" fmla="*/ 622777 h 5154967"/>
-              <a:gd name="connsiteX17" fmla="*/ 2977604 w 6184806"/>
-              <a:gd name="connsiteY17" fmla="*/ 881117 h 5154967"/>
-              <a:gd name="connsiteX18" fmla="*/ 2977604 w 6184806"/>
-              <a:gd name="connsiteY18" fmla="*/ 1025720 h 5154967"/>
-              <a:gd name="connsiteX19" fmla="*/ 2566968 w 6184806"/>
-              <a:gd name="connsiteY19" fmla="*/ 1732863 h 5154967"/>
-              <a:gd name="connsiteX20" fmla="*/ 2441299 w 6184806"/>
-              <a:gd name="connsiteY20" fmla="*/ 1806927 h 5154967"/>
-              <a:gd name="connsiteX21" fmla="*/ 1621798 w 6184806"/>
-              <a:gd name="connsiteY21" fmla="*/ 1806927 h 5154967"/>
-              <a:gd name="connsiteX22" fmla="*/ 1583218 w 6184806"/>
-              <a:gd name="connsiteY22" fmla="*/ 1801802 h 5154967"/>
-              <a:gd name="connsiteX23" fmla="*/ 1556683 w 6184806"/>
-              <a:gd name="connsiteY23" fmla="*/ 1790677 h 5154967"/>
-              <a:gd name="connsiteX24" fmla="*/ 1572899 w 6184806"/>
-              <a:gd name="connsiteY24" fmla="*/ 1762631 h 5154967"/>
-              <a:gd name="connsiteX25" fmla="*/ 2147429 w 6184806"/>
-              <a:gd name="connsiteY25" fmla="*/ 768968 h 5154967"/>
-              <a:gd name="connsiteX26" fmla="*/ 2489721 w 6184806"/>
-              <a:gd name="connsiteY26" fmla="*/ 570035 h 5154967"/>
-              <a:gd name="connsiteX27" fmla="*/ 1573268 w 6184806"/>
-              <a:gd name="connsiteY27" fmla="*/ 0 h 5154967"/>
-              <a:gd name="connsiteX28" fmla="*/ 2497662 w 6184806"/>
-              <a:gd name="connsiteY28" fmla="*/ 0 h 5154967"/>
-              <a:gd name="connsiteX29" fmla="*/ 2639415 w 6184806"/>
-              <a:gd name="connsiteY29" fmla="*/ 83546 h 5154967"/>
-              <a:gd name="connsiteX30" fmla="*/ 2887862 w 6184806"/>
-              <a:gd name="connsiteY30" fmla="*/ 511387 h 5154967"/>
-              <a:gd name="connsiteX31" fmla="*/ 2915928 w 6184806"/>
-              <a:gd name="connsiteY31" fmla="*/ 559720 h 5154967"/>
-              <a:gd name="connsiteX32" fmla="*/ 2893844 w 6184806"/>
-              <a:gd name="connsiteY32" fmla="*/ 559720 h 5154967"/>
-              <a:gd name="connsiteX33" fmla="*/ 2789466 w 6184806"/>
-              <a:gd name="connsiteY33" fmla="*/ 559720 h 5154967"/>
-              <a:gd name="connsiteX34" fmla="*/ 2744122 w 6184806"/>
-              <a:gd name="connsiteY34" fmla="*/ 481634 h 5154967"/>
-              <a:gd name="connsiteX35" fmla="*/ 2570885 w 6184806"/>
-              <a:gd name="connsiteY35" fmla="*/ 183309 h 5154967"/>
-              <a:gd name="connsiteX36" fmla="*/ 2445216 w 6184806"/>
-              <a:gd name="connsiteY36" fmla="*/ 109244 h 5154967"/>
-              <a:gd name="connsiteX37" fmla="*/ 1625714 w 6184806"/>
-              <a:gd name="connsiteY37" fmla="*/ 109244 h 5154967"/>
-              <a:gd name="connsiteX38" fmla="*/ 1498276 w 6184806"/>
-              <a:gd name="connsiteY38" fmla="*/ 183309 h 5154967"/>
-              <a:gd name="connsiteX39" fmla="*/ 1089410 w 6184806"/>
-              <a:gd name="connsiteY39" fmla="*/ 890450 h 5154967"/>
-              <a:gd name="connsiteX40" fmla="*/ 1089410 w 6184806"/>
-              <a:gd name="connsiteY40" fmla="*/ 1035054 h 5154967"/>
-              <a:gd name="connsiteX41" fmla="*/ 1498276 w 6184806"/>
-              <a:gd name="connsiteY41" fmla="*/ 1742196 h 5154967"/>
-              <a:gd name="connsiteX42" fmla="*/ 1552039 w 6184806"/>
-              <a:gd name="connsiteY42" fmla="*/ 1796421 h 5154967"/>
-              <a:gd name="connsiteX43" fmla="*/ 1558260 w 6184806"/>
-              <a:gd name="connsiteY43" fmla="*/ 1799029 h 5154967"/>
-              <a:gd name="connsiteX44" fmla="*/ 1524911 w 6184806"/>
-              <a:gd name="connsiteY44" fmla="*/ 1856707 h 5154967"/>
-              <a:gd name="connsiteX45" fmla="*/ 1500108 w 6184806"/>
-              <a:gd name="connsiteY45" fmla="*/ 1899604 h 5154967"/>
-              <a:gd name="connsiteX46" fmla="*/ 1525834 w 6184806"/>
-              <a:gd name="connsiteY46" fmla="*/ 1910390 h 5154967"/>
-              <a:gd name="connsiteX47" fmla="*/ 1569352 w 6184806"/>
-              <a:gd name="connsiteY47" fmla="*/ 1916170 h 5154967"/>
-              <a:gd name="connsiteX48" fmla="*/ 2493745 w 6184806"/>
-              <a:gd name="connsiteY48" fmla="*/ 1916170 h 5154967"/>
-              <a:gd name="connsiteX49" fmla="*/ 2635498 w 6184806"/>
-              <a:gd name="connsiteY49" fmla="*/ 1832627 h 5154967"/>
-              <a:gd name="connsiteX50" fmla="*/ 3098693 w 6184806"/>
-              <a:gd name="connsiteY50" fmla="*/ 1034974 h 5154967"/>
-              <a:gd name="connsiteX51" fmla="*/ 3098693 w 6184806"/>
-              <a:gd name="connsiteY51" fmla="*/ 871863 h 5154967"/>
-              <a:gd name="connsiteX52" fmla="*/ 2945803 w 6184806"/>
-              <a:gd name="connsiteY52" fmla="*/ 608576 h 5154967"/>
-              <a:gd name="connsiteX53" fmla="*/ 2923422 w 6184806"/>
-              <a:gd name="connsiteY53" fmla="*/ 570035 h 5154967"/>
-              <a:gd name="connsiteX54" fmla="*/ 3027104 w 6184806"/>
-              <a:gd name="connsiteY54" fmla="*/ 570035 h 5154967"/>
-              <a:gd name="connsiteX55" fmla="*/ 4690846 w 6184806"/>
-              <a:gd name="connsiteY55" fmla="*/ 570035 h 5154967"/>
-              <a:gd name="connsiteX56" fmla="*/ 5028384 w 6184806"/>
-              <a:gd name="connsiteY56" fmla="*/ 768968 h 5154967"/>
-              <a:gd name="connsiteX57" fmla="*/ 6131323 w 6184806"/>
-              <a:gd name="connsiteY57" fmla="*/ 2668304 h 5154967"/>
-              <a:gd name="connsiteX58" fmla="*/ 6131323 w 6184806"/>
-              <a:gd name="connsiteY58" fmla="*/ 3056698 h 5154967"/>
-              <a:gd name="connsiteX59" fmla="*/ 5028384 w 6184806"/>
-              <a:gd name="connsiteY59" fmla="*/ 4956035 h 5154967"/>
-              <a:gd name="connsiteX60" fmla="*/ 4690846 w 6184806"/>
-              <a:gd name="connsiteY60" fmla="*/ 5154967 h 5154967"/>
-              <a:gd name="connsiteX61" fmla="*/ 2489721 w 6184806"/>
-              <a:gd name="connsiteY61" fmla="*/ 5154967 h 5154967"/>
-              <a:gd name="connsiteX62" fmla="*/ 2147429 w 6184806"/>
-              <a:gd name="connsiteY62" fmla="*/ 4956035 h 5154967"/>
-              <a:gd name="connsiteX63" fmla="*/ 1049243 w 6184806"/>
-              <a:gd name="connsiteY63" fmla="*/ 3056698 h 5154967"/>
-              <a:gd name="connsiteX64" fmla="*/ 1049243 w 6184806"/>
-              <a:gd name="connsiteY64" fmla="*/ 2668304 h 5154967"/>
-              <a:gd name="connsiteX65" fmla="*/ 1457007 w 6184806"/>
-              <a:gd name="connsiteY65" fmla="*/ 1963067 h 5154967"/>
-              <a:gd name="connsiteX66" fmla="*/ 1491373 w 6184806"/>
-              <a:gd name="connsiteY66" fmla="*/ 1903634 h 5154967"/>
-              <a:gd name="connsiteX67" fmla="*/ 1490164 w 6184806"/>
-              <a:gd name="connsiteY67" fmla="*/ 1903127 h 5154967"/>
-              <a:gd name="connsiteX68" fmla="*/ 1429519 w 6184806"/>
-              <a:gd name="connsiteY68" fmla="*/ 1841960 h 5154967"/>
-              <a:gd name="connsiteX69" fmla="*/ 968320 w 6184806"/>
-              <a:gd name="connsiteY69" fmla="*/ 1044307 h 5154967"/>
-              <a:gd name="connsiteX70" fmla="*/ 968320 w 6184806"/>
-              <a:gd name="connsiteY70" fmla="*/ 881196 h 5154967"/>
-              <a:gd name="connsiteX71" fmla="*/ 1429519 w 6184806"/>
-              <a:gd name="connsiteY71" fmla="*/ 83546 h 5154967"/>
-              <a:gd name="connsiteX72" fmla="*/ 1573268 w 6184806"/>
-              <a:gd name="connsiteY72" fmla="*/ 0 h 5154967"/>
-            </a:gdLst>
-            <a:ahLst/>
-            <a:cxnLst>
-              <a:cxn ang="0">
-                <a:pos x="connsiteX0" y="connsiteY0"/>
-              </a:cxn>
-              <a:cxn ang="0">
-                <a:pos x="connsiteX1" y="connsiteY1"/>
-              </a:cxn>
-              <a:cxn ang="0">
-                <a:pos x="connsiteX2" y="connsiteY2"/>
-              </a:cxn>
-              <a:cxn ang="0">
-                <a:pos x="connsiteX3" y="connsiteY3"/>
-              </a:cxn>
-              <a:cxn ang="0">
-                <a:pos x="connsiteX4" y="connsiteY4"/>
-              </a:cxn>
-              <a:cxn ang="0">
-                <a:pos x="connsiteX5" y="connsiteY5"/>
-              </a:cxn>
-              <a:cxn ang="0">
-                <a:pos x="connsiteX6" y="connsiteY6"/>
-              </a:cxn>
-              <a:cxn ang="0">
-                <a:pos x="connsiteX7" y="connsiteY7"/>
-              </a:cxn>
-              <a:cxn ang="0">
-                <a:pos x="connsiteX8" y="connsiteY8"/>
-              </a:cxn>
-              <a:cxn ang="0">
-                <a:pos x="connsiteX9" y="connsiteY9"/>
-              </a:cxn>
-              <a:cxn ang="0">
-                <a:pos x="connsiteX10" y="connsiteY10"/>
-              </a:cxn>
-              <a:cxn ang="0">
-                <a:pos x="connsiteX11" y="connsiteY11"/>
-              </a:cxn>
-              <a:cxn ang="0">
-                <a:pos x="connsiteX12" y="connsiteY12"/>
-              </a:cxn>
-              <a:cxn ang="0">
-                <a:pos x="connsiteX13" y="connsiteY13"/>
-              </a:cxn>
-              <a:cxn ang="0">
-                <a:pos x="connsiteX14" y="connsiteY14"/>
-              </a:cxn>
-              <a:cxn ang="0">
-                <a:pos x="connsiteX15" y="connsiteY15"/>
-              </a:cxn>
-              <a:cxn ang="0">
-                <a:pos x="connsiteX16" y="connsiteY16"/>
-              </a:cxn>
-              <a:cxn ang="0">
-                <a:pos x="connsiteX17" y="connsiteY17"/>
-              </a:cxn>
-              <a:cxn ang="0">
-                <a:pos x="connsiteX18" y="connsiteY18"/>
-              </a:cxn>
-              <a:cxn ang="0">
-                <a:pos x="connsiteX19" y="connsiteY19"/>
-              </a:cxn>
-              <a:cxn ang="0">
-                <a:pos x="connsiteX20" y="connsiteY20"/>
-              </a:cxn>
-              <a:cxn ang="0">
-                <a:pos x="connsiteX21" y="connsiteY21"/>
-              </a:cxn>
-              <a:cxn ang="0">
-                <a:pos x="connsiteX22" y="connsiteY22"/>
-              </a:cxn>
-              <a:cxn ang="0">
-                <a:pos x="connsiteX23" y="connsiteY23"/>
-              </a:cxn>
-              <a:cxn ang="0">
-                <a:pos x="connsiteX24" y="connsiteY24"/>
-              </a:cxn>
-              <a:cxn ang="0">
-                <a:pos x="connsiteX25" y="connsiteY25"/>
-              </a:cxn>
-              <a:cxn ang="0">
-                <a:pos x="connsiteX26" y="connsiteY26"/>
-              </a:cxn>
-              <a:cxn ang="0">
-                <a:pos x="connsiteX27" y="connsiteY27"/>
-              </a:cxn>
-              <a:cxn ang="0">
-                <a:pos x="connsiteX28" y="connsiteY28"/>
-              </a:cxn>
-              <a:cxn ang="0">
-                <a:pos x="connsiteX29" y="connsiteY29"/>
-              </a:cxn>
-              <a:cxn ang="0">
-                <a:pos x="connsiteX30" y="connsiteY30"/>
-              </a:cxn>
-              <a:cxn ang="0">
-                <a:pos x="connsiteX31" y="connsiteY31"/>
-              </a:cxn>
-              <a:cxn ang="0">
-                <a:pos x="connsiteX32" y="connsiteY32"/>
-              </a:cxn>
-              <a:cxn ang="0">
-                <a:pos x="connsiteX33" y="connsiteY33"/>
-              </a:cxn>
-              <a:cxn ang="0">
-                <a:pos x="connsiteX34" y="connsiteY34"/>
-              </a:cxn>
-              <a:cxn ang="0">
-                <a:pos x="connsiteX35" y="connsiteY35"/>
-              </a:cxn>
-              <a:cxn ang="0">
-                <a:pos x="connsiteX36" y="connsiteY36"/>
-              </a:cxn>
-              <a:cxn ang="0">
-                <a:pos x="connsiteX37" y="connsiteY37"/>
-              </a:cxn>
-              <a:cxn ang="0">
-                <a:pos x="connsiteX38" y="connsiteY38"/>
-              </a:cxn>
-              <a:cxn ang="0">
-                <a:pos x="connsiteX39" y="connsiteY39"/>
-              </a:cxn>
-              <a:cxn ang="0">
-                <a:pos x="connsiteX40" y="connsiteY40"/>
-              </a:cxn>
-              <a:cxn ang="0">
-                <a:pos x="connsiteX41" y="connsiteY41"/>
-              </a:cxn>
-              <a:cxn ang="0">
-                <a:pos x="connsiteX42" y="connsiteY42"/>
-              </a:cxn>
-              <a:cxn ang="0">
-                <a:pos x="connsiteX43" y="connsiteY43"/>
-              </a:cxn>
-              <a:cxn ang="0">
-                <a:pos x="connsiteX44" y="connsiteY44"/>
-              </a:cxn>
-              <a:cxn ang="0">
-                <a:pos x="connsiteX45" y="connsiteY45"/>
-              </a:cxn>
-              <a:cxn ang="0">
-                <a:pos x="connsiteX46" y="connsiteY46"/>
-              </a:cxn>
-              <a:cxn ang="0">
-                <a:pos x="connsiteX47" y="connsiteY47"/>
-              </a:cxn>
-              <a:cxn ang="0">
-                <a:pos x="connsiteX48" y="connsiteY48"/>
-              </a:cxn>
-              <a:cxn ang="0">
-                <a:pos x="connsiteX49" y="connsiteY49"/>
-              </a:cxn>
-              <a:cxn ang="0">
-                <a:pos x="connsiteX50" y="connsiteY50"/>
-              </a:cxn>
-              <a:cxn ang="0">
-                <a:pos x="connsiteX51" y="connsiteY51"/>
-              </a:cxn>
-              <a:cxn ang="0">
-                <a:pos x="connsiteX52" y="connsiteY52"/>
-              </a:cxn>
-              <a:cxn ang="0">
-                <a:pos x="connsiteX53" y="connsiteY53"/>
-              </a:cxn>
-              <a:cxn ang="0">
-                <a:pos x="connsiteX54" y="connsiteY54"/>
-              </a:cxn>
-              <a:cxn ang="0">
-                <a:pos x="connsiteX55" y="connsiteY55"/>
-              </a:cxn>
-              <a:cxn ang="0">
-                <a:pos x="connsiteX56" y="connsiteY56"/>
-              </a:cxn>
-              <a:cxn ang="0">
-                <a:pos x="connsiteX57" y="connsiteY57"/>
-              </a:cxn>
-              <a:cxn ang="0">
-                <a:pos x="connsiteX58" y="connsiteY58"/>
-              </a:cxn>
-              <a:cxn ang="0">
-                <a:pos x="connsiteX59" y="connsiteY59"/>
-              </a:cxn>
-              <a:cxn ang="0">
-                <a:pos x="connsiteX60" y="connsiteY60"/>
-              </a:cxn>
-              <a:cxn ang="0">
-                <a:pos x="connsiteX61" y="connsiteY61"/>
-              </a:cxn>
-              <a:cxn ang="0">
-                <a:pos x="connsiteX62" y="connsiteY62"/>
-              </a:cxn>
-              <a:cxn ang="0">
-                <a:pos x="connsiteX63" y="connsiteY63"/>
-              </a:cxn>
-              <a:cxn ang="0">
-                <a:pos x="connsiteX64" y="connsiteY64"/>
-              </a:cxn>
-              <a:cxn ang="0">
-                <a:pos x="connsiteX65" y="connsiteY65"/>
-              </a:cxn>
-              <a:cxn ang="0">
-                <a:pos x="connsiteX66" y="connsiteY66"/>
-              </a:cxn>
-              <a:cxn ang="0">
-                <a:pos x="connsiteX67" y="connsiteY67"/>
-              </a:cxn>
-              <a:cxn ang="0">
-                <a:pos x="connsiteX68" y="connsiteY68"/>
-              </a:cxn>
-              <a:cxn ang="0">
-                <a:pos x="connsiteX69" y="connsiteY69"/>
-              </a:cxn>
-              <a:cxn ang="0">
-                <a:pos x="connsiteX70" y="connsiteY70"/>
-              </a:cxn>
-              <a:cxn ang="0">
-                <a:pos x="connsiteX71" y="connsiteY71"/>
-              </a:cxn>
-              <a:cxn ang="0">
-                <a:pos x="connsiteX72" y="connsiteY72"/>
-              </a:cxn>
-            </a:cxnLst>
-            <a:rect l="l" t="t" r="r" b="b"/>
-            <a:pathLst>
-              <a:path w="6184806" h="5154967">
-                <a:moveTo>
-                  <a:pt x="363179" y="3125191"/>
-                </a:moveTo>
-                <a:cubicBezTo>
-                  <a:pt x="363179" y="3125191"/>
-                  <a:pt x="363179" y="3125191"/>
-                  <a:pt x="898270" y="3125191"/>
-                </a:cubicBezTo>
-                <a:cubicBezTo>
-                  <a:pt x="931786" y="3125191"/>
-                  <a:pt x="964145" y="3143614"/>
-                  <a:pt x="980326" y="3173551"/>
-                </a:cubicBezTo>
-                <a:cubicBezTo>
-                  <a:pt x="980326" y="3173551"/>
-                  <a:pt x="980326" y="3173551"/>
-                  <a:pt x="1248448" y="3635277"/>
-                </a:cubicBezTo>
-                <a:cubicBezTo>
-                  <a:pt x="1265784" y="3664063"/>
-                  <a:pt x="1265784" y="3700909"/>
-                  <a:pt x="1248448" y="3729695"/>
-                </a:cubicBezTo>
-                <a:cubicBezTo>
-                  <a:pt x="1248448" y="3729695"/>
-                  <a:pt x="1248448" y="3729695"/>
-                  <a:pt x="980326" y="4191421"/>
-                </a:cubicBezTo>
-                <a:cubicBezTo>
-                  <a:pt x="964145" y="4221358"/>
-                  <a:pt x="931786" y="4239781"/>
-                  <a:pt x="898270" y="4239781"/>
-                </a:cubicBezTo>
-                <a:cubicBezTo>
-                  <a:pt x="898270" y="4239781"/>
-                  <a:pt x="898270" y="4239781"/>
-                  <a:pt x="363179" y="4239781"/>
-                </a:cubicBezTo>
-                <a:cubicBezTo>
-                  <a:pt x="328508" y="4239781"/>
-                  <a:pt x="297305" y="4221358"/>
-                  <a:pt x="279969" y="4191421"/>
-                </a:cubicBezTo>
-                <a:cubicBezTo>
-                  <a:pt x="279969" y="4191421"/>
-                  <a:pt x="279969" y="4191421"/>
-                  <a:pt x="13002" y="3729695"/>
-                </a:cubicBezTo>
-                <a:cubicBezTo>
-                  <a:pt x="-4334" y="3700909"/>
-                  <a:pt x="-4334" y="3664063"/>
-                  <a:pt x="13002" y="3635277"/>
-                </a:cubicBezTo>
-                <a:cubicBezTo>
-                  <a:pt x="13002" y="3635277"/>
-                  <a:pt x="13002" y="3635277"/>
-                  <a:pt x="279969" y="3173551"/>
-                </a:cubicBezTo>
-                <a:cubicBezTo>
-                  <a:pt x="297305" y="3143614"/>
-                  <a:pt x="328508" y="3125191"/>
-                  <a:pt x="363179" y="3125191"/>
-                </a:cubicBezTo>
-                <a:close/>
-                <a:moveTo>
-                  <a:pt x="2489721" y="570035"/>
-                </a:moveTo>
-                <a:cubicBezTo>
-                  <a:pt x="2489721" y="570035"/>
-                  <a:pt x="2489721" y="570035"/>
-                  <a:pt x="2764862" y="570035"/>
-                </a:cubicBezTo>
-                <a:lnTo>
-                  <a:pt x="2796959" y="570035"/>
-                </a:lnTo>
-                <a:lnTo>
-                  <a:pt x="2827587" y="622777"/>
-                </a:lnTo>
-                <a:cubicBezTo>
-                  <a:pt x="2870233" y="696217"/>
-                  <a:pt x="2919858" y="781675"/>
-                  <a:pt x="2977604" y="881117"/>
-                </a:cubicBezTo>
-                <a:cubicBezTo>
-                  <a:pt x="3004153" y="925204"/>
-                  <a:pt x="3004153" y="981634"/>
-                  <a:pt x="2977604" y="1025720"/>
-                </a:cubicBezTo>
-                <a:cubicBezTo>
-                  <a:pt x="2977604" y="1025720"/>
-                  <a:pt x="2977604" y="1025720"/>
-                  <a:pt x="2566968" y="1732863"/>
-                </a:cubicBezTo>
-                <a:cubicBezTo>
-                  <a:pt x="2542188" y="1778712"/>
-                  <a:pt x="2492629" y="1806927"/>
-                  <a:pt x="2441299" y="1806927"/>
-                </a:cubicBezTo>
-                <a:cubicBezTo>
-                  <a:pt x="2441299" y="1806927"/>
-                  <a:pt x="2441299" y="1806927"/>
-                  <a:pt x="1621798" y="1806927"/>
-                </a:cubicBezTo>
-                <a:cubicBezTo>
-                  <a:pt x="1608523" y="1806927"/>
-                  <a:pt x="1595580" y="1805163"/>
-                  <a:pt x="1583218" y="1801802"/>
-                </a:cubicBezTo>
-                <a:lnTo>
-                  <a:pt x="1556683" y="1790677"/>
-                </a:lnTo>
-                <a:lnTo>
-                  <a:pt x="1572899" y="1762631"/>
-                </a:lnTo>
-                <a:cubicBezTo>
-                  <a:pt x="1719523" y="1509042"/>
-                  <a:pt x="1907201" y="1184448"/>
-                  <a:pt x="2147429" y="768968"/>
-                </a:cubicBezTo>
-                <a:cubicBezTo>
-                  <a:pt x="2218739" y="645819"/>
-                  <a:pt x="2347099" y="570035"/>
-                  <a:pt x="2489721" y="570035"/>
-                </a:cubicBezTo>
-                <a:close/>
-                <a:moveTo>
-                  <a:pt x="1573268" y="0"/>
-                </a:moveTo>
-                <a:cubicBezTo>
-                  <a:pt x="1573268" y="0"/>
-                  <a:pt x="1573268" y="0"/>
-                  <a:pt x="2497662" y="0"/>
-                </a:cubicBezTo>
-                <a:cubicBezTo>
-                  <a:pt x="2555561" y="0"/>
-                  <a:pt x="2611463" y="31828"/>
-                  <a:pt x="2639415" y="83546"/>
-                </a:cubicBezTo>
-                <a:cubicBezTo>
-                  <a:pt x="2639415" y="83546"/>
-                  <a:pt x="2639415" y="83546"/>
-                  <a:pt x="2887862" y="511387"/>
-                </a:cubicBezTo>
-                <a:lnTo>
-                  <a:pt x="2915928" y="559720"/>
-                </a:lnTo>
-                <a:lnTo>
-                  <a:pt x="2893844" y="559720"/>
-                </a:lnTo>
-                <a:lnTo>
-                  <a:pt x="2789466" y="559720"/>
-                </a:lnTo>
-                <a:lnTo>
-                  <a:pt x="2744122" y="481634"/>
-                </a:lnTo>
-                <a:cubicBezTo>
-                  <a:pt x="2570885" y="183309"/>
-                  <a:pt x="2570885" y="183309"/>
-                  <a:pt x="2570885" y="183309"/>
-                </a:cubicBezTo>
-                <a:cubicBezTo>
-                  <a:pt x="2546104" y="137459"/>
-                  <a:pt x="2496545" y="109244"/>
-                  <a:pt x="2445216" y="109244"/>
-                </a:cubicBezTo>
-                <a:cubicBezTo>
-                  <a:pt x="1625714" y="109244"/>
-                  <a:pt x="1625714" y="109244"/>
-                  <a:pt x="1625714" y="109244"/>
-                </a:cubicBezTo>
-                <a:cubicBezTo>
-                  <a:pt x="1572615" y="109244"/>
-                  <a:pt x="1524825" y="137459"/>
-                  <a:pt x="1498276" y="183309"/>
-                </a:cubicBezTo>
-                <a:cubicBezTo>
-                  <a:pt x="1089410" y="890450"/>
-                  <a:pt x="1089410" y="890450"/>
-                  <a:pt x="1089410" y="890450"/>
-                </a:cubicBezTo>
-                <a:cubicBezTo>
-                  <a:pt x="1062860" y="934537"/>
-                  <a:pt x="1062860" y="990968"/>
-                  <a:pt x="1089410" y="1035054"/>
-                </a:cubicBezTo>
-                <a:cubicBezTo>
-                  <a:pt x="1498276" y="1742196"/>
-                  <a:pt x="1498276" y="1742196"/>
-                  <a:pt x="1498276" y="1742196"/>
-                </a:cubicBezTo>
-                <a:cubicBezTo>
-                  <a:pt x="1511551" y="1765121"/>
-                  <a:pt x="1530135" y="1783637"/>
-                  <a:pt x="1552039" y="1796421"/>
-                </a:cubicBezTo>
-                <a:lnTo>
-                  <a:pt x="1558260" y="1799029"/>
-                </a:lnTo>
-                <a:lnTo>
-                  <a:pt x="1524911" y="1856707"/>
-                </a:lnTo>
-                <a:lnTo>
-                  <a:pt x="1500108" y="1899604"/>
-                </a:lnTo>
-                <a:lnTo>
-                  <a:pt x="1525834" y="1910390"/>
-                </a:lnTo>
-                <a:cubicBezTo>
-                  <a:pt x="1539779" y="1914181"/>
-                  <a:pt x="1554378" y="1916170"/>
-                  <a:pt x="1569352" y="1916170"/>
-                </a:cubicBezTo>
-                <a:cubicBezTo>
-                  <a:pt x="2493745" y="1916170"/>
-                  <a:pt x="2493745" y="1916170"/>
-                  <a:pt x="2493745" y="1916170"/>
-                </a:cubicBezTo>
-                <a:cubicBezTo>
-                  <a:pt x="2551645" y="1916170"/>
-                  <a:pt x="2607546" y="1884345"/>
-                  <a:pt x="2635498" y="1832627"/>
-                </a:cubicBezTo>
-                <a:cubicBezTo>
-                  <a:pt x="3098693" y="1034974"/>
-                  <a:pt x="3098693" y="1034974"/>
-                  <a:pt x="3098693" y="1034974"/>
-                </a:cubicBezTo>
-                <a:cubicBezTo>
-                  <a:pt x="3128641" y="985246"/>
-                  <a:pt x="3128641" y="921593"/>
-                  <a:pt x="3098693" y="871863"/>
-                </a:cubicBezTo>
-                <a:cubicBezTo>
-                  <a:pt x="3040794" y="772157"/>
-                  <a:pt x="2990132" y="684914"/>
-                  <a:pt x="2945803" y="608576"/>
-                </a:cubicBezTo>
-                <a:lnTo>
-                  <a:pt x="2923422" y="570035"/>
-                </a:lnTo>
-                <a:lnTo>
-                  <a:pt x="3027104" y="570035"/>
-                </a:lnTo>
-                <a:cubicBezTo>
-                  <a:pt x="3349535" y="570035"/>
-                  <a:pt x="3865424" y="570035"/>
-                  <a:pt x="4690846" y="570035"/>
-                </a:cubicBezTo>
-                <a:cubicBezTo>
-                  <a:pt x="4828714" y="570035"/>
-                  <a:pt x="4961827" y="645819"/>
-                  <a:pt x="5028384" y="768968"/>
-                </a:cubicBezTo>
-                <a:cubicBezTo>
-                  <a:pt x="5028384" y="768968"/>
-                  <a:pt x="5028384" y="768968"/>
-                  <a:pt x="6131323" y="2668304"/>
-                </a:cubicBezTo>
-                <a:cubicBezTo>
-                  <a:pt x="6202634" y="2786717"/>
-                  <a:pt x="6202634" y="2938285"/>
-                  <a:pt x="6131323" y="3056698"/>
-                </a:cubicBezTo>
-                <a:cubicBezTo>
-                  <a:pt x="6131323" y="3056698"/>
-                  <a:pt x="6131323" y="3056698"/>
-                  <a:pt x="5028384" y="4956035"/>
-                </a:cubicBezTo>
-                <a:cubicBezTo>
-                  <a:pt x="4961827" y="5079184"/>
-                  <a:pt x="4828714" y="5154967"/>
-                  <a:pt x="4690846" y="5154967"/>
-                </a:cubicBezTo>
-                <a:cubicBezTo>
-                  <a:pt x="4690846" y="5154967"/>
-                  <a:pt x="4690846" y="5154967"/>
-                  <a:pt x="2489721" y="5154967"/>
-                </a:cubicBezTo>
-                <a:cubicBezTo>
-                  <a:pt x="2347099" y="5154967"/>
-                  <a:pt x="2218739" y="5079184"/>
-                  <a:pt x="2147429" y="4956035"/>
-                </a:cubicBezTo>
-                <a:cubicBezTo>
-                  <a:pt x="2147429" y="4956035"/>
-                  <a:pt x="2147429" y="4956035"/>
-                  <a:pt x="1049243" y="3056698"/>
-                </a:cubicBezTo>
-                <a:cubicBezTo>
-                  <a:pt x="977932" y="2938285"/>
-                  <a:pt x="977932" y="2786717"/>
-                  <a:pt x="1049243" y="2668304"/>
-                </a:cubicBezTo>
-                <a:cubicBezTo>
-                  <a:pt x="1049243" y="2668304"/>
-                  <a:pt x="1049243" y="2668304"/>
-                  <a:pt x="1457007" y="1963067"/>
-                </a:cubicBezTo>
-                <a:lnTo>
-                  <a:pt x="1491373" y="1903634"/>
-                </a:lnTo>
-                <a:lnTo>
-                  <a:pt x="1490164" y="1903127"/>
-                </a:lnTo>
-                <a:cubicBezTo>
-                  <a:pt x="1465456" y="1888705"/>
-                  <a:pt x="1444493" y="1867820"/>
-                  <a:pt x="1429519" y="1841960"/>
-                </a:cubicBezTo>
-                <a:cubicBezTo>
-                  <a:pt x="1429519" y="1841960"/>
-                  <a:pt x="1429519" y="1841960"/>
-                  <a:pt x="968320" y="1044307"/>
-                </a:cubicBezTo>
-                <a:cubicBezTo>
-                  <a:pt x="938371" y="994579"/>
-                  <a:pt x="938371" y="930926"/>
-                  <a:pt x="968320" y="881196"/>
-                </a:cubicBezTo>
-                <a:cubicBezTo>
-                  <a:pt x="968320" y="881196"/>
-                  <a:pt x="968320" y="881196"/>
-                  <a:pt x="1429519" y="83546"/>
-                </a:cubicBezTo>
-                <a:cubicBezTo>
-                  <a:pt x="1459466" y="31828"/>
-                  <a:pt x="1513373" y="0"/>
-                  <a:pt x="1573268" y="0"/>
-                </a:cubicBezTo>
-                <a:close/>
-              </a:path>
-            </a:pathLst>
-          </a:custGeom>
-          <a:solidFill>
-            <a:schemeClr val="tx1">
-              <a:lumMod val="50000"/>
-              <a:lumOff val="50000"/>
-              <a:alpha val="15000"/>
-            </a:schemeClr>
-          </a:solidFill>
-          <a:ln>
-            <a:noFill/>
-          </a:ln>
-        </p:spPr>
-        <p:style>
-          <a:lnRef idx="2">
-            <a:schemeClr val="accent1">
-              <a:shade val="50000"/>
-            </a:schemeClr>
-          </a:lnRef>
-          <a:fillRef idx="1">
-            <a:schemeClr val="accent1"/>
-          </a:fillRef>
-          <a:effectRef idx="0">
-            <a:schemeClr val="accent1"/>
-          </a:effectRef>
-          <a:fontRef idx="minor">
-            <a:schemeClr val="lt1"/>
-          </a:fontRef>
-        </p:style>
-        <p:txBody>
-          <a:bodyPr wrap="square" rtlCol="0" anchor="ctr">
-            <a:noAutofit/>
-          </a:bodyPr>
-          <a:lstStyle/>
-          <a:p>
-            <a:pPr algn="ctr"/>
-            <a:endParaRPr lang="en-US"/>
-          </a:p>
-        </p:txBody>
-      </p:sp>
-      <p:pic>
-        <p:nvPicPr>
-          <p:cNvPr id="5" name="Picture 4" descr="Icon&#10;&#10;Description automatically generated">
-            <a:extLst>
-              <a:ext uri="{FF2B5EF4-FFF2-40B4-BE49-F238E27FC236}">
-                <a16:creationId xmlns:a16="http://schemas.microsoft.com/office/drawing/2014/main" id="{17627709-347B-487B-834C-B2D4EADE65BF}"/>
+                <a16:creationId xmlns:a16="http://schemas.microsoft.com/office/drawing/2014/main" id="{E2F3B994-D966-409B-A5E2-DC9317D6B408}"/>
               </a:ext>
             </a:extLst>
           </p:cNvPr>
@@ -24964,26 +26048,6 @@
         <p:blipFill>
           <a:blip r:embed="rId2">
             <a:extLst>
-              <a:ext uri="{BEBA8EAE-BF5A-486C-A8C5-ECC9F3942E4B}">
-                <a14:imgProps xmlns:a14="http://schemas.microsoft.com/office/drawing/2010/main">
-                  <a14:imgLayer r:embed="rId3">
-                    <a14:imgEffect>
-                      <a14:backgroundRemoval t="10000" b="90000" l="10000" r="90000">
-                        <a14:foregroundMark x1="28415" y1="32667" x2="28415" y2="32667"/>
-                        <a14:foregroundMark x1="24634" y1="21200" x2="24634" y2="21200"/>
-                        <a14:foregroundMark x1="24390" y1="22533" x2="24390" y2="22533"/>
-                        <a14:foregroundMark x1="24390" y1="50933" x2="24390" y2="50933"/>
-                        <a14:foregroundMark x1="24390" y1="72267" x2="24390" y2="72267"/>
-                        <a14:foregroundMark x1="50976" y1="47867" x2="50976" y2="47867"/>
-                        <a14:foregroundMark x1="47073" y1="28400" x2="47073" y2="28400"/>
-                        <a14:foregroundMark x1="70244" y1="21733" x2="70244" y2="21733"/>
-                        <a14:foregroundMark x1="82195" y1="48533" x2="82439" y2="48800"/>
-                        <a14:foregroundMark x1="60610" y1="65067" x2="60610" y2="65067"/>
-                      </a14:backgroundRemoval>
-                    </a14:imgEffect>
-                  </a14:imgLayer>
-                </a14:imgProps>
-              </a:ext>
               <a:ext uri="{28A0092B-C50C-407E-A947-70E740481C1C}">
                 <a14:useLocalDpi xmlns:a14="http://schemas.microsoft.com/office/drawing/2010/main" val="0"/>
               </a:ext>
@@ -24995,18 +26059,53 @@
         </p:blipFill>
         <p:spPr>
           <a:xfrm>
-            <a:off x="7535330" y="2242795"/>
-            <a:ext cx="3217333" cy="2942682"/>
+            <a:off x="4703233" y="643466"/>
+            <a:ext cx="2785533" cy="5571067"/>
           </a:xfrm>
           <a:prstGeom prst="rect">
             <a:avLst/>
           </a:prstGeom>
         </p:spPr>
       </p:pic>
+      <p:sp>
+        <p:nvSpPr>
+          <p:cNvPr id="7" name="TextBox 6">
+            <a:extLst>
+              <a:ext uri="{FF2B5EF4-FFF2-40B4-BE49-F238E27FC236}">
+                <a16:creationId xmlns:a16="http://schemas.microsoft.com/office/drawing/2014/main" id="{A4505D86-58A0-4659-BDD3-911D3CD6765B}"/>
+              </a:ext>
+            </a:extLst>
+          </p:cNvPr>
+          <p:cNvSpPr txBox="1"/>
+          <p:nvPr/>
+        </p:nvSpPr>
+        <p:spPr>
+          <a:xfrm rot="21119887">
+            <a:off x="3189693" y="1654624"/>
+            <a:ext cx="1837509" cy="369332"/>
+          </a:xfrm>
+          <a:prstGeom prst="rect">
+            <a:avLst/>
+          </a:prstGeom>
+          <a:noFill/>
+        </p:spPr>
+        <p:txBody>
+          <a:bodyPr wrap="square" rtlCol="0">
+            <a:spAutoFit/>
+          </a:bodyPr>
+          <a:lstStyle/>
+          <a:p>
+            <a:r>
+              <a:rPr lang="en-US" dirty="0"/>
+              <a:t>Identify Page</a:t>
+            </a:r>
+          </a:p>
+        </p:txBody>
+      </p:sp>
     </p:spTree>
     <p:extLst>
       <p:ext uri="{BB962C8B-B14F-4D97-AF65-F5344CB8AC3E}">
-        <p14:creationId xmlns:p14="http://schemas.microsoft.com/office/powerpoint/2010/main" val="4020103946"/>
+        <p14:creationId xmlns:p14="http://schemas.microsoft.com/office/powerpoint/2010/main" val="2546633179"/>
       </p:ext>
     </p:extLst>
   </p:cSld>
@@ -25019,14 +26118,6 @@
 <file path=ppt/slides/slide9.xml><?xml version="1.0" encoding="utf-8"?>
 <p:sld xmlns:a="http://schemas.openxmlformats.org/drawingml/2006/main" xmlns:r="http://schemas.openxmlformats.org/officeDocument/2006/relationships" xmlns:p="http://schemas.openxmlformats.org/presentationml/2006/main">
   <p:cSld>
-    <p:bg>
-      <p:bgPr>
-        <a:solidFill>
-          <a:schemeClr val="bg1"/>
-        </a:solidFill>
-        <a:effectLst/>
-      </p:bgPr>
-    </p:bg>
     <p:spTree>
       <p:nvGrpSpPr>
         <p:cNvPr id="1" name=""/>
@@ -25041,243 +26132,12 @@
           <a:chExt cx="0" cy="0"/>
         </a:xfrm>
       </p:grpSpPr>
-      <p:sp useBgFill="1">
-        <p:nvSpPr>
-          <p:cNvPr id="23" name="Rectangle 22">
+      <p:pic>
+        <p:nvPicPr>
+          <p:cNvPr id="3" name="Picture 2" descr="Icon&#10;&#10;Description automatically generated">
             <a:extLst>
               <a:ext uri="{FF2B5EF4-FFF2-40B4-BE49-F238E27FC236}">
-                <a16:creationId xmlns:a16="http://schemas.microsoft.com/office/drawing/2014/main" id="{4F7EBAE4-9945-4473-9E34-B2C66EA0F03D}"/>
-              </a:ext>
-              <a:ext uri="{C183D7F6-B498-43B3-948B-1728B52AA6E4}">
-                <adec:decorative xmlns:adec="http://schemas.microsoft.com/office/drawing/2017/decorative" val="1"/>
-              </a:ext>
-            </a:extLst>
-          </p:cNvPr>
-          <p:cNvSpPr>
-            <a:spLocks noGrp="1" noRot="1" noChangeAspect="1" noMove="1" noResize="1" noEditPoints="1" noAdjustHandles="1" noChangeArrowheads="1" noChangeShapeType="1" noTextEdit="1"/>
-          </p:cNvSpPr>
-          <p:nvPr>
-            <p:extLst>
-              <p:ext uri="{386F3935-93C4-4BCD-93E2-E3B085C9AB24}">
-                <p16:designElem xmlns:p16="http://schemas.microsoft.com/office/powerpoint/2015/main" val="1"/>
-              </p:ext>
-            </p:extLst>
-          </p:nvPr>
-        </p:nvSpPr>
-        <p:spPr bwMode="white">
-          <a:xfrm>
-            <a:off x="0" y="0"/>
-            <a:ext cx="12192000" cy="6858000"/>
-          </a:xfrm>
-          <a:prstGeom prst="rect">
-            <a:avLst/>
-          </a:prstGeom>
-          <a:ln>
-            <a:noFill/>
-          </a:ln>
-        </p:spPr>
-        <p:style>
-          <a:lnRef idx="2">
-            <a:schemeClr val="accent1">
-              <a:shade val="50000"/>
-            </a:schemeClr>
-          </a:lnRef>
-          <a:fillRef idx="1">
-            <a:schemeClr val="accent1"/>
-          </a:fillRef>
-          <a:effectRef idx="0">
-            <a:schemeClr val="accent1"/>
-          </a:effectRef>
-          <a:fontRef idx="minor">
-            <a:schemeClr val="lt1"/>
-          </a:fontRef>
-        </p:style>
-        <p:txBody>
-          <a:bodyPr rtlCol="0" anchor="ctr"/>
-          <a:lstStyle>
-            <a:defPPr>
-              <a:defRPr lang="en-US"/>
-            </a:defPPr>
-            <a:lvl1pPr marL="0" algn="l" defTabSz="914400" rtl="0" eaLnBrk="1" latinLnBrk="0" hangingPunct="1">
-              <a:defRPr sz="1800" kern="1200">
-                <a:solidFill>
-                  <a:schemeClr val="lt1"/>
-                </a:solidFill>
-                <a:latin typeface="+mn-lt"/>
-                <a:ea typeface="+mn-ea"/>
-                <a:cs typeface="+mn-cs"/>
-              </a:defRPr>
-            </a:lvl1pPr>
-            <a:lvl2pPr marL="457200" algn="l" defTabSz="914400" rtl="0" eaLnBrk="1" latinLnBrk="0" hangingPunct="1">
-              <a:defRPr sz="1800" kern="1200">
-                <a:solidFill>
-                  <a:schemeClr val="lt1"/>
-                </a:solidFill>
-                <a:latin typeface="+mn-lt"/>
-                <a:ea typeface="+mn-ea"/>
-                <a:cs typeface="+mn-cs"/>
-              </a:defRPr>
-            </a:lvl2pPr>
-            <a:lvl3pPr marL="914400" algn="l" defTabSz="914400" rtl="0" eaLnBrk="1" latinLnBrk="0" hangingPunct="1">
-              <a:defRPr sz="1800" kern="1200">
-                <a:solidFill>
-                  <a:schemeClr val="lt1"/>
-                </a:solidFill>
-                <a:latin typeface="+mn-lt"/>
-                <a:ea typeface="+mn-ea"/>
-                <a:cs typeface="+mn-cs"/>
-              </a:defRPr>
-            </a:lvl3pPr>
-            <a:lvl4pPr marL="1371600" algn="l" defTabSz="914400" rtl="0" eaLnBrk="1" latinLnBrk="0" hangingPunct="1">
-              <a:defRPr sz="1800" kern="1200">
-                <a:solidFill>
-                  <a:schemeClr val="lt1"/>
-                </a:solidFill>
-                <a:latin typeface="+mn-lt"/>
-                <a:ea typeface="+mn-ea"/>
-                <a:cs typeface="+mn-cs"/>
-              </a:defRPr>
-            </a:lvl4pPr>
-            <a:lvl5pPr marL="1828800" algn="l" defTabSz="914400" rtl="0" eaLnBrk="1" latinLnBrk="0" hangingPunct="1">
-              <a:defRPr sz="1800" kern="1200">
-                <a:solidFill>
-                  <a:schemeClr val="lt1"/>
-                </a:solidFill>
-                <a:latin typeface="+mn-lt"/>
-                <a:ea typeface="+mn-ea"/>
-                <a:cs typeface="+mn-cs"/>
-              </a:defRPr>
-            </a:lvl5pPr>
-            <a:lvl6pPr marL="2286000" algn="l" defTabSz="914400" rtl="0" eaLnBrk="1" latinLnBrk="0" hangingPunct="1">
-              <a:defRPr sz="1800" kern="1200">
-                <a:solidFill>
-                  <a:schemeClr val="lt1"/>
-                </a:solidFill>
-                <a:latin typeface="+mn-lt"/>
-                <a:ea typeface="+mn-ea"/>
-                <a:cs typeface="+mn-cs"/>
-              </a:defRPr>
-            </a:lvl6pPr>
-            <a:lvl7pPr marL="2743200" algn="l" defTabSz="914400" rtl="0" eaLnBrk="1" latinLnBrk="0" hangingPunct="1">
-              <a:defRPr sz="1800" kern="1200">
-                <a:solidFill>
-                  <a:schemeClr val="lt1"/>
-                </a:solidFill>
-                <a:latin typeface="+mn-lt"/>
-                <a:ea typeface="+mn-ea"/>
-                <a:cs typeface="+mn-cs"/>
-              </a:defRPr>
-            </a:lvl7pPr>
-            <a:lvl8pPr marL="3200400" algn="l" defTabSz="914400" rtl="0" eaLnBrk="1" latinLnBrk="0" hangingPunct="1">
-              <a:defRPr sz="1800" kern="1200">
-                <a:solidFill>
-                  <a:schemeClr val="lt1"/>
-                </a:solidFill>
-                <a:latin typeface="+mn-lt"/>
-                <a:ea typeface="+mn-ea"/>
-                <a:cs typeface="+mn-cs"/>
-              </a:defRPr>
-            </a:lvl8pPr>
-            <a:lvl9pPr marL="3657600" algn="l" defTabSz="914400" rtl="0" eaLnBrk="1" latinLnBrk="0" hangingPunct="1">
-              <a:defRPr sz="1800" kern="1200">
-                <a:solidFill>
-                  <a:schemeClr val="lt1"/>
-                </a:solidFill>
-                <a:latin typeface="+mn-lt"/>
-                <a:ea typeface="+mn-ea"/>
-                <a:cs typeface="+mn-cs"/>
-              </a:defRPr>
-            </a:lvl9pPr>
-          </a:lstStyle>
-          <a:p>
-            <a:pPr algn="ctr"/>
-            <a:endParaRPr lang="en-US"/>
-          </a:p>
-        </p:txBody>
-      </p:sp>
-      <p:sp>
-        <p:nvSpPr>
-          <p:cNvPr id="2" name="Title 1">
-            <a:extLst>
-              <a:ext uri="{FF2B5EF4-FFF2-40B4-BE49-F238E27FC236}">
-                <a16:creationId xmlns:a16="http://schemas.microsoft.com/office/drawing/2014/main" id="{2EB799E6-6584-4A86-97DC-3C7DA89E022B}"/>
-              </a:ext>
-            </a:extLst>
-          </p:cNvPr>
-          <p:cNvSpPr>
-            <a:spLocks noGrp="1"/>
-          </p:cNvSpPr>
-          <p:nvPr>
-            <p:ph type="title"/>
-          </p:nvPr>
-        </p:nvSpPr>
-        <p:spPr>
-          <a:xfrm>
-            <a:off x="838200" y="365125"/>
-            <a:ext cx="5393361" cy="1325563"/>
-          </a:xfrm>
-        </p:spPr>
-        <p:txBody>
-          <a:bodyPr>
-            <a:normAutofit/>
-          </a:bodyPr>
-          <a:lstStyle/>
-          <a:p>
-            <a:r>
-              <a:rPr lang="en-US" sz="3600" dirty="0"/>
-              <a:t>AI Identification System</a:t>
-            </a:r>
-            <a:br>
-              <a:rPr lang="en-US" sz="2100" dirty="0"/>
-            </a:br>
-            <a:br>
-              <a:rPr lang="en-US" sz="2100" dirty="0"/>
-            </a:br>
-            <a:endParaRPr lang="en-US" sz="1200" dirty="0"/>
-          </a:p>
-        </p:txBody>
-      </p:sp>
-      <p:sp>
-        <p:nvSpPr>
-          <p:cNvPr id="3" name="Content Placeholder 2">
-            <a:extLst>
-              <a:ext uri="{FF2B5EF4-FFF2-40B4-BE49-F238E27FC236}">
-                <a16:creationId xmlns:a16="http://schemas.microsoft.com/office/drawing/2014/main" id="{284F776D-5A43-421C-BDDA-37906AD408CC}"/>
-              </a:ext>
-            </a:extLst>
-          </p:cNvPr>
-          <p:cNvSpPr>
-            <a:spLocks noGrp="1"/>
-          </p:cNvSpPr>
-          <p:nvPr>
-            <p:ph idx="1"/>
-          </p:nvPr>
-        </p:nvSpPr>
-        <p:spPr>
-          <a:xfrm>
-            <a:off x="838200" y="1825625"/>
-            <a:ext cx="5393361" cy="4351338"/>
-          </a:xfrm>
-        </p:spPr>
-        <p:txBody>
-          <a:bodyPr>
-            <a:normAutofit/>
-          </a:bodyPr>
-          <a:lstStyle/>
-          <a:p>
-            <a:r>
-              <a:rPr lang="en-US" dirty="0"/>
-              <a:t>When a user takes a photo, the AI identifier will automatically identify what that image was and what species it was. The user can then change the species name if the AI was incorrect. </a:t>
-            </a:r>
-          </a:p>
-        </p:txBody>
-      </p:sp>
-      <p:pic>
-        <p:nvPicPr>
-          <p:cNvPr id="5" name="Picture 4" descr="Icon&#10;&#10;Description automatically generated with medium confidence">
-            <a:extLst>
-              <a:ext uri="{FF2B5EF4-FFF2-40B4-BE49-F238E27FC236}">
-                <a16:creationId xmlns:a16="http://schemas.microsoft.com/office/drawing/2014/main" id="{9469866A-4082-4833-9315-10EC5BC642D4}"/>
+                <a16:creationId xmlns:a16="http://schemas.microsoft.com/office/drawing/2014/main" id="{35469048-2BEF-4A12-91DE-97D633A899B4}"/>
               </a:ext>
             </a:extLst>
           </p:cNvPr>
@@ -25286,250 +26146,423 @@
           </p:cNvPicPr>
           <p:nvPr/>
         </p:nvPicPr>
-        <p:blipFill rotWithShape="1">
+        <p:blipFill>
           <a:blip r:embed="rId2">
             <a:extLst>
-              <a:ext uri="{BEBA8EAE-BF5A-486C-A8C5-ECC9F3942E4B}">
-                <a14:imgProps xmlns:a14="http://schemas.microsoft.com/office/drawing/2010/main">
-                  <a14:imgLayer r:embed="rId3">
-                    <a14:imgEffect>
-                      <a14:backgroundRemoval t="10000" b="90000" l="10000" r="90000">
-                        <a14:foregroundMark x1="14936" y1="43611" x2="14936" y2="43611"/>
-                        <a14:foregroundMark x1="19488" y1="50278" x2="19488" y2="50278"/>
-                        <a14:foregroundMark x1="16927" y1="58472" x2="16927" y2="58472"/>
-                        <a14:foregroundMark x1="18919" y1="65972" x2="18919" y2="66111"/>
-                        <a14:foregroundMark x1="31863" y1="54722" x2="32006" y2="54722"/>
-                        <a14:foregroundMark x1="44950" y1="53472" x2="44950" y2="53472"/>
-                        <a14:foregroundMark x1="55050" y1="54444" x2="55050" y2="54444"/>
-                        <a14:foregroundMark x1="82504" y1="42222" x2="82504" y2="42222"/>
-                        <a14:foregroundMark x1="81366" y1="50694" x2="81366" y2="50694"/>
-                        <a14:foregroundMark x1="80512" y1="58611" x2="80512" y2="58611"/>
-                        <a14:foregroundMark x1="80939" y1="66111" x2="80939" y2="66111"/>
-                        <a14:foregroundMark x1="38122" y1="85833" x2="38122" y2="85833"/>
-                        <a14:foregroundMark x1="46230" y1="85000" x2="46230" y2="85000"/>
-                        <a14:foregroundMark x1="53343" y1="85278" x2="53343" y2="85278"/>
-                        <a14:foregroundMark x1="62447" y1="86528" x2="62447" y2="86528"/>
-                        <a14:foregroundMark x1="37553" y1="20139" x2="37553" y2="20139"/>
-                        <a14:foregroundMark x1="45377" y1="20694" x2="45377" y2="20694"/>
-                        <a14:foregroundMark x1="53485" y1="20694" x2="53485" y2="20694"/>
-                        <a14:foregroundMark x1="62020" y1="20972" x2="62020" y2="20972"/>
-                      </a14:backgroundRemoval>
-                    </a14:imgEffect>
-                  </a14:imgLayer>
-                </a14:imgProps>
-              </a:ext>
               <a:ext uri="{28A0092B-C50C-407E-A947-70E740481C1C}">
                 <a14:useLocalDpi xmlns:a14="http://schemas.microsoft.com/office/drawing/2010/main" val="0"/>
               </a:ext>
             </a:extLst>
           </a:blip>
-          <a:srcRect r="-4" b="2358"/>
-          <a:stretch/>
+          <a:stretch>
+            <a:fillRect/>
+          </a:stretch>
         </p:blipFill>
         <p:spPr>
           <a:xfrm>
-            <a:off x="6374920" y="758514"/>
-            <a:ext cx="5122238" cy="5122238"/>
+            <a:off x="904607" y="729615"/>
+            <a:ext cx="1003245" cy="819150"/>
           </a:xfrm>
-          <a:custGeom>
+          <a:prstGeom prst="rect">
             <a:avLst/>
-            <a:gdLst/>
-            <a:ahLst/>
-            <a:cxnLst/>
-            <a:rect l="l" t="t" r="r" b="b"/>
-            <a:pathLst>
-              <a:path w="2663168" h="2663168">
-                <a:moveTo>
-                  <a:pt x="1331584" y="0"/>
-                </a:moveTo>
-                <a:cubicBezTo>
-                  <a:pt x="2066998" y="0"/>
-                  <a:pt x="2663168" y="596170"/>
-                  <a:pt x="2663168" y="1331584"/>
-                </a:cubicBezTo>
-                <a:cubicBezTo>
-                  <a:pt x="2663168" y="2066998"/>
-                  <a:pt x="2066998" y="2663168"/>
-                  <a:pt x="1331584" y="2663168"/>
-                </a:cubicBezTo>
-                <a:cubicBezTo>
-                  <a:pt x="596170" y="2663168"/>
-                  <a:pt x="0" y="2066998"/>
-                  <a:pt x="0" y="1331584"/>
-                </a:cubicBezTo>
-                <a:cubicBezTo>
-                  <a:pt x="0" y="596170"/>
-                  <a:pt x="596170" y="0"/>
-                  <a:pt x="1331584" y="0"/>
-                </a:cubicBezTo>
-                <a:close/>
-              </a:path>
-            </a:pathLst>
-          </a:custGeom>
+          </a:prstGeom>
+        </p:spPr>
+      </p:pic>
+      <p:pic>
+        <p:nvPicPr>
+          <p:cNvPr id="6" name="Picture 5" descr="Shape&#10;&#10;Description automatically generated">
+            <a:extLst>
+              <a:ext uri="{FF2B5EF4-FFF2-40B4-BE49-F238E27FC236}">
+                <a16:creationId xmlns:a16="http://schemas.microsoft.com/office/drawing/2014/main" id="{6D9ECC1B-AEC6-44FF-A0C1-81B37B00AD57}"/>
+              </a:ext>
+            </a:extLst>
+          </p:cNvPr>
+          <p:cNvPicPr>
+            <a:picLocks noChangeAspect="1"/>
+          </p:cNvPicPr>
+          <p:nvPr/>
+        </p:nvPicPr>
+        <p:blipFill>
+          <a:blip r:embed="rId3">
+            <a:extLst>
+              <a:ext uri="{28A0092B-C50C-407E-A947-70E740481C1C}">
+                <a14:useLocalDpi xmlns:a14="http://schemas.microsoft.com/office/drawing/2010/main" val="0"/>
+              </a:ext>
+            </a:extLst>
+          </a:blip>
+          <a:stretch>
+            <a:fillRect/>
+          </a:stretch>
+        </p:blipFill>
+        <p:spPr>
+          <a:xfrm>
+            <a:off x="5469047" y="729615"/>
+            <a:ext cx="848546" cy="848546"/>
+          </a:xfrm>
+          <a:prstGeom prst="rect">
+            <a:avLst/>
+          </a:prstGeom>
         </p:spPr>
       </p:pic>
       <p:sp>
         <p:nvSpPr>
-          <p:cNvPr id="25" name="!!Arc">
+          <p:cNvPr id="11" name="TextBox 10">
             <a:extLst>
               <a:ext uri="{FF2B5EF4-FFF2-40B4-BE49-F238E27FC236}">
-                <a16:creationId xmlns:a16="http://schemas.microsoft.com/office/drawing/2014/main" id="{70BEB1E7-2F88-40BC-B73D-42E5B6F80BFC}"/>
-              </a:ext>
-              <a:ext uri="{C183D7F6-B498-43B3-948B-1728B52AA6E4}">
-                <adec:decorative xmlns:adec="http://schemas.microsoft.com/office/drawing/2017/decorative" val="1"/>
+                <a16:creationId xmlns:a16="http://schemas.microsoft.com/office/drawing/2014/main" id="{01C4AADD-E582-4C78-8008-4A7F1CF6B91E}"/>
               </a:ext>
             </a:extLst>
           </p:cNvPr>
-          <p:cNvSpPr>
-            <a:spLocks noGrp="1" noRot="1" noChangeAspect="1" noMove="1" noResize="1" noEditPoints="1" noAdjustHandles="1" noChangeArrowheads="1" noChangeShapeType="1" noTextEdit="1"/>
-          </p:cNvSpPr>
-          <p:nvPr>
-            <p:extLst>
-              <p:ext uri="{386F3935-93C4-4BCD-93E2-E3B085C9AB24}">
-                <p16:designElem xmlns:p16="http://schemas.microsoft.com/office/powerpoint/2015/main" val="1"/>
-              </p:ext>
-            </p:extLst>
-          </p:nvPr>
+          <p:cNvSpPr txBox="1"/>
+          <p:nvPr/>
         </p:nvSpPr>
         <p:spPr>
-          <a:xfrm rot="21189197" flipV="1">
-            <a:off x="6261882" y="687822"/>
-            <a:ext cx="5471147" cy="5471147"/>
+          <a:xfrm>
+            <a:off x="904607" y="1706880"/>
+            <a:ext cx="1123406" cy="369332"/>
           </a:xfrm>
-          <a:prstGeom prst="arc">
-            <a:avLst>
-              <a:gd name="adj1" fmla="val 16200000"/>
-              <a:gd name="adj2" fmla="val 20093138"/>
-            </a:avLst>
+          <a:prstGeom prst="rect">
+            <a:avLst/>
           </a:prstGeom>
-          <a:ln w="127000" cap="rnd">
-            <a:solidFill>
-              <a:schemeClr val="accent4">
-                <a:alpha val="95000"/>
-              </a:schemeClr>
-            </a:solidFill>
-            <a:prstDash val="dash"/>
-          </a:ln>
+          <a:noFill/>
         </p:spPr>
-        <p:style>
-          <a:lnRef idx="1">
-            <a:schemeClr val="accent1"/>
-          </a:lnRef>
-          <a:fillRef idx="0">
-            <a:schemeClr val="accent1"/>
-          </a:fillRef>
-          <a:effectRef idx="0">
-            <a:schemeClr val="accent1"/>
-          </a:effectRef>
-          <a:fontRef idx="minor">
-            <a:schemeClr val="tx1"/>
-          </a:fontRef>
-        </p:style>
         <p:txBody>
-          <a:bodyPr rtlCol="0" anchor="ctr"/>
+          <a:bodyPr wrap="square" rtlCol="0">
+            <a:spAutoFit/>
+          </a:bodyPr>
           <a:lstStyle/>
           <a:p>
-            <a:pPr algn="ctr"/>
-            <a:endParaRPr lang="en-US" dirty="0"/>
+            <a:r>
+              <a:rPr lang="en-US" dirty="0"/>
+              <a:t>Comment</a:t>
+            </a:r>
           </a:p>
         </p:txBody>
       </p:sp>
       <p:sp>
         <p:nvSpPr>
-          <p:cNvPr id="27" name="!!Oval">
+          <p:cNvPr id="13" name="TextBox 12">
             <a:extLst>
               <a:ext uri="{FF2B5EF4-FFF2-40B4-BE49-F238E27FC236}">
-                <a16:creationId xmlns:a16="http://schemas.microsoft.com/office/drawing/2014/main" id="{A7B99495-F43F-4D80-A44F-2CB4764EB90B}"/>
-              </a:ext>
-              <a:ext uri="{C183D7F6-B498-43B3-948B-1728B52AA6E4}">
-                <adec:decorative xmlns:adec="http://schemas.microsoft.com/office/drawing/2017/decorative" val="1"/>
+                <a16:creationId xmlns:a16="http://schemas.microsoft.com/office/drawing/2014/main" id="{DBBE94CB-DF11-4543-9786-EBDB5A574E6A}"/>
               </a:ext>
             </a:extLst>
           </p:cNvPr>
-          <p:cNvSpPr>
-            <a:spLocks noGrp="1" noRot="1" noChangeAspect="1" noMove="1" noResize="1" noEditPoints="1" noAdjustHandles="1" noChangeArrowheads="1" noChangeShapeType="1" noTextEdit="1"/>
-          </p:cNvSpPr>
-          <p:nvPr>
-            <p:extLst>
-              <p:ext uri="{386F3935-93C4-4BCD-93E2-E3B085C9AB24}">
-                <p16:designElem xmlns:p16="http://schemas.microsoft.com/office/powerpoint/2015/main" val="1"/>
-              </p:ext>
-            </p:extLst>
-          </p:nvPr>
+          <p:cNvSpPr txBox="1"/>
+          <p:nvPr/>
         </p:nvSpPr>
         <p:spPr>
           <a:xfrm>
-            <a:off x="10248561" y="921125"/>
-            <a:ext cx="791021" cy="769563"/>
+            <a:off x="5598557" y="1706880"/>
+            <a:ext cx="589525" cy="369332"/>
           </a:xfrm>
-          <a:prstGeom prst="ellipse">
+          <a:prstGeom prst="rect">
             <a:avLst/>
           </a:prstGeom>
-          <a:solidFill>
-            <a:schemeClr val="accent2"/>
-          </a:solidFill>
-          <a:ln>
-            <a:noFill/>
-          </a:ln>
+          <a:noFill/>
         </p:spPr>
-        <p:style>
-          <a:lnRef idx="2">
-            <a:schemeClr val="accent1">
-              <a:shade val="50000"/>
-            </a:schemeClr>
-          </a:lnRef>
-          <a:fillRef idx="1">
-            <a:schemeClr val="accent1"/>
-          </a:fillRef>
-          <a:effectRef idx="0">
-            <a:schemeClr val="accent1"/>
-          </a:effectRef>
-          <a:fontRef idx="minor">
-            <a:schemeClr val="lt1"/>
-          </a:fontRef>
-        </p:style>
         <p:txBody>
-          <a:bodyPr rtlCol="0" anchor="ctr"/>
+          <a:bodyPr wrap="square" rtlCol="0">
+            <a:spAutoFit/>
+          </a:bodyPr>
           <a:lstStyle/>
           <a:p>
-            <a:pPr marL="0" marR="0" lvl="0" indent="0" algn="ctr" defTabSz="914400" rtl="0" eaLnBrk="1" fontAlgn="auto" latinLnBrk="0" hangingPunct="1">
-              <a:lnSpc>
-                <a:spcPct val="100000"/>
-              </a:lnSpc>
-              <a:spcBef>
-                <a:spcPts val="0"/>
-              </a:spcBef>
-              <a:spcAft>
-                <a:spcPts val="0"/>
-              </a:spcAft>
-              <a:buClrTx/>
-              <a:buSzTx/>
-              <a:buFontTx/>
-              <a:buNone/>
-              <a:tabLst/>
-              <a:defRPr/>
-            </a:pPr>
-            <a:endParaRPr kumimoji="0" lang="en-US" sz="1800" b="0" i="0" u="none" strike="noStrike" kern="1200" cap="none" spc="0" normalizeH="0" baseline="0" noProof="0">
-              <a:ln>
-                <a:noFill/>
-              </a:ln>
-              <a:solidFill>
-                <a:srgbClr val="FFFFFF"/>
-              </a:solidFill>
-              <a:effectLst/>
-              <a:uLnTx/>
-              <a:uFillTx/>
-              <a:latin typeface="Calibri" panose="020F0502020204030204"/>
-              <a:ea typeface="+mn-ea"/>
-              <a:cs typeface="+mn-cs"/>
-            </a:endParaRPr>
+            <a:r>
+              <a:rPr lang="en-US" dirty="0"/>
+              <a:t>Like</a:t>
+            </a:r>
+          </a:p>
+        </p:txBody>
+      </p:sp>
+      <p:pic>
+        <p:nvPicPr>
+          <p:cNvPr id="15" name="Picture 14" descr="Icon&#10;&#10;Description automatically generated">
+            <a:extLst>
+              <a:ext uri="{FF2B5EF4-FFF2-40B4-BE49-F238E27FC236}">
+                <a16:creationId xmlns:a16="http://schemas.microsoft.com/office/drawing/2014/main" id="{25144143-5135-48C5-A573-416E5AD71873}"/>
+              </a:ext>
+            </a:extLst>
+          </p:cNvPr>
+          <p:cNvPicPr>
+            <a:picLocks noChangeAspect="1"/>
+          </p:cNvPicPr>
+          <p:nvPr/>
+        </p:nvPicPr>
+        <p:blipFill>
+          <a:blip r:embed="rId4">
+            <a:extLst>
+              <a:ext uri="{28A0092B-C50C-407E-A947-70E740481C1C}">
+                <a14:useLocalDpi xmlns:a14="http://schemas.microsoft.com/office/drawing/2010/main" val="0"/>
+              </a:ext>
+            </a:extLst>
+          </a:blip>
+          <a:stretch>
+            <a:fillRect/>
+          </a:stretch>
+        </p:blipFill>
+        <p:spPr>
+          <a:xfrm>
+            <a:off x="3151979" y="617418"/>
+            <a:ext cx="1072940" cy="1072940"/>
+          </a:xfrm>
+          <a:prstGeom prst="rect">
+            <a:avLst/>
+          </a:prstGeom>
+        </p:spPr>
+      </p:pic>
+      <p:sp>
+        <p:nvSpPr>
+          <p:cNvPr id="16" name="TextBox 15">
+            <a:extLst>
+              <a:ext uri="{FF2B5EF4-FFF2-40B4-BE49-F238E27FC236}">
+                <a16:creationId xmlns:a16="http://schemas.microsoft.com/office/drawing/2014/main" id="{2BE452A4-39C8-4B94-9679-DE77B919A838}"/>
+              </a:ext>
+            </a:extLst>
+          </p:cNvPr>
+          <p:cNvSpPr txBox="1"/>
+          <p:nvPr/>
+        </p:nvSpPr>
+        <p:spPr>
+          <a:xfrm>
+            <a:off x="3102254" y="1706880"/>
+            <a:ext cx="1172389" cy="369332"/>
+          </a:xfrm>
+          <a:prstGeom prst="rect">
+            <a:avLst/>
+          </a:prstGeom>
+          <a:noFill/>
+        </p:spPr>
+        <p:txBody>
+          <a:bodyPr wrap="square" rtlCol="0">
+            <a:spAutoFit/>
+          </a:bodyPr>
+          <a:lstStyle/>
+          <a:p>
+            <a:r>
+              <a:rPr lang="en-US" dirty="0"/>
+              <a:t>Passwords</a:t>
+            </a:r>
+          </a:p>
+        </p:txBody>
+      </p:sp>
+      <p:pic>
+        <p:nvPicPr>
+          <p:cNvPr id="18" name="Picture 17" descr="A picture containing shape&#10;&#10;Description automatically generated">
+            <a:extLst>
+              <a:ext uri="{FF2B5EF4-FFF2-40B4-BE49-F238E27FC236}">
+                <a16:creationId xmlns:a16="http://schemas.microsoft.com/office/drawing/2014/main" id="{954FE639-9346-49C2-B71B-894E6E961937}"/>
+              </a:ext>
+            </a:extLst>
+          </p:cNvPr>
+          <p:cNvPicPr>
+            <a:picLocks noChangeAspect="1"/>
+          </p:cNvPicPr>
+          <p:nvPr/>
+        </p:nvPicPr>
+        <p:blipFill>
+          <a:blip r:embed="rId5">
+            <a:extLst>
+              <a:ext uri="{28A0092B-C50C-407E-A947-70E740481C1C}">
+                <a14:useLocalDpi xmlns:a14="http://schemas.microsoft.com/office/drawing/2010/main" val="0"/>
+              </a:ext>
+            </a:extLst>
+          </a:blip>
+          <a:stretch>
+            <a:fillRect/>
+          </a:stretch>
+        </p:blipFill>
+        <p:spPr>
+          <a:xfrm>
+            <a:off x="7650215" y="764451"/>
+            <a:ext cx="848547" cy="848547"/>
+          </a:xfrm>
+          <a:prstGeom prst="rect">
+            <a:avLst/>
+          </a:prstGeom>
+        </p:spPr>
+      </p:pic>
+      <p:sp>
+        <p:nvSpPr>
+          <p:cNvPr id="19" name="TextBox 18">
+            <a:extLst>
+              <a:ext uri="{FF2B5EF4-FFF2-40B4-BE49-F238E27FC236}">
+                <a16:creationId xmlns:a16="http://schemas.microsoft.com/office/drawing/2014/main" id="{8BBE9898-7261-4A55-B54A-1DC0E273B26D}"/>
+              </a:ext>
+            </a:extLst>
+          </p:cNvPr>
+          <p:cNvSpPr txBox="1"/>
+          <p:nvPr/>
+        </p:nvSpPr>
+        <p:spPr>
+          <a:xfrm>
+            <a:off x="7741181" y="1706880"/>
+            <a:ext cx="702096" cy="369332"/>
+          </a:xfrm>
+          <a:prstGeom prst="rect">
+            <a:avLst/>
+          </a:prstGeom>
+          <a:noFill/>
+        </p:spPr>
+        <p:txBody>
+          <a:bodyPr wrap="square" rtlCol="0">
+            <a:spAutoFit/>
+          </a:bodyPr>
+          <a:lstStyle/>
+          <a:p>
+            <a:r>
+              <a:rPr lang="en-US" dirty="0"/>
+              <a:t>Filter</a:t>
+            </a:r>
+          </a:p>
+        </p:txBody>
+      </p:sp>
+      <p:pic>
+        <p:nvPicPr>
+          <p:cNvPr id="21" name="Picture 20" descr="Icon&#10;&#10;Description automatically generated">
+            <a:extLst>
+              <a:ext uri="{FF2B5EF4-FFF2-40B4-BE49-F238E27FC236}">
+                <a16:creationId xmlns:a16="http://schemas.microsoft.com/office/drawing/2014/main" id="{B402AF8A-85F6-427D-8B7F-ADE4FEA82E55}"/>
+              </a:ext>
+            </a:extLst>
+          </p:cNvPr>
+          <p:cNvPicPr>
+            <a:picLocks noChangeAspect="1"/>
+          </p:cNvPicPr>
+          <p:nvPr/>
+        </p:nvPicPr>
+        <p:blipFill>
+          <a:blip r:embed="rId6">
+            <a:extLst>
+              <a:ext uri="{28A0092B-C50C-407E-A947-70E740481C1C}">
+                <a14:useLocalDpi xmlns:a14="http://schemas.microsoft.com/office/drawing/2010/main" val="0"/>
+              </a:ext>
+            </a:extLst>
+          </a:blip>
+          <a:stretch>
+            <a:fillRect/>
+          </a:stretch>
+        </p:blipFill>
+        <p:spPr>
+          <a:xfrm>
+            <a:off x="9972233" y="602720"/>
+            <a:ext cx="1072940" cy="1072940"/>
+          </a:xfrm>
+          <a:prstGeom prst="rect">
+            <a:avLst/>
+          </a:prstGeom>
+        </p:spPr>
+      </p:pic>
+      <p:sp>
+        <p:nvSpPr>
+          <p:cNvPr id="22" name="TextBox 21">
+            <a:extLst>
+              <a:ext uri="{FF2B5EF4-FFF2-40B4-BE49-F238E27FC236}">
+                <a16:creationId xmlns:a16="http://schemas.microsoft.com/office/drawing/2014/main" id="{DD5AF4BD-C534-4818-8B0E-277CDEA51A79}"/>
+              </a:ext>
+            </a:extLst>
+          </p:cNvPr>
+          <p:cNvSpPr txBox="1"/>
+          <p:nvPr/>
+        </p:nvSpPr>
+        <p:spPr>
+          <a:xfrm>
+            <a:off x="10305872" y="1722664"/>
+            <a:ext cx="510169" cy="369332"/>
+          </a:xfrm>
+          <a:prstGeom prst="rect">
+            <a:avLst/>
+          </a:prstGeom>
+          <a:noFill/>
+        </p:spPr>
+        <p:txBody>
+          <a:bodyPr wrap="square" rtlCol="0">
+            <a:spAutoFit/>
+          </a:bodyPr>
+          <a:lstStyle/>
+          <a:p>
+            <a:r>
+              <a:rPr lang="en-US" dirty="0"/>
+              <a:t>AI</a:t>
+            </a:r>
+          </a:p>
+        </p:txBody>
+      </p:sp>
+      <p:pic>
+        <p:nvPicPr>
+          <p:cNvPr id="24" name="Picture 23" descr="Logo&#10;&#10;Description automatically generated with medium confidence">
+            <a:extLst>
+              <a:ext uri="{FF2B5EF4-FFF2-40B4-BE49-F238E27FC236}">
+                <a16:creationId xmlns:a16="http://schemas.microsoft.com/office/drawing/2014/main" id="{405F919E-574C-4C44-8A30-E7BCE51B153B}"/>
+              </a:ext>
+            </a:extLst>
+          </p:cNvPr>
+          <p:cNvPicPr>
+            <a:picLocks noChangeAspect="1"/>
+          </p:cNvPicPr>
+          <p:nvPr/>
+        </p:nvPicPr>
+        <p:blipFill>
+          <a:blip r:embed="rId7">
+            <a:extLst>
+              <a:ext uri="{28A0092B-C50C-407E-A947-70E740481C1C}">
+                <a14:useLocalDpi xmlns:a14="http://schemas.microsoft.com/office/drawing/2010/main" val="0"/>
+              </a:ext>
+            </a:extLst>
+          </a:blip>
+          <a:stretch>
+            <a:fillRect/>
+          </a:stretch>
+        </p:blipFill>
+        <p:spPr>
+          <a:xfrm>
+            <a:off x="983137" y="2688772"/>
+            <a:ext cx="966346" cy="966346"/>
+          </a:xfrm>
+          <a:prstGeom prst="rect">
+            <a:avLst/>
+          </a:prstGeom>
+        </p:spPr>
+      </p:pic>
+      <p:sp>
+        <p:nvSpPr>
+          <p:cNvPr id="25" name="TextBox 24">
+            <a:extLst>
+              <a:ext uri="{FF2B5EF4-FFF2-40B4-BE49-F238E27FC236}">
+                <a16:creationId xmlns:a16="http://schemas.microsoft.com/office/drawing/2014/main" id="{784290B5-6D44-4CDD-BF48-86175A74A2AF}"/>
+              </a:ext>
+            </a:extLst>
+          </p:cNvPr>
+          <p:cNvSpPr txBox="1"/>
+          <p:nvPr/>
+        </p:nvSpPr>
+        <p:spPr>
+          <a:xfrm>
+            <a:off x="748726" y="3749036"/>
+            <a:ext cx="1480663" cy="646331"/>
+          </a:xfrm>
+          <a:prstGeom prst="rect">
+            <a:avLst/>
+          </a:prstGeom>
+          <a:noFill/>
+        </p:spPr>
+        <p:txBody>
+          <a:bodyPr wrap="square" rtlCol="0">
+            <a:spAutoFit/>
+          </a:bodyPr>
+          <a:lstStyle/>
+          <a:p>
+            <a:pPr algn="ctr"/>
+            <a:r>
+              <a:rPr lang="en-US" dirty="0"/>
+              <a:t>Sections &amp; Communities</a:t>
+            </a:r>
           </a:p>
         </p:txBody>
       </p:sp>
     </p:spTree>
     <p:extLst>
       <p:ext uri="{BB962C8B-B14F-4D97-AF65-F5344CB8AC3E}">
-        <p14:creationId xmlns:p14="http://schemas.microsoft.com/office/powerpoint/2010/main" val="2478166254"/>
+        <p14:creationId xmlns:p14="http://schemas.microsoft.com/office/powerpoint/2010/main" val="2317609749"/>
       </p:ext>
     </p:extLst>
   </p:cSld>

--- a/Document Files/Marketing PPT.pptx
+++ b/Document Files/Marketing PPT.pptx
@@ -2433,50 +2433,6 @@
         </a:p>
       </dgm:t>
     </dgm:pt>
-    <dgm:pt modelId="{55A76DE5-5E9A-4989-8B30-BC28EB985E67}">
-      <dgm:prSet/>
-      <dgm:spPr/>
-      <dgm:t>
-        <a:bodyPr/>
-        <a:lstStyle/>
-        <a:p>
-          <a:r>
-            <a:rPr lang="en-US"/>
-            <a:t># of species: </a:t>
-          </a:r>
-          <a:r>
-            <a:rPr lang="en-US" b="1"/>
-            <a:t>4 points </a:t>
-          </a:r>
-          <a:r>
-            <a:rPr lang="en-US"/>
-            <a:t>per different species that you upload</a:t>
-          </a:r>
-        </a:p>
-      </dgm:t>
-    </dgm:pt>
-    <dgm:pt modelId="{ED09CCE0-3B14-4C08-932D-A9D5A91E9D0E}" type="parTrans" cxnId="{32E760E0-9E49-4431-A41A-6A3A73EC6934}">
-      <dgm:prSet/>
-      <dgm:spPr/>
-      <dgm:t>
-        <a:bodyPr/>
-        <a:lstStyle/>
-        <a:p>
-          <a:endParaRPr lang="en-US"/>
-        </a:p>
-      </dgm:t>
-    </dgm:pt>
-    <dgm:pt modelId="{12239709-324A-4B16-B47E-BA058BA7229D}" type="sibTrans" cxnId="{32E760E0-9E49-4431-A41A-6A3A73EC6934}">
-      <dgm:prSet/>
-      <dgm:spPr/>
-      <dgm:t>
-        <a:bodyPr/>
-        <a:lstStyle/>
-        <a:p>
-          <a:endParaRPr lang="en-US"/>
-        </a:p>
-      </dgm:t>
-    </dgm:pt>
     <dgm:pt modelId="{49BDCECA-7D0A-4A4E-87BF-2B51BB6C76B0}">
       <dgm:prSet/>
       <dgm:spPr/>
@@ -2731,6 +2687,50 @@
       </dgm:t>
     </dgm:pt>
     <dgm:pt modelId="{E1A54F30-523E-4905-8FDD-DE8AAEC853BA}" type="sibTrans" cxnId="{2FE04D55-B8B1-46A0-BB71-337FEF9BAF4A}">
+      <dgm:prSet/>
+      <dgm:spPr/>
+      <dgm:t>
+        <a:bodyPr/>
+        <a:lstStyle/>
+        <a:p>
+          <a:endParaRPr lang="en-US"/>
+        </a:p>
+      </dgm:t>
+    </dgm:pt>
+    <dgm:pt modelId="{55A76DE5-5E9A-4989-8B30-BC28EB985E67}">
+      <dgm:prSet/>
+      <dgm:spPr/>
+      <dgm:t>
+        <a:bodyPr/>
+        <a:lstStyle/>
+        <a:p>
+          <a:r>
+            <a:rPr lang="en-US" dirty="0"/>
+            <a:t># of species: </a:t>
+          </a:r>
+          <a:r>
+            <a:rPr lang="en-US" b="1" dirty="0"/>
+            <a:t>4 points </a:t>
+          </a:r>
+          <a:r>
+            <a:rPr lang="en-US" dirty="0"/>
+            <a:t>per different species that you upload</a:t>
+          </a:r>
+        </a:p>
+      </dgm:t>
+    </dgm:pt>
+    <dgm:pt modelId="{12239709-324A-4B16-B47E-BA058BA7229D}" type="sibTrans" cxnId="{32E760E0-9E49-4431-A41A-6A3A73EC6934}">
+      <dgm:prSet/>
+      <dgm:spPr/>
+      <dgm:t>
+        <a:bodyPr/>
+        <a:lstStyle/>
+        <a:p>
+          <a:endParaRPr lang="en-US"/>
+        </a:p>
+      </dgm:t>
+    </dgm:pt>
+    <dgm:pt modelId="{ED09CCE0-3B14-4C08-932D-A9D5A91E9D0E}" type="parTrans" cxnId="{32E760E0-9E49-4431-A41A-6A3A73EC6934}">
       <dgm:prSet/>
       <dgm:spPr/>
       <dgm:t>
@@ -3821,15 +3821,15 @@
             <a:buNone/>
           </a:pPr>
           <a:r>
-            <a:rPr lang="en-US" sz="1300" kern="1200"/>
+            <a:rPr lang="en-US" sz="1300" kern="1200" dirty="0"/>
             <a:t># of species: </a:t>
           </a:r>
           <a:r>
-            <a:rPr lang="en-US" sz="1300" b="1" kern="1200"/>
+            <a:rPr lang="en-US" sz="1300" b="1" kern="1200" dirty="0"/>
             <a:t>4 points </a:t>
           </a:r>
           <a:r>
-            <a:rPr lang="en-US" sz="1300" kern="1200"/>
+            <a:rPr lang="en-US" sz="1300" kern="1200" dirty="0"/>
             <a:t>per different species that you upload</a:t>
           </a:r>
         </a:p>
@@ -7015,7 +7015,7 @@
           <a:p>
             <a:fld id="{95850D67-3E14-492B-BF01-DE5DB377F20E}" type="datetimeFigureOut">
               <a:rPr lang="en-US" smtClean="0"/>
-              <a:t>6/10/2021</a:t>
+              <a:t>6/12/2021</a:t>
             </a:fld>
             <a:endParaRPr lang="en-US"/>
           </a:p>
@@ -7213,7 +7213,7 @@
           <a:p>
             <a:fld id="{95850D67-3E14-492B-BF01-DE5DB377F20E}" type="datetimeFigureOut">
               <a:rPr lang="en-US" smtClean="0"/>
-              <a:t>6/10/2021</a:t>
+              <a:t>6/12/2021</a:t>
             </a:fld>
             <a:endParaRPr lang="en-US"/>
           </a:p>
@@ -7421,7 +7421,7 @@
           <a:p>
             <a:fld id="{95850D67-3E14-492B-BF01-DE5DB377F20E}" type="datetimeFigureOut">
               <a:rPr lang="en-US" smtClean="0"/>
-              <a:t>6/10/2021</a:t>
+              <a:t>6/12/2021</a:t>
             </a:fld>
             <a:endParaRPr lang="en-US"/>
           </a:p>
@@ -7619,7 +7619,7 @@
           <a:p>
             <a:fld id="{95850D67-3E14-492B-BF01-DE5DB377F20E}" type="datetimeFigureOut">
               <a:rPr lang="en-US" smtClean="0"/>
-              <a:t>6/10/2021</a:t>
+              <a:t>6/12/2021</a:t>
             </a:fld>
             <a:endParaRPr lang="en-US"/>
           </a:p>
@@ -7894,7 +7894,7 @@
           <a:p>
             <a:fld id="{95850D67-3E14-492B-BF01-DE5DB377F20E}" type="datetimeFigureOut">
               <a:rPr lang="en-US" smtClean="0"/>
-              <a:t>6/10/2021</a:t>
+              <a:t>6/12/2021</a:t>
             </a:fld>
             <a:endParaRPr lang="en-US"/>
           </a:p>
@@ -8159,7 +8159,7 @@
           <a:p>
             <a:fld id="{95850D67-3E14-492B-BF01-DE5DB377F20E}" type="datetimeFigureOut">
               <a:rPr lang="en-US" smtClean="0"/>
-              <a:t>6/10/2021</a:t>
+              <a:t>6/12/2021</a:t>
             </a:fld>
             <a:endParaRPr lang="en-US"/>
           </a:p>
@@ -8571,7 +8571,7 @@
           <a:p>
             <a:fld id="{95850D67-3E14-492B-BF01-DE5DB377F20E}" type="datetimeFigureOut">
               <a:rPr lang="en-US" smtClean="0"/>
-              <a:t>6/10/2021</a:t>
+              <a:t>6/12/2021</a:t>
             </a:fld>
             <a:endParaRPr lang="en-US"/>
           </a:p>
@@ -8712,7 +8712,7 @@
           <a:p>
             <a:fld id="{95850D67-3E14-492B-BF01-DE5DB377F20E}" type="datetimeFigureOut">
               <a:rPr lang="en-US" smtClean="0"/>
-              <a:t>6/10/2021</a:t>
+              <a:t>6/12/2021</a:t>
             </a:fld>
             <a:endParaRPr lang="en-US"/>
           </a:p>
@@ -8825,7 +8825,7 @@
           <a:p>
             <a:fld id="{95850D67-3E14-492B-BF01-DE5DB377F20E}" type="datetimeFigureOut">
               <a:rPr lang="en-US" smtClean="0"/>
-              <a:t>6/10/2021</a:t>
+              <a:t>6/12/2021</a:t>
             </a:fld>
             <a:endParaRPr lang="en-US"/>
           </a:p>
@@ -9136,7 +9136,7 @@
           <a:p>
             <a:fld id="{95850D67-3E14-492B-BF01-DE5DB377F20E}" type="datetimeFigureOut">
               <a:rPr lang="en-US" smtClean="0"/>
-              <a:t>6/10/2021</a:t>
+              <a:t>6/12/2021</a:t>
             </a:fld>
             <a:endParaRPr lang="en-US"/>
           </a:p>
@@ -9424,7 +9424,7 @@
           <a:p>
             <a:fld id="{95850D67-3E14-492B-BF01-DE5DB377F20E}" type="datetimeFigureOut">
               <a:rPr lang="en-US" smtClean="0"/>
-              <a:t>6/10/2021</a:t>
+              <a:t>6/12/2021</a:t>
             </a:fld>
             <a:endParaRPr lang="en-US"/>
           </a:p>
@@ -9665,7 +9665,7 @@
           <a:p>
             <a:fld id="{95850D67-3E14-492B-BF01-DE5DB377F20E}" type="datetimeFigureOut">
               <a:rPr lang="en-US" smtClean="0"/>
-              <a:t>6/10/2021</a:t>
+              <a:t>6/12/2021</a:t>
             </a:fld>
             <a:endParaRPr lang="en-US"/>
           </a:p>
@@ -11559,7 +11559,7 @@
           <a:p>
             <a:r>
               <a:rPr lang="en-US" sz="4000" dirty="0"/>
-              <a:t>Contribution System</a:t>
+              <a:t>Contribution Points System</a:t>
             </a:r>
             <a:endParaRPr lang="en-US" sz="1600" dirty="0"/>
           </a:p>
